--- a/doc/phase3/Final Presentation.pptx
+++ b/doc/phase3/Final Presentation.pptx
@@ -1,26 +1,25 @@
 
 <file path=ppt/presentation.xml><?xml version="1.0" encoding="utf-8"?>
-<p:presentation xmlns:a="http://schemas.openxmlformats.org/drawingml/2006/main" xmlns:r="http://schemas.openxmlformats.org/officeDocument/2006/relationships" xmlns:p="http://schemas.openxmlformats.org/presentationml/2006/main" xmlns:m="http://schemas.openxmlformats.org/officeDocument/2006/math" xmlns:a14="http://schemas.microsoft.com/office/drawing/2010/main">
+<p:presentation xmlns:a="http://schemas.openxmlformats.org/drawingml/2006/main" xmlns:r="http://schemas.openxmlformats.org/officeDocument/2006/relationships" xmlns:p="http://schemas.openxmlformats.org/presentationml/2006/main">
   <p:sldMasterIdLst>
-    <p:sldMasterId id="2147483648" r:id="rId5"/>
+    <p:sldMasterId id="2147483648" r:id="rId1"/>
   </p:sldMasterIdLst>
   <p:notesMasterIdLst>
-    <p:notesMasterId r:id="rId7"/>
+    <p:notesMasterId r:id="rId15"/>
   </p:notesMasterIdLst>
   <p:sldIdLst>
-    <p:sldId id="256" r:id="rId8"/>
-    <p:sldId id="257" r:id="rId9"/>
-    <p:sldId id="258" r:id="rId10"/>
-    <p:sldId id="259" r:id="rId11"/>
-    <p:sldId id="260" r:id="rId12"/>
-    <p:sldId id="261" r:id="rId13"/>
-    <p:sldId id="262" r:id="rId14"/>
-    <p:sldId id="263" r:id="rId15"/>
-    <p:sldId id="264" r:id="rId16"/>
-    <p:sldId id="265" r:id="rId17"/>
-    <p:sldId id="266" r:id="rId18"/>
-    <p:sldId id="267" r:id="rId19"/>
-    <p:sldId id="268" r:id="rId20"/>
+    <p:sldId id="256" r:id="rId3"/>
+    <p:sldId id="257" r:id="rId4"/>
+    <p:sldId id="258" r:id="rId5"/>
+    <p:sldId id="259" r:id="rId6"/>
+    <p:sldId id="260" r:id="rId7"/>
+    <p:sldId id="261" r:id="rId8"/>
+    <p:sldId id="262" r:id="rId9"/>
+    <p:sldId id="263" r:id="rId10"/>
+    <p:sldId id="264" r:id="rId11"/>
+    <p:sldId id="265" r:id="rId12"/>
+    <p:sldId id="267" r:id="rId13"/>
+    <p:sldId id="268" r:id="rId14"/>
   </p:sldIdLst>
   <p:sldSz cx="24384000" cy="13716000"/>
   <p:notesSz cx="6858000" cy="9144000"/>
@@ -39,8 +38,7 @@
       <a:buSzTx/>
       <a:buFontTx/>
       <a:buNone/>
-      <a:tabLst/>
-      <a:defRPr b="0" baseline="0" cap="none" i="0" spc="0" strike="noStrike" sz="1800" u="none" kumimoji="0" normalizeH="0">
+      <a:defRPr kumimoji="0" sz="1800" b="0" i="0" u="none" strike="noStrike" cap="none" spc="0" normalizeH="0" baseline="0">
         <a:ln>
           <a:noFill/>
         </a:ln>
@@ -65,8 +63,7 @@
       <a:buSzTx/>
       <a:buFontTx/>
       <a:buNone/>
-      <a:tabLst/>
-      <a:defRPr b="0" baseline="0" cap="none" i="0" spc="0" strike="noStrike" sz="5200" u="none" kumimoji="0" normalizeH="0">
+      <a:defRPr kumimoji="0" sz="5200" b="0" i="0" u="none" strike="noStrike" cap="none" spc="0" normalizeH="0" baseline="0">
         <a:ln>
           <a:noFill/>
         </a:ln>
@@ -95,8 +92,7 @@
       <a:buSzTx/>
       <a:buFontTx/>
       <a:buNone/>
-      <a:tabLst/>
-      <a:defRPr b="0" baseline="0" cap="none" i="0" spc="0" strike="noStrike" sz="5200" u="none" kumimoji="0" normalizeH="0">
+      <a:defRPr kumimoji="0" sz="5200" b="0" i="0" u="none" strike="noStrike" cap="none" spc="0" normalizeH="0" baseline="0">
         <a:ln>
           <a:noFill/>
         </a:ln>
@@ -125,8 +121,7 @@
       <a:buSzTx/>
       <a:buFontTx/>
       <a:buNone/>
-      <a:tabLst/>
-      <a:defRPr b="0" baseline="0" cap="none" i="0" spc="0" strike="noStrike" sz="5200" u="none" kumimoji="0" normalizeH="0">
+      <a:defRPr kumimoji="0" sz="5200" b="0" i="0" u="none" strike="noStrike" cap="none" spc="0" normalizeH="0" baseline="0">
         <a:ln>
           <a:noFill/>
         </a:ln>
@@ -155,8 +150,7 @@
       <a:buSzTx/>
       <a:buFontTx/>
       <a:buNone/>
-      <a:tabLst/>
-      <a:defRPr b="0" baseline="0" cap="none" i="0" spc="0" strike="noStrike" sz="5200" u="none" kumimoji="0" normalizeH="0">
+      <a:defRPr kumimoji="0" sz="5200" b="0" i="0" u="none" strike="noStrike" cap="none" spc="0" normalizeH="0" baseline="0">
         <a:ln>
           <a:noFill/>
         </a:ln>
@@ -185,8 +179,7 @@
       <a:buSzTx/>
       <a:buFontTx/>
       <a:buNone/>
-      <a:tabLst/>
-      <a:defRPr b="0" baseline="0" cap="none" i="0" spc="0" strike="noStrike" sz="5200" u="none" kumimoji="0" normalizeH="0">
+      <a:defRPr kumimoji="0" sz="5200" b="0" i="0" u="none" strike="noStrike" cap="none" spc="0" normalizeH="0" baseline="0">
         <a:ln>
           <a:noFill/>
         </a:ln>
@@ -215,8 +208,7 @@
       <a:buSzTx/>
       <a:buFontTx/>
       <a:buNone/>
-      <a:tabLst/>
-      <a:defRPr b="0" baseline="0" cap="none" i="0" spc="0" strike="noStrike" sz="5200" u="none" kumimoji="0" normalizeH="0">
+      <a:defRPr kumimoji="0" sz="5200" b="0" i="0" u="none" strike="noStrike" cap="none" spc="0" normalizeH="0" baseline="0">
         <a:ln>
           <a:noFill/>
         </a:ln>
@@ -245,8 +237,7 @@
       <a:buSzTx/>
       <a:buFontTx/>
       <a:buNone/>
-      <a:tabLst/>
-      <a:defRPr b="0" baseline="0" cap="none" i="0" spc="0" strike="noStrike" sz="5200" u="none" kumimoji="0" normalizeH="0">
+      <a:defRPr kumimoji="0" sz="5200" b="0" i="0" u="none" strike="noStrike" cap="none" spc="0" normalizeH="0" baseline="0">
         <a:ln>
           <a:noFill/>
         </a:ln>
@@ -275,8 +266,7 @@
       <a:buSzTx/>
       <a:buFontTx/>
       <a:buNone/>
-      <a:tabLst/>
-      <a:defRPr b="0" baseline="0" cap="none" i="0" spc="0" strike="noStrike" sz="5200" u="none" kumimoji="0" normalizeH="0">
+      <a:defRPr kumimoji="0" sz="5200" b="0" i="0" u="none" strike="noStrike" cap="none" spc="0" normalizeH="0" baseline="0">
         <a:ln>
           <a:noFill/>
         </a:ln>
@@ -305,8 +295,7 @@
       <a:buSzTx/>
       <a:buFontTx/>
       <a:buNone/>
-      <a:tabLst/>
-      <a:defRPr b="0" baseline="0" cap="none" i="0" spc="0" strike="noStrike" sz="5200" u="none" kumimoji="0" normalizeH="0">
+      <a:defRPr kumimoji="0" sz="5200" b="0" i="0" u="none" strike="noStrike" cap="none" spc="0" normalizeH="0" baseline="0">
         <a:ln>
           <a:noFill/>
         </a:ln>
@@ -325,13 +314,14 @@
 </p:presentation>
 </file>
 
-<file path=ppt/commentAuthors.xml><?xml version="1.0" encoding="utf-8"?>
-<p:cmAuthorLst xmlns:a="http://schemas.openxmlformats.org/drawingml/2006/main" xmlns:r="http://schemas.openxmlformats.org/officeDocument/2006/relationships" xmlns:p="http://schemas.openxmlformats.org/presentationml/2006/main" xmlns:m="http://schemas.openxmlformats.org/officeDocument/2006/math" xmlns:a14="http://schemas.microsoft.com/office/drawing/2010/main"/>
-</file>
-
 <file path=ppt/notesMasters/notesMaster1.xml><?xml version="1.0" encoding="utf-8"?>
-<p:notesMaster xmlns:a="http://schemas.openxmlformats.org/drawingml/2006/main" xmlns:r="http://schemas.openxmlformats.org/officeDocument/2006/relationships" xmlns:p="http://schemas.openxmlformats.org/presentationml/2006/main" xmlns:m="http://schemas.openxmlformats.org/officeDocument/2006/math" xmlns:a14="http://schemas.microsoft.com/office/drawing/2010/main">
+<p:notesMaster xmlns:a="http://schemas.openxmlformats.org/drawingml/2006/main" xmlns:r="http://schemas.openxmlformats.org/officeDocument/2006/relationships" xmlns:p="http://schemas.openxmlformats.org/presentationml/2006/main">
   <p:cSld>
+    <p:bg>
+      <p:bgRef idx="1001">
+        <a:schemeClr val="bg1"/>
+      </p:bgRef>
+    </p:bg>
     <p:spTree>
       <p:nvGrpSpPr>
         <p:cNvPr id="1" name=""/>
@@ -366,9 +356,7 @@
         <p:txBody>
           <a:bodyPr/>
           <a:lstStyle/>
-          <a:p>
-            <a:pPr/>
-          </a:p>
+          <a:p/>
         </p:txBody>
       </p:sp>
       <p:sp>
@@ -391,9 +379,7 @@
         <p:txBody>
           <a:bodyPr/>
           <a:lstStyle/>
-          <a:p>
-            <a:pPr/>
-          </a:p>
+          <a:p/>
         </p:txBody>
       </p:sp>
     </p:spTree>
@@ -402,7 +388,7 @@
   <p:notesStyle>
     <a:lvl1pPr defTabSz="457200" latinLnBrk="0">
       <a:lnSpc>
-        <a:spcPct val="117999"/>
+        <a:spcPct val="118000"/>
       </a:lnSpc>
       <a:defRPr sz="2200">
         <a:latin typeface="+mj-lt"/>
@@ -413,7 +399,7 @@
     </a:lvl1pPr>
     <a:lvl2pPr indent="228600" defTabSz="457200" latinLnBrk="0">
       <a:lnSpc>
-        <a:spcPct val="117999"/>
+        <a:spcPct val="118000"/>
       </a:lnSpc>
       <a:defRPr sz="2200">
         <a:latin typeface="+mj-lt"/>
@@ -424,7 +410,7 @@
     </a:lvl2pPr>
     <a:lvl3pPr indent="457200" defTabSz="457200" latinLnBrk="0">
       <a:lnSpc>
-        <a:spcPct val="117999"/>
+        <a:spcPct val="118000"/>
       </a:lnSpc>
       <a:defRPr sz="2200">
         <a:latin typeface="+mj-lt"/>
@@ -435,7 +421,7 @@
     </a:lvl3pPr>
     <a:lvl4pPr indent="685800" defTabSz="457200" latinLnBrk="0">
       <a:lnSpc>
-        <a:spcPct val="117999"/>
+        <a:spcPct val="118000"/>
       </a:lnSpc>
       <a:defRPr sz="2200">
         <a:latin typeface="+mj-lt"/>
@@ -446,7 +432,7 @@
     </a:lvl4pPr>
     <a:lvl5pPr indent="914400" defTabSz="457200" latinLnBrk="0">
       <a:lnSpc>
-        <a:spcPct val="117999"/>
+        <a:spcPct val="118000"/>
       </a:lnSpc>
       <a:defRPr sz="2200">
         <a:latin typeface="+mj-lt"/>
@@ -457,7 +443,7 @@
     </a:lvl5pPr>
     <a:lvl6pPr indent="1143000" defTabSz="457200" latinLnBrk="0">
       <a:lnSpc>
-        <a:spcPct val="117999"/>
+        <a:spcPct val="118000"/>
       </a:lnSpc>
       <a:defRPr sz="2200">
         <a:latin typeface="+mj-lt"/>
@@ -468,7 +454,7 @@
     </a:lvl6pPr>
     <a:lvl7pPr indent="1371600" defTabSz="457200" latinLnBrk="0">
       <a:lnSpc>
-        <a:spcPct val="117999"/>
+        <a:spcPct val="118000"/>
       </a:lnSpc>
       <a:defRPr sz="2200">
         <a:latin typeface="+mj-lt"/>
@@ -479,7 +465,7 @@
     </a:lvl7pPr>
     <a:lvl8pPr indent="1600200" defTabSz="457200" latinLnBrk="0">
       <a:lnSpc>
-        <a:spcPct val="117999"/>
+        <a:spcPct val="118000"/>
       </a:lnSpc>
       <a:defRPr sz="2200">
         <a:latin typeface="+mj-lt"/>
@@ -490,7 +476,7 @@
     </a:lvl8pPr>
     <a:lvl9pPr indent="1828800" defTabSz="457200" latinLnBrk="0">
       <a:lnSpc>
-        <a:spcPct val="117999"/>
+        <a:spcPct val="118000"/>
       </a:lnSpc>
       <a:defRPr sz="2200">
         <a:latin typeface="+mj-lt"/>
@@ -504,7 +490,7 @@
 </file>
 
 <file path=ppt/slideLayouts/slideLayout1.xml><?xml version="1.0" encoding="utf-8"?>
-<p:sldLayout xmlns:a="http://schemas.openxmlformats.org/drawingml/2006/main" xmlns:r="http://schemas.openxmlformats.org/officeDocument/2006/relationships" xmlns:p="http://schemas.openxmlformats.org/presentationml/2006/main" xmlns:m="http://schemas.openxmlformats.org/officeDocument/2006/math" xmlns:a14="http://schemas.microsoft.com/office/drawing/2010/main" type="title" showMasterSp="1" showMasterPhAnim="1">
+<p:sldLayout xmlns:a="http://schemas.openxmlformats.org/drawingml/2006/main" xmlns:r="http://schemas.openxmlformats.org/officeDocument/2006/relationships" xmlns:p="http://schemas.openxmlformats.org/presentationml/2006/main" type="title">
   <p:cSld name="Title &amp; Subtitle">
     <p:spTree>
       <p:nvGrpSpPr>
@@ -541,7 +527,6 @@
           <a:bodyPr anchor="b"/>
           <a:lstStyle/>
           <a:p>
-            <a:pPr/>
             <a:r>
               <a:t>Title Text</a:t>
             </a:r>
@@ -610,34 +595,21 @@
             </a:lvl5pPr>
           </a:lstStyle>
           <a:p>
-            <a:pPr/>
             <a:r>
               <a:t>Body Level One</a:t>
             </a:r>
           </a:p>
           <a:p>
             <a:pPr lvl="1"/>
-            <a:r>
-              <a:t/>
-            </a:r>
           </a:p>
           <a:p>
             <a:pPr lvl="2"/>
-            <a:r>
-              <a:t/>
-            </a:r>
           </a:p>
           <a:p>
             <a:pPr lvl="3"/>
-            <a:r>
-              <a:t/>
-            </a:r>
           </a:p>
           <a:p>
             <a:pPr lvl="4"/>
-            <a:r>
-              <a:t/>
-            </a:r>
           </a:p>
         </p:txBody>
       </p:sp>
@@ -658,8 +630,10 @@
           <a:bodyPr/>
           <a:lstStyle/>
           <a:p>
-            <a:pPr/>
-            <a:fld id="{86CB4B4D-7CA3-9044-876B-883B54F8677D}" type="slidenum"/>
+            <a:fld id="{86CB4B4D-7CA3-9044-876B-883B54F8677D}" type="slidenum">
+              <a:rPr/>
+            </a:fld>
+            <a:endParaRPr/>
           </a:p>
         </p:txBody>
       </p:sp>
@@ -668,12 +642,12 @@
   <p:clrMapOvr>
     <a:masterClrMapping/>
   </p:clrMapOvr>
-  <p:transition xmlns:p14="http://schemas.microsoft.com/office/powerpoint/2010/main" spd="med" advClick="1"/>
+  <p:transition spd="med"/>
 </p:sldLayout>
 </file>
 
 <file path=ppt/slideLayouts/slideLayout10.xml><?xml version="1.0" encoding="utf-8"?>
-<p:sldLayout xmlns:a="http://schemas.openxmlformats.org/drawingml/2006/main" xmlns:r="http://schemas.openxmlformats.org/officeDocument/2006/relationships" xmlns:p="http://schemas.openxmlformats.org/presentationml/2006/main" xmlns:m="http://schemas.openxmlformats.org/officeDocument/2006/math" xmlns:a14="http://schemas.microsoft.com/office/drawing/2010/main" type="tx" showMasterSp="1" showMasterPhAnim="1">
+<p:sldLayout xmlns:a="http://schemas.openxmlformats.org/drawingml/2006/main" xmlns:r="http://schemas.openxmlformats.org/officeDocument/2006/relationships" xmlns:p="http://schemas.openxmlformats.org/presentationml/2006/main" type="tx">
   <p:cSld name="Quote">
     <p:spTree>
       <p:nvGrpSpPr>
@@ -715,51 +689,51 @@
               </a:spcBef>
               <a:buSzTx/>
               <a:buNone/>
-              <a:defRPr b="1" sz="3800">
+              <a:defRPr sz="3800" b="1">
                 <a:latin typeface="+mn-lt"/>
                 <a:ea typeface="+mn-ea"/>
                 <a:cs typeface="+mn-cs"/>
                 <a:sym typeface="Helvetica"/>
               </a:defRPr>
             </a:lvl1pPr>
-            <a:lvl2pPr marL="1055076" indent="-445476" algn="ctr">
+            <a:lvl2pPr marL="1055370" indent="-445770" algn="ctr">
               <a:spcBef>
                 <a:spcPts val="0"/>
               </a:spcBef>
-              <a:defRPr b="1" sz="3800">
+              <a:defRPr sz="3800" b="1">
                 <a:latin typeface="+mn-lt"/>
                 <a:ea typeface="+mn-ea"/>
                 <a:cs typeface="+mn-cs"/>
                 <a:sym typeface="Helvetica"/>
               </a:defRPr>
             </a:lvl2pPr>
-            <a:lvl3pPr marL="1664676" indent="-445476" algn="ctr">
+            <a:lvl3pPr marL="1664970" indent="-445770" algn="ctr">
               <a:spcBef>
                 <a:spcPts val="0"/>
               </a:spcBef>
-              <a:defRPr b="1" sz="3800">
+              <a:defRPr sz="3800" b="1">
                 <a:latin typeface="+mn-lt"/>
                 <a:ea typeface="+mn-ea"/>
                 <a:cs typeface="+mn-cs"/>
                 <a:sym typeface="Helvetica"/>
               </a:defRPr>
             </a:lvl3pPr>
-            <a:lvl4pPr marL="2274276" indent="-445476" algn="ctr">
+            <a:lvl4pPr marL="2274570" indent="-445770" algn="ctr">
               <a:spcBef>
                 <a:spcPts val="0"/>
               </a:spcBef>
-              <a:defRPr b="1" sz="3800">
+              <a:defRPr sz="3800" b="1">
                 <a:latin typeface="+mn-lt"/>
                 <a:ea typeface="+mn-ea"/>
                 <a:cs typeface="+mn-cs"/>
                 <a:sym typeface="Helvetica"/>
               </a:defRPr>
             </a:lvl4pPr>
-            <a:lvl5pPr marL="2883876" indent="-445476" algn="ctr">
+            <a:lvl5pPr marL="2884170" indent="-445770" algn="ctr">
               <a:spcBef>
                 <a:spcPts val="0"/>
               </a:spcBef>
-              <a:defRPr b="1" sz="3800">
+              <a:defRPr sz="3800" b="1">
                 <a:latin typeface="+mn-lt"/>
                 <a:ea typeface="+mn-ea"/>
                 <a:cs typeface="+mn-cs"/>
@@ -768,34 +742,21 @@
             </a:lvl5pPr>
           </a:lstStyle>
           <a:p>
-            <a:pPr/>
             <a:r>
               <a:t>–Johnny Appleseed</a:t>
             </a:r>
           </a:p>
           <a:p>
             <a:pPr lvl="1"/>
-            <a:r>
-              <a:t/>
-            </a:r>
           </a:p>
           <a:p>
             <a:pPr lvl="2"/>
-            <a:r>
-              <a:t/>
-            </a:r>
           </a:p>
           <a:p>
             <a:pPr lvl="3"/>
-            <a:r>
-              <a:t/>
-            </a:r>
           </a:p>
           <a:p>
             <a:pPr lvl="4"/>
-            <a:r>
-              <a:t/>
-            </a:r>
           </a:p>
         </p:txBody>
       </p:sp>
@@ -829,7 +790,6 @@
             </a:lvl1pPr>
           </a:lstStyle>
           <a:p>
-            <a:pPr/>
             <a:r>
               <a:t>“Type a quote here.”</a:t>
             </a:r>
@@ -853,8 +813,10 @@
           <a:bodyPr/>
           <a:lstStyle/>
           <a:p>
-            <a:pPr/>
-            <a:fld id="{86CB4B4D-7CA3-9044-876B-883B54F8677D}" type="slidenum"/>
+            <a:fld id="{86CB4B4D-7CA3-9044-876B-883B54F8677D}" type="slidenum">
+              <a:rPr/>
+            </a:fld>
+            <a:endParaRPr/>
           </a:p>
         </p:txBody>
       </p:sp>
@@ -863,12 +825,12 @@
   <p:clrMapOvr>
     <a:masterClrMapping/>
   </p:clrMapOvr>
-  <p:transition xmlns:p14="http://schemas.microsoft.com/office/powerpoint/2010/main" spd="med" advClick="1"/>
+  <p:transition spd="med"/>
 </p:sldLayout>
 </file>
 
 <file path=ppt/slideLayouts/slideLayout11.xml><?xml version="1.0" encoding="utf-8"?>
-<p:sldLayout xmlns:a="http://schemas.openxmlformats.org/drawingml/2006/main" xmlns:r="http://schemas.openxmlformats.org/officeDocument/2006/relationships" xmlns:p="http://schemas.openxmlformats.org/presentationml/2006/main" xmlns:m="http://schemas.openxmlformats.org/officeDocument/2006/math" xmlns:a14="http://schemas.microsoft.com/office/drawing/2010/main" type="tx" showMasterSp="1" showMasterPhAnim="1">
+<p:sldLayout xmlns:a="http://schemas.openxmlformats.org/drawingml/2006/main" xmlns:r="http://schemas.openxmlformats.org/officeDocument/2006/relationships" xmlns:p="http://schemas.openxmlformats.org/presentationml/2006/main" type="tx">
   <p:cSld name="Photo">
     <p:spTree>
       <p:nvGrpSpPr>
@@ -906,9 +868,7 @@
             <a:noAutofit/>
           </a:bodyPr>
           <a:lstStyle/>
-          <a:p>
-            <a:pPr/>
-          </a:p>
+          <a:p/>
         </p:txBody>
       </p:sp>
       <p:sp>
@@ -928,8 +888,10 @@
           <a:bodyPr/>
           <a:lstStyle/>
           <a:p>
-            <a:pPr/>
-            <a:fld id="{86CB4B4D-7CA3-9044-876B-883B54F8677D}" type="slidenum"/>
+            <a:fld id="{86CB4B4D-7CA3-9044-876B-883B54F8677D}" type="slidenum">
+              <a:rPr/>
+            </a:fld>
+            <a:endParaRPr/>
           </a:p>
         </p:txBody>
       </p:sp>
@@ -938,12 +900,12 @@
   <p:clrMapOvr>
     <a:masterClrMapping/>
   </p:clrMapOvr>
-  <p:transition xmlns:p14="http://schemas.microsoft.com/office/powerpoint/2010/main" spd="med" advClick="1"/>
+  <p:transition spd="med"/>
 </p:sldLayout>
 </file>
 
 <file path=ppt/slideLayouts/slideLayout12.xml><?xml version="1.0" encoding="utf-8"?>
-<p:sldLayout xmlns:a="http://schemas.openxmlformats.org/drawingml/2006/main" xmlns:r="http://schemas.openxmlformats.org/officeDocument/2006/relationships" xmlns:p="http://schemas.openxmlformats.org/presentationml/2006/main" xmlns:m="http://schemas.openxmlformats.org/officeDocument/2006/math" xmlns:a14="http://schemas.microsoft.com/office/drawing/2010/main" type="tx" showMasterSp="1" showMasterPhAnim="1">
+<p:sldLayout xmlns:a="http://schemas.openxmlformats.org/drawingml/2006/main" xmlns:r="http://schemas.openxmlformats.org/officeDocument/2006/relationships" xmlns:p="http://schemas.openxmlformats.org/presentationml/2006/main" type="tx">
   <p:cSld name="Blank">
     <p:spTree>
       <p:nvGrpSpPr>
@@ -976,8 +938,10 @@
           <a:bodyPr/>
           <a:lstStyle/>
           <a:p>
-            <a:pPr/>
-            <a:fld id="{86CB4B4D-7CA3-9044-876B-883B54F8677D}" type="slidenum"/>
+            <a:fld id="{86CB4B4D-7CA3-9044-876B-883B54F8677D}" type="slidenum">
+              <a:rPr/>
+            </a:fld>
+            <a:endParaRPr/>
           </a:p>
         </p:txBody>
       </p:sp>
@@ -986,12 +950,12 @@
   <p:clrMapOvr>
     <a:masterClrMapping/>
   </p:clrMapOvr>
-  <p:transition xmlns:p14="http://schemas.microsoft.com/office/powerpoint/2010/main" spd="med" advClick="1"/>
+  <p:transition spd="med"/>
 </p:sldLayout>
 </file>
 
 <file path=ppt/slideLayouts/slideLayout2.xml><?xml version="1.0" encoding="utf-8"?>
-<p:sldLayout xmlns:a="http://schemas.openxmlformats.org/drawingml/2006/main" xmlns:r="http://schemas.openxmlformats.org/officeDocument/2006/relationships" xmlns:p="http://schemas.openxmlformats.org/presentationml/2006/main" xmlns:m="http://schemas.openxmlformats.org/officeDocument/2006/math" xmlns:a14="http://schemas.microsoft.com/office/drawing/2010/main" type="tx" showMasterSp="1" showMasterPhAnim="1">
+<p:sldLayout xmlns:a="http://schemas.openxmlformats.org/drawingml/2006/main" xmlns:r="http://schemas.openxmlformats.org/officeDocument/2006/relationships" xmlns:p="http://schemas.openxmlformats.org/presentationml/2006/main" type="tx">
   <p:cSld name="Photo - Horizontal">
     <p:spTree>
       <p:nvGrpSpPr>
@@ -1029,9 +993,7 @@
             <a:noAutofit/>
           </a:bodyPr>
           <a:lstStyle/>
-          <a:p>
-            <a:pPr/>
-          </a:p>
+          <a:p/>
         </p:txBody>
       </p:sp>
       <p:sp>
@@ -1055,7 +1017,6 @@
           <a:bodyPr anchor="b"/>
           <a:lstStyle/>
           <a:p>
-            <a:pPr/>
             <a:r>
               <a:t>Title Text</a:t>
             </a:r>
@@ -1124,34 +1085,21 @@
             </a:lvl5pPr>
           </a:lstStyle>
           <a:p>
-            <a:pPr/>
             <a:r>
               <a:t>Body Level One</a:t>
             </a:r>
           </a:p>
           <a:p>
             <a:pPr lvl="1"/>
-            <a:r>
-              <a:t/>
-            </a:r>
           </a:p>
           <a:p>
             <a:pPr lvl="2"/>
-            <a:r>
-              <a:t/>
-            </a:r>
           </a:p>
           <a:p>
             <a:pPr lvl="3"/>
-            <a:r>
-              <a:t/>
-            </a:r>
           </a:p>
           <a:p>
             <a:pPr lvl="4"/>
-            <a:r>
-              <a:t/>
-            </a:r>
           </a:p>
         </p:txBody>
       </p:sp>
@@ -1172,8 +1120,10 @@
           <a:bodyPr/>
           <a:lstStyle/>
           <a:p>
-            <a:pPr/>
-            <a:fld id="{86CB4B4D-7CA3-9044-876B-883B54F8677D}" type="slidenum"/>
+            <a:fld id="{86CB4B4D-7CA3-9044-876B-883B54F8677D}" type="slidenum">
+              <a:rPr/>
+            </a:fld>
+            <a:endParaRPr/>
           </a:p>
         </p:txBody>
       </p:sp>
@@ -1182,12 +1132,12 @@
   <p:clrMapOvr>
     <a:masterClrMapping/>
   </p:clrMapOvr>
-  <p:transition xmlns:p14="http://schemas.microsoft.com/office/powerpoint/2010/main" spd="med" advClick="1"/>
+  <p:transition spd="med"/>
 </p:sldLayout>
 </file>
 
 <file path=ppt/slideLayouts/slideLayout3.xml><?xml version="1.0" encoding="utf-8"?>
-<p:sldLayout xmlns:a="http://schemas.openxmlformats.org/drawingml/2006/main" xmlns:r="http://schemas.openxmlformats.org/officeDocument/2006/relationships" xmlns:p="http://schemas.openxmlformats.org/presentationml/2006/main" xmlns:m="http://schemas.openxmlformats.org/officeDocument/2006/math" xmlns:a14="http://schemas.microsoft.com/office/drawing/2010/main" type="tx" showMasterSp="1" showMasterPhAnim="1">
+<p:sldLayout xmlns:a="http://schemas.openxmlformats.org/drawingml/2006/main" xmlns:r="http://schemas.openxmlformats.org/officeDocument/2006/relationships" xmlns:p="http://schemas.openxmlformats.org/presentationml/2006/main" type="tx">
   <p:cSld name="Title - Centre">
     <p:spTree>
       <p:nvGrpSpPr>
@@ -1224,7 +1174,6 @@
           <a:bodyPr/>
           <a:lstStyle/>
           <a:p>
-            <a:pPr/>
             <a:r>
               <a:t>Title Text</a:t>
             </a:r>
@@ -1248,8 +1197,10 @@
           <a:bodyPr/>
           <a:lstStyle/>
           <a:p>
-            <a:pPr/>
-            <a:fld id="{86CB4B4D-7CA3-9044-876B-883B54F8677D}" type="slidenum"/>
+            <a:fld id="{86CB4B4D-7CA3-9044-876B-883B54F8677D}" type="slidenum">
+              <a:rPr/>
+            </a:fld>
+            <a:endParaRPr/>
           </a:p>
         </p:txBody>
       </p:sp>
@@ -1258,12 +1209,12 @@
   <p:clrMapOvr>
     <a:masterClrMapping/>
   </p:clrMapOvr>
-  <p:transition xmlns:p14="http://schemas.microsoft.com/office/powerpoint/2010/main" spd="med" advClick="1"/>
+  <p:transition spd="med"/>
 </p:sldLayout>
 </file>
 
 <file path=ppt/slideLayouts/slideLayout4.xml><?xml version="1.0" encoding="utf-8"?>
-<p:sldLayout xmlns:a="http://schemas.openxmlformats.org/drawingml/2006/main" xmlns:r="http://schemas.openxmlformats.org/officeDocument/2006/relationships" xmlns:p="http://schemas.openxmlformats.org/presentationml/2006/main" xmlns:m="http://schemas.openxmlformats.org/officeDocument/2006/math" xmlns:a14="http://schemas.microsoft.com/office/drawing/2010/main" type="tx" showMasterSp="1" showMasterPhAnim="1">
+<p:sldLayout xmlns:a="http://schemas.openxmlformats.org/drawingml/2006/main" xmlns:r="http://schemas.openxmlformats.org/officeDocument/2006/relationships" xmlns:p="http://schemas.openxmlformats.org/presentationml/2006/main" type="tx">
   <p:cSld name="Photo - Vertical">
     <p:spTree>
       <p:nvGrpSpPr>
@@ -1301,9 +1252,7 @@
             <a:noAutofit/>
           </a:bodyPr>
           <a:lstStyle/>
-          <a:p>
-            <a:pPr/>
-          </a:p>
+          <a:p/>
         </p:txBody>
       </p:sp>
       <p:sp>
@@ -1331,7 +1280,6 @@
             </a:lvl1pPr>
           </a:lstStyle>
           <a:p>
-            <a:pPr/>
             <a:r>
               <a:t>Title Text</a:t>
             </a:r>
@@ -1400,34 +1348,21 @@
             </a:lvl5pPr>
           </a:lstStyle>
           <a:p>
-            <a:pPr/>
             <a:r>
               <a:t>Body Level One</a:t>
             </a:r>
           </a:p>
           <a:p>
             <a:pPr lvl="1"/>
-            <a:r>
-              <a:t/>
-            </a:r>
           </a:p>
           <a:p>
             <a:pPr lvl="2"/>
-            <a:r>
-              <a:t/>
-            </a:r>
           </a:p>
           <a:p>
             <a:pPr lvl="3"/>
-            <a:r>
-              <a:t/>
-            </a:r>
           </a:p>
           <a:p>
             <a:pPr lvl="4"/>
-            <a:r>
-              <a:t/>
-            </a:r>
           </a:p>
         </p:txBody>
       </p:sp>
@@ -1448,8 +1383,10 @@
           <a:bodyPr/>
           <a:lstStyle/>
           <a:p>
-            <a:pPr/>
-            <a:fld id="{86CB4B4D-7CA3-9044-876B-883B54F8677D}" type="slidenum"/>
+            <a:fld id="{86CB4B4D-7CA3-9044-876B-883B54F8677D}" type="slidenum">
+              <a:rPr/>
+            </a:fld>
+            <a:endParaRPr/>
           </a:p>
         </p:txBody>
       </p:sp>
@@ -1458,12 +1395,12 @@
   <p:clrMapOvr>
     <a:masterClrMapping/>
   </p:clrMapOvr>
-  <p:transition xmlns:p14="http://schemas.microsoft.com/office/powerpoint/2010/main" spd="med" advClick="1"/>
+  <p:transition spd="med"/>
 </p:sldLayout>
 </file>
 
 <file path=ppt/slideLayouts/slideLayout5.xml><?xml version="1.0" encoding="utf-8"?>
-<p:sldLayout xmlns:a="http://schemas.openxmlformats.org/drawingml/2006/main" xmlns:r="http://schemas.openxmlformats.org/officeDocument/2006/relationships" xmlns:p="http://schemas.openxmlformats.org/presentationml/2006/main" xmlns:m="http://schemas.openxmlformats.org/officeDocument/2006/math" xmlns:a14="http://schemas.microsoft.com/office/drawing/2010/main" type="tx" showMasterSp="1" showMasterPhAnim="1">
+<p:sldLayout xmlns:a="http://schemas.openxmlformats.org/drawingml/2006/main" xmlns:r="http://schemas.openxmlformats.org/officeDocument/2006/relationships" xmlns:p="http://schemas.openxmlformats.org/presentationml/2006/main" type="tx">
   <p:cSld name="Title - Top">
     <p:spTree>
       <p:nvGrpSpPr>
@@ -1496,7 +1433,6 @@
           <a:bodyPr/>
           <a:lstStyle/>
           <a:p>
-            <a:pPr/>
             <a:r>
               <a:t>Title Text</a:t>
             </a:r>
@@ -1524,8 +1460,10 @@
           <a:bodyPr anchor="b"/>
           <a:lstStyle/>
           <a:p>
-            <a:pPr/>
-            <a:fld id="{86CB4B4D-7CA3-9044-876B-883B54F8677D}" type="slidenum"/>
+            <a:fld id="{86CB4B4D-7CA3-9044-876B-883B54F8677D}" type="slidenum">
+              <a:rPr/>
+            </a:fld>
+            <a:endParaRPr/>
           </a:p>
         </p:txBody>
       </p:sp>
@@ -1534,12 +1472,12 @@
   <p:clrMapOvr>
     <a:masterClrMapping/>
   </p:clrMapOvr>
-  <p:transition xmlns:p14="http://schemas.microsoft.com/office/powerpoint/2010/main" spd="med" advClick="1"/>
+  <p:transition spd="med"/>
 </p:sldLayout>
 </file>
 
 <file path=ppt/slideLayouts/slideLayout6.xml><?xml version="1.0" encoding="utf-8"?>
-<p:sldLayout xmlns:a="http://schemas.openxmlformats.org/drawingml/2006/main" xmlns:r="http://schemas.openxmlformats.org/officeDocument/2006/relationships" xmlns:p="http://schemas.openxmlformats.org/presentationml/2006/main" xmlns:m="http://schemas.openxmlformats.org/officeDocument/2006/math" xmlns:a14="http://schemas.microsoft.com/office/drawing/2010/main" type="tx" showMasterSp="1" showMasterPhAnim="1">
+<p:sldLayout xmlns:a="http://schemas.openxmlformats.org/drawingml/2006/main" xmlns:r="http://schemas.openxmlformats.org/officeDocument/2006/relationships" xmlns:p="http://schemas.openxmlformats.org/presentationml/2006/main" type="tx">
   <p:cSld name="Title &amp; Bullets">
     <p:spTree>
       <p:nvGrpSpPr>
@@ -1572,7 +1510,6 @@
           <a:bodyPr/>
           <a:lstStyle/>
           <a:p>
-            <a:pPr/>
             <a:r>
               <a:t>Title Text</a:t>
             </a:r>
@@ -1596,34 +1533,21 @@
           <a:bodyPr/>
           <a:lstStyle/>
           <a:p>
-            <a:pPr/>
             <a:r>
               <a:t>Body Level One</a:t>
             </a:r>
           </a:p>
           <a:p>
             <a:pPr lvl="1"/>
-            <a:r>
-              <a:t/>
-            </a:r>
           </a:p>
           <a:p>
             <a:pPr lvl="2"/>
-            <a:r>
-              <a:t/>
-            </a:r>
           </a:p>
           <a:p>
             <a:pPr lvl="3"/>
-            <a:r>
-              <a:t/>
-            </a:r>
           </a:p>
           <a:p>
             <a:pPr lvl="4"/>
-            <a:r>
-              <a:t/>
-            </a:r>
           </a:p>
         </p:txBody>
       </p:sp>
@@ -1644,8 +1568,10 @@
           <a:bodyPr/>
           <a:lstStyle/>
           <a:p>
-            <a:pPr/>
-            <a:fld id="{86CB4B4D-7CA3-9044-876B-883B54F8677D}" type="slidenum"/>
+            <a:fld id="{86CB4B4D-7CA3-9044-876B-883B54F8677D}" type="slidenum">
+              <a:rPr/>
+            </a:fld>
+            <a:endParaRPr/>
           </a:p>
         </p:txBody>
       </p:sp>
@@ -1654,12 +1580,12 @@
   <p:clrMapOvr>
     <a:masterClrMapping/>
   </p:clrMapOvr>
-  <p:transition xmlns:p14="http://schemas.microsoft.com/office/powerpoint/2010/main" spd="med" advClick="1"/>
+  <p:transition spd="med"/>
 </p:sldLayout>
 </file>
 
 <file path=ppt/slideLayouts/slideLayout7.xml><?xml version="1.0" encoding="utf-8"?>
-<p:sldLayout xmlns:a="http://schemas.openxmlformats.org/drawingml/2006/main" xmlns:r="http://schemas.openxmlformats.org/officeDocument/2006/relationships" xmlns:p="http://schemas.openxmlformats.org/presentationml/2006/main" xmlns:m="http://schemas.openxmlformats.org/officeDocument/2006/math" xmlns:a14="http://schemas.microsoft.com/office/drawing/2010/main" type="tx" showMasterSp="1" showMasterPhAnim="1">
+<p:sldLayout xmlns:a="http://schemas.openxmlformats.org/drawingml/2006/main" xmlns:r="http://schemas.openxmlformats.org/officeDocument/2006/relationships" xmlns:p="http://schemas.openxmlformats.org/presentationml/2006/main" type="tx">
   <p:cSld name="Title, Bullets &amp; Photo">
     <p:spTree>
       <p:nvGrpSpPr>
@@ -1697,9 +1623,7 @@
             <a:noAutofit/>
           </a:bodyPr>
           <a:lstStyle/>
-          <a:p>
-            <a:pPr/>
-          </a:p>
+          <a:p/>
         </p:txBody>
       </p:sp>
       <p:sp>
@@ -1719,7 +1643,6 @@
           <a:bodyPr/>
           <a:lstStyle/>
           <a:p>
-            <a:pPr/>
             <a:r>
               <a:t>Title Text</a:t>
             </a:r>
@@ -1778,34 +1701,21 @@
             </a:lvl5pPr>
           </a:lstStyle>
           <a:p>
-            <a:pPr/>
             <a:r>
               <a:t>Body Level One</a:t>
             </a:r>
           </a:p>
           <a:p>
             <a:pPr lvl="1"/>
-            <a:r>
-              <a:t/>
-            </a:r>
           </a:p>
           <a:p>
             <a:pPr lvl="2"/>
-            <a:r>
-              <a:t/>
-            </a:r>
           </a:p>
           <a:p>
             <a:pPr lvl="3"/>
-            <a:r>
-              <a:t/>
-            </a:r>
           </a:p>
           <a:p>
             <a:pPr lvl="4"/>
-            <a:r>
-              <a:t/>
-            </a:r>
           </a:p>
         </p:txBody>
       </p:sp>
@@ -1826,8 +1736,10 @@
           <a:bodyPr/>
           <a:lstStyle/>
           <a:p>
-            <a:pPr/>
-            <a:fld id="{86CB4B4D-7CA3-9044-876B-883B54F8677D}" type="slidenum"/>
+            <a:fld id="{86CB4B4D-7CA3-9044-876B-883B54F8677D}" type="slidenum">
+              <a:rPr/>
+            </a:fld>
+            <a:endParaRPr/>
           </a:p>
         </p:txBody>
       </p:sp>
@@ -1836,12 +1748,12 @@
   <p:clrMapOvr>
     <a:masterClrMapping/>
   </p:clrMapOvr>
-  <p:transition xmlns:p14="http://schemas.microsoft.com/office/powerpoint/2010/main" spd="med" advClick="1"/>
+  <p:transition spd="med"/>
 </p:sldLayout>
 </file>
 
 <file path=ppt/slideLayouts/slideLayout8.xml><?xml version="1.0" encoding="utf-8"?>
-<p:sldLayout xmlns:a="http://schemas.openxmlformats.org/drawingml/2006/main" xmlns:r="http://schemas.openxmlformats.org/officeDocument/2006/relationships" xmlns:p="http://schemas.openxmlformats.org/presentationml/2006/main" xmlns:m="http://schemas.openxmlformats.org/officeDocument/2006/math" xmlns:a14="http://schemas.microsoft.com/office/drawing/2010/main" type="tx" showMasterSp="1" showMasterPhAnim="1">
+<p:sldLayout xmlns:a="http://schemas.openxmlformats.org/drawingml/2006/main" xmlns:r="http://schemas.openxmlformats.org/officeDocument/2006/relationships" xmlns:p="http://schemas.openxmlformats.org/presentationml/2006/main" type="tx">
   <p:cSld name="Bullets">
     <p:spTree>
       <p:nvGrpSpPr>
@@ -1878,34 +1790,21 @@
           <a:bodyPr/>
           <a:lstStyle/>
           <a:p>
-            <a:pPr/>
             <a:r>
               <a:t>Body Level One</a:t>
             </a:r>
           </a:p>
           <a:p>
             <a:pPr lvl="1"/>
-            <a:r>
-              <a:t/>
-            </a:r>
           </a:p>
           <a:p>
             <a:pPr lvl="2"/>
-            <a:r>
-              <a:t/>
-            </a:r>
           </a:p>
           <a:p>
             <a:pPr lvl="3"/>
-            <a:r>
-              <a:t/>
-            </a:r>
           </a:p>
           <a:p>
             <a:pPr lvl="4"/>
-            <a:r>
-              <a:t/>
-            </a:r>
           </a:p>
         </p:txBody>
       </p:sp>
@@ -1926,8 +1825,10 @@
           <a:bodyPr/>
           <a:lstStyle/>
           <a:p>
-            <a:pPr/>
-            <a:fld id="{86CB4B4D-7CA3-9044-876B-883B54F8677D}" type="slidenum"/>
+            <a:fld id="{86CB4B4D-7CA3-9044-876B-883B54F8677D}" type="slidenum">
+              <a:rPr/>
+            </a:fld>
+            <a:endParaRPr/>
           </a:p>
         </p:txBody>
       </p:sp>
@@ -1936,12 +1837,12 @@
   <p:clrMapOvr>
     <a:masterClrMapping/>
   </p:clrMapOvr>
-  <p:transition xmlns:p14="http://schemas.microsoft.com/office/powerpoint/2010/main" spd="med" advClick="1"/>
+  <p:transition spd="med"/>
 </p:sldLayout>
 </file>
 
 <file path=ppt/slideLayouts/slideLayout9.xml><?xml version="1.0" encoding="utf-8"?>
-<p:sldLayout xmlns:a="http://schemas.openxmlformats.org/drawingml/2006/main" xmlns:r="http://schemas.openxmlformats.org/officeDocument/2006/relationships" xmlns:p="http://schemas.openxmlformats.org/presentationml/2006/main" xmlns:m="http://schemas.openxmlformats.org/officeDocument/2006/math" xmlns:a14="http://schemas.microsoft.com/office/drawing/2010/main" type="tx" showMasterSp="1" showMasterPhAnim="1">
+<p:sldLayout xmlns:a="http://schemas.openxmlformats.org/drawingml/2006/main" xmlns:r="http://schemas.openxmlformats.org/officeDocument/2006/relationships" xmlns:p="http://schemas.openxmlformats.org/presentationml/2006/main" type="tx">
   <p:cSld name="Photo - 3 Up">
     <p:spTree>
       <p:nvGrpSpPr>
@@ -1979,9 +1880,7 @@
             <a:noAutofit/>
           </a:bodyPr>
           <a:lstStyle/>
-          <a:p>
-            <a:pPr/>
-          </a:p>
+          <a:p/>
         </p:txBody>
       </p:sp>
       <p:sp>
@@ -2006,9 +1905,7 @@
             <a:noAutofit/>
           </a:bodyPr>
           <a:lstStyle/>
-          <a:p>
-            <a:pPr/>
-          </a:p>
+          <a:p/>
         </p:txBody>
       </p:sp>
       <p:sp>
@@ -2033,9 +1930,7 @@
             <a:noAutofit/>
           </a:bodyPr>
           <a:lstStyle/>
-          <a:p>
-            <a:pPr/>
-          </a:p>
+          <a:p/>
         </p:txBody>
       </p:sp>
       <p:sp>
@@ -2055,8 +1950,10 @@
           <a:bodyPr/>
           <a:lstStyle/>
           <a:p>
-            <a:pPr/>
-            <a:fld id="{86CB4B4D-7CA3-9044-876B-883B54F8677D}" type="slidenum"/>
+            <a:fld id="{86CB4B4D-7CA3-9044-876B-883B54F8677D}" type="slidenum">
+              <a:rPr/>
+            </a:fld>
+            <a:endParaRPr/>
           </a:p>
         </p:txBody>
       </p:sp>
@@ -2065,22 +1962,23 @@
   <p:clrMapOvr>
     <a:masterClrMapping/>
   </p:clrMapOvr>
-  <p:transition xmlns:p14="http://schemas.microsoft.com/office/powerpoint/2010/main" spd="med" advClick="1"/>
+  <p:transition spd="med"/>
 </p:sldLayout>
 </file>
 
 <file path=ppt/slideMasters/slideMaster1.xml><?xml version="1.0" encoding="utf-8"?>
-<p:sldMaster xmlns:a="http://schemas.openxmlformats.org/drawingml/2006/main" xmlns:r="http://schemas.openxmlformats.org/officeDocument/2006/relationships" xmlns:p="http://schemas.openxmlformats.org/presentationml/2006/main" xmlns:m="http://schemas.openxmlformats.org/officeDocument/2006/math" xmlns:a14="http://schemas.microsoft.com/office/drawing/2010/main">
+<p:sldMaster xmlns:a="http://schemas.openxmlformats.org/drawingml/2006/main" xmlns:r="http://schemas.openxmlformats.org/officeDocument/2006/relationships" xmlns:p="http://schemas.openxmlformats.org/presentationml/2006/main">
   <p:cSld>
     <p:bg>
       <p:bgPr>
         <a:blipFill rotWithShape="1">
-          <a:blip r:embed="rId2"/>
-          <a:srcRect l="0" t="0" r="0" b="0"/>
+          <a:blip r:embed="rId13"/>
+          <a:srcRect/>
           <a:stretch>
             <a:fillRect/>
           </a:stretch>
         </a:blipFill>
+        <a:effectLst/>
       </p:bgPr>
     </p:bg>
     <p:spTree>
@@ -2116,19 +2014,13 @@
           <a:ln w="12700">
             <a:miter lim="400000"/>
           </a:ln>
-          <a:extLst>
-            <a:ext uri="{C572A759-6A51-4108-AA02-DFA0A04FC94B}">
-              <ma14:wrappingTextBoxFlag xmlns:ma14="http://schemas.microsoft.com/office/mac/drawingml/2011/main" val="1"/>
-            </a:ext>
-          </a:extLst>
         </p:spPr>
         <p:txBody>
           <a:bodyPr lIns="50800" tIns="50800" rIns="50800" bIns="50800" anchor="ctr">
-            <a:normAutofit fontScale="100000" lnSpcReduction="0"/>
+            <a:normAutofit/>
           </a:bodyPr>
           <a:lstStyle/>
           <a:p>
-            <a:pPr/>
             <a:r>
               <a:t>Title Text</a:t>
             </a:r>
@@ -2154,46 +2046,28 @@
           <a:ln w="12700">
             <a:miter lim="400000"/>
           </a:ln>
-          <a:extLst>
-            <a:ext uri="{C572A759-6A51-4108-AA02-DFA0A04FC94B}">
-              <ma14:wrappingTextBoxFlag xmlns:ma14="http://schemas.microsoft.com/office/mac/drawingml/2011/main" val="1"/>
-            </a:ext>
-          </a:extLst>
         </p:spPr>
         <p:txBody>
           <a:bodyPr lIns="50800" tIns="50800" rIns="50800" bIns="50800" anchor="ctr">
-            <a:normAutofit fontScale="100000" lnSpcReduction="0"/>
+            <a:normAutofit/>
           </a:bodyPr>
           <a:lstStyle/>
           <a:p>
-            <a:pPr/>
             <a:r>
               <a:t>Body Level One</a:t>
             </a:r>
           </a:p>
           <a:p>
             <a:pPr lvl="1"/>
-            <a:r>
-              <a:t/>
-            </a:r>
           </a:p>
           <a:p>
             <a:pPr lvl="2"/>
-            <a:r>
-              <a:t/>
-            </a:r>
           </a:p>
           <a:p>
             <a:pPr lvl="3"/>
-            <a:r>
-              <a:t/>
-            </a:r>
           </a:p>
           <a:p>
             <a:pPr lvl="4"/>
-            <a:r>
-              <a:t/>
-            </a:r>
           </a:p>
         </p:txBody>
       </p:sp>
@@ -2231,8 +2105,10 @@
             </a:lvl1pPr>
           </a:lstStyle>
           <a:p>
-            <a:pPr/>
-            <a:fld id="{86CB4B4D-7CA3-9044-876B-883B54F8677D}" type="slidenum"/>
+            <a:fld id="{86CB4B4D-7CA3-9044-876B-883B54F8677D}" type="slidenum">
+              <a:rPr/>
+            </a:fld>
+            <a:endParaRPr/>
           </a:p>
         </p:txBody>
       </p:sp>
@@ -2240,20 +2116,20 @@
   </p:cSld>
   <p:clrMap bg1="dk1" tx1="lt1" bg2="dk2" tx2="lt2" accent1="accent1" accent2="accent2" accent3="accent3" accent4="accent4" accent5="accent5" accent6="accent6" hlink="hlink" folHlink="folHlink"/>
   <p:sldLayoutIdLst>
-    <p:sldLayoutId id="2147483649" r:id="rId3"/>
-    <p:sldLayoutId id="2147483650" r:id="rId4"/>
-    <p:sldLayoutId id="2147483651" r:id="rId5"/>
-    <p:sldLayoutId id="2147483652" r:id="rId6"/>
-    <p:sldLayoutId id="2147483653" r:id="rId7"/>
-    <p:sldLayoutId id="2147483654" r:id="rId8"/>
-    <p:sldLayoutId id="2147483655" r:id="rId9"/>
-    <p:sldLayoutId id="2147483656" r:id="rId10"/>
-    <p:sldLayoutId id="2147483657" r:id="rId11"/>
-    <p:sldLayoutId id="2147483658" r:id="rId12"/>
-    <p:sldLayoutId id="2147483659" r:id="rId13"/>
-    <p:sldLayoutId id="2147483660" r:id="rId14"/>
+    <p:sldLayoutId id="2147483649" r:id="rId1"/>
+    <p:sldLayoutId id="2147483650" r:id="rId2"/>
+    <p:sldLayoutId id="2147483651" r:id="rId3"/>
+    <p:sldLayoutId id="2147483652" r:id="rId4"/>
+    <p:sldLayoutId id="2147483653" r:id="rId5"/>
+    <p:sldLayoutId id="2147483654" r:id="rId6"/>
+    <p:sldLayoutId id="2147483655" r:id="rId7"/>
+    <p:sldLayoutId id="2147483656" r:id="rId8"/>
+    <p:sldLayoutId id="2147483657" r:id="rId9"/>
+    <p:sldLayoutId id="2147483658" r:id="rId10"/>
+    <p:sldLayoutId id="2147483659" r:id="rId11"/>
+    <p:sldLayoutId id="2147483660" r:id="rId12"/>
   </p:sldLayoutIdLst>
-  <p:transition xmlns:p14="http://schemas.microsoft.com/office/powerpoint/2010/main" spd="med" advClick="1"/>
+  <p:transition spd="med"/>
   <p:txStyles>
     <p:titleStyle>
       <a:lvl1pPr marL="0" marR="0" indent="0" algn="ctr" defTabSz="825500" rtl="0" latinLnBrk="0">
@@ -2270,8 +2146,7 @@
         <a:buSzTx/>
         <a:buFontTx/>
         <a:buNone/>
-        <a:tabLst/>
-        <a:defRPr b="0" baseline="0" cap="none" i="0" spc="0" strike="noStrike" sz="11200" u="none">
+        <a:defRPr sz="11200" b="0" i="0" u="none" strike="noStrike" cap="none" spc="0" baseline="0">
           <a:solidFill>
             <a:srgbClr val="FFFFFF"/>
           </a:solidFill>
@@ -2296,8 +2171,7 @@
         <a:buSzTx/>
         <a:buFontTx/>
         <a:buNone/>
-        <a:tabLst/>
-        <a:defRPr b="0" baseline="0" cap="none" i="0" spc="0" strike="noStrike" sz="11200" u="none">
+        <a:defRPr sz="11200" b="0" i="0" u="none" strike="noStrike" cap="none" spc="0" baseline="0">
           <a:solidFill>
             <a:srgbClr val="FFFFFF"/>
           </a:solidFill>
@@ -2322,8 +2196,7 @@
         <a:buSzTx/>
         <a:buFontTx/>
         <a:buNone/>
-        <a:tabLst/>
-        <a:defRPr b="0" baseline="0" cap="none" i="0" spc="0" strike="noStrike" sz="11200" u="none">
+        <a:defRPr sz="11200" b="0" i="0" u="none" strike="noStrike" cap="none" spc="0" baseline="0">
           <a:solidFill>
             <a:srgbClr val="FFFFFF"/>
           </a:solidFill>
@@ -2348,8 +2221,7 @@
         <a:buSzTx/>
         <a:buFontTx/>
         <a:buNone/>
-        <a:tabLst/>
-        <a:defRPr b="0" baseline="0" cap="none" i="0" spc="0" strike="noStrike" sz="11200" u="none">
+        <a:defRPr sz="11200" b="0" i="0" u="none" strike="noStrike" cap="none" spc="0" baseline="0">
           <a:solidFill>
             <a:srgbClr val="FFFFFF"/>
           </a:solidFill>
@@ -2374,8 +2246,7 @@
         <a:buSzTx/>
         <a:buFontTx/>
         <a:buNone/>
-        <a:tabLst/>
-        <a:defRPr b="0" baseline="0" cap="none" i="0" spc="0" strike="noStrike" sz="11200" u="none">
+        <a:defRPr sz="11200" b="0" i="0" u="none" strike="noStrike" cap="none" spc="0" baseline="0">
           <a:solidFill>
             <a:srgbClr val="FFFFFF"/>
           </a:solidFill>
@@ -2400,8 +2271,7 @@
         <a:buSzTx/>
         <a:buFontTx/>
         <a:buNone/>
-        <a:tabLst/>
-        <a:defRPr b="0" baseline="0" cap="none" i="0" spc="0" strike="noStrike" sz="11200" u="none">
+        <a:defRPr sz="11200" b="0" i="0" u="none" strike="noStrike" cap="none" spc="0" baseline="0">
           <a:solidFill>
             <a:srgbClr val="FFFFFF"/>
           </a:solidFill>
@@ -2426,8 +2296,7 @@
         <a:buSzTx/>
         <a:buFontTx/>
         <a:buNone/>
-        <a:tabLst/>
-        <a:defRPr b="0" baseline="0" cap="none" i="0" spc="0" strike="noStrike" sz="11200" u="none">
+        <a:defRPr sz="11200" b="0" i="0" u="none" strike="noStrike" cap="none" spc="0" baseline="0">
           <a:solidFill>
             <a:srgbClr val="FFFFFF"/>
           </a:solidFill>
@@ -2452,8 +2321,7 @@
         <a:buSzTx/>
         <a:buFontTx/>
         <a:buNone/>
-        <a:tabLst/>
-        <a:defRPr b="0" baseline="0" cap="none" i="0" spc="0" strike="noStrike" sz="11200" u="none">
+        <a:defRPr sz="11200" b="0" i="0" u="none" strike="noStrike" cap="none" spc="0" baseline="0">
           <a:solidFill>
             <a:srgbClr val="FFFFFF"/>
           </a:solidFill>
@@ -2478,8 +2346,7 @@
         <a:buSzTx/>
         <a:buFontTx/>
         <a:buNone/>
-        <a:tabLst/>
-        <a:defRPr b="0" baseline="0" cap="none" i="0" spc="0" strike="noStrike" sz="11200" u="none">
+        <a:defRPr sz="11200" b="0" i="0" u="none" strike="noStrike" cap="none" spc="0" baseline="0">
           <a:solidFill>
             <a:srgbClr val="FFFFFF"/>
           </a:solidFill>
@@ -2506,8 +2373,7 @@
         <a:buSzPct val="75000"/>
         <a:buFontTx/>
         <a:buChar char="•"/>
-        <a:tabLst/>
-        <a:defRPr b="0" baseline="0" cap="none" i="0" spc="0" strike="noStrike" sz="5200" u="none">
+        <a:defRPr sz="5200" b="0" i="0" u="none" strike="noStrike" cap="none" spc="0" baseline="0">
           <a:solidFill>
             <a:srgbClr val="FFFFFF"/>
           </a:solidFill>
@@ -2532,8 +2398,7 @@
         <a:buSzPct val="75000"/>
         <a:buFontTx/>
         <a:buChar char="•"/>
-        <a:tabLst/>
-        <a:defRPr b="0" baseline="0" cap="none" i="0" spc="0" strike="noStrike" sz="5200" u="none">
+        <a:defRPr sz="5200" b="0" i="0" u="none" strike="noStrike" cap="none" spc="0" baseline="0">
           <a:solidFill>
             <a:srgbClr val="FFFFFF"/>
           </a:solidFill>
@@ -2558,8 +2423,7 @@
         <a:buSzPct val="75000"/>
         <a:buFontTx/>
         <a:buChar char="•"/>
-        <a:tabLst/>
-        <a:defRPr b="0" baseline="0" cap="none" i="0" spc="0" strike="noStrike" sz="5200" u="none">
+        <a:defRPr sz="5200" b="0" i="0" u="none" strike="noStrike" cap="none" spc="0" baseline="0">
           <a:solidFill>
             <a:srgbClr val="FFFFFF"/>
           </a:solidFill>
@@ -2584,8 +2448,7 @@
         <a:buSzPct val="75000"/>
         <a:buFontTx/>
         <a:buChar char="•"/>
-        <a:tabLst/>
-        <a:defRPr b="0" baseline="0" cap="none" i="0" spc="0" strike="noStrike" sz="5200" u="none">
+        <a:defRPr sz="5200" b="0" i="0" u="none" strike="noStrike" cap="none" spc="0" baseline="0">
           <a:solidFill>
             <a:srgbClr val="FFFFFF"/>
           </a:solidFill>
@@ -2610,8 +2473,7 @@
         <a:buSzPct val="75000"/>
         <a:buFontTx/>
         <a:buChar char="•"/>
-        <a:tabLst/>
-        <a:defRPr b="0" baseline="0" cap="none" i="0" spc="0" strike="noStrike" sz="5200" u="none">
+        <a:defRPr sz="5200" b="0" i="0" u="none" strike="noStrike" cap="none" spc="0" baseline="0">
           <a:solidFill>
             <a:srgbClr val="FFFFFF"/>
           </a:solidFill>
@@ -2636,8 +2498,7 @@
         <a:buSzPct val="75000"/>
         <a:buFontTx/>
         <a:buChar char="•"/>
-        <a:tabLst/>
-        <a:defRPr b="0" baseline="0" cap="none" i="0" spc="0" strike="noStrike" sz="5200" u="none">
+        <a:defRPr sz="5200" b="0" i="0" u="none" strike="noStrike" cap="none" spc="0" baseline="0">
           <a:solidFill>
             <a:srgbClr val="FFFFFF"/>
           </a:solidFill>
@@ -2662,8 +2523,7 @@
         <a:buSzPct val="75000"/>
         <a:buFontTx/>
         <a:buChar char="•"/>
-        <a:tabLst/>
-        <a:defRPr b="0" baseline="0" cap="none" i="0" spc="0" strike="noStrike" sz="5200" u="none">
+        <a:defRPr sz="5200" b="0" i="0" u="none" strike="noStrike" cap="none" spc="0" baseline="0">
           <a:solidFill>
             <a:srgbClr val="FFFFFF"/>
           </a:solidFill>
@@ -2688,8 +2548,7 @@
         <a:buSzPct val="75000"/>
         <a:buFontTx/>
         <a:buChar char="•"/>
-        <a:tabLst/>
-        <a:defRPr b="0" baseline="0" cap="none" i="0" spc="0" strike="noStrike" sz="5200" u="none">
+        <a:defRPr sz="5200" b="0" i="0" u="none" strike="noStrike" cap="none" spc="0" baseline="0">
           <a:solidFill>
             <a:srgbClr val="FFFFFF"/>
           </a:solidFill>
@@ -2714,8 +2573,7 @@
         <a:buSzPct val="75000"/>
         <a:buFontTx/>
         <a:buChar char="•"/>
-        <a:tabLst/>
-        <a:defRPr b="0" baseline="0" cap="none" i="0" spc="0" strike="noStrike" sz="5200" u="none">
+        <a:defRPr sz="5200" b="0" i="0" u="none" strike="noStrike" cap="none" spc="0" baseline="0">
           <a:solidFill>
             <a:srgbClr val="FFFFFF"/>
           </a:solidFill>
@@ -2742,8 +2600,7 @@
         <a:buSzTx/>
         <a:buFontTx/>
         <a:buNone/>
-        <a:tabLst/>
-        <a:defRPr b="0" baseline="0" cap="none" i="0" spc="0" strike="noStrike" sz="2400" u="none">
+        <a:defRPr sz="2400" b="0" i="0" u="none" strike="noStrike" cap="none" spc="0" baseline="0">
           <a:solidFill>
             <a:schemeClr val="tx1"/>
           </a:solidFill>
@@ -2768,8 +2625,7 @@
         <a:buSzTx/>
         <a:buFontTx/>
         <a:buNone/>
-        <a:tabLst/>
-        <a:defRPr b="0" baseline="0" cap="none" i="0" spc="0" strike="noStrike" sz="2400" u="none">
+        <a:defRPr sz="2400" b="0" i="0" u="none" strike="noStrike" cap="none" spc="0" baseline="0">
           <a:solidFill>
             <a:schemeClr val="tx1"/>
           </a:solidFill>
@@ -2794,8 +2650,7 @@
         <a:buSzTx/>
         <a:buFontTx/>
         <a:buNone/>
-        <a:tabLst/>
-        <a:defRPr b="0" baseline="0" cap="none" i="0" spc="0" strike="noStrike" sz="2400" u="none">
+        <a:defRPr sz="2400" b="0" i="0" u="none" strike="noStrike" cap="none" spc="0" baseline="0">
           <a:solidFill>
             <a:schemeClr val="tx1"/>
           </a:solidFill>
@@ -2820,8 +2675,7 @@
         <a:buSzTx/>
         <a:buFontTx/>
         <a:buNone/>
-        <a:tabLst/>
-        <a:defRPr b="0" baseline="0" cap="none" i="0" spc="0" strike="noStrike" sz="2400" u="none">
+        <a:defRPr sz="2400" b="0" i="0" u="none" strike="noStrike" cap="none" spc="0" baseline="0">
           <a:solidFill>
             <a:schemeClr val="tx1"/>
           </a:solidFill>
@@ -2846,8 +2700,7 @@
         <a:buSzTx/>
         <a:buFontTx/>
         <a:buNone/>
-        <a:tabLst/>
-        <a:defRPr b="0" baseline="0" cap="none" i="0" spc="0" strike="noStrike" sz="2400" u="none">
+        <a:defRPr sz="2400" b="0" i="0" u="none" strike="noStrike" cap="none" spc="0" baseline="0">
           <a:solidFill>
             <a:schemeClr val="tx1"/>
           </a:solidFill>
@@ -2872,8 +2725,7 @@
         <a:buSzTx/>
         <a:buFontTx/>
         <a:buNone/>
-        <a:tabLst/>
-        <a:defRPr b="0" baseline="0" cap="none" i="0" spc="0" strike="noStrike" sz="2400" u="none">
+        <a:defRPr sz="2400" b="0" i="0" u="none" strike="noStrike" cap="none" spc="0" baseline="0">
           <a:solidFill>
             <a:schemeClr val="tx1"/>
           </a:solidFill>
@@ -2898,8 +2750,7 @@
         <a:buSzTx/>
         <a:buFontTx/>
         <a:buNone/>
-        <a:tabLst/>
-        <a:defRPr b="0" baseline="0" cap="none" i="0" spc="0" strike="noStrike" sz="2400" u="none">
+        <a:defRPr sz="2400" b="0" i="0" u="none" strike="noStrike" cap="none" spc="0" baseline="0">
           <a:solidFill>
             <a:schemeClr val="tx1"/>
           </a:solidFill>
@@ -2924,8 +2775,7 @@
         <a:buSzTx/>
         <a:buFontTx/>
         <a:buNone/>
-        <a:tabLst/>
-        <a:defRPr b="0" baseline="0" cap="none" i="0" spc="0" strike="noStrike" sz="2400" u="none">
+        <a:defRPr sz="2400" b="0" i="0" u="none" strike="noStrike" cap="none" spc="0" baseline="0">
           <a:solidFill>
             <a:schemeClr val="tx1"/>
           </a:solidFill>
@@ -2950,8 +2800,7 @@
         <a:buSzTx/>
         <a:buFontTx/>
         <a:buNone/>
-        <a:tabLst/>
-        <a:defRPr b="0" baseline="0" cap="none" i="0" spc="0" strike="noStrike" sz="2400" u="none">
+        <a:defRPr sz="2400" b="0" i="0" u="none" strike="noStrike" cap="none" spc="0" baseline="0">
           <a:solidFill>
             <a:schemeClr val="tx1"/>
           </a:solidFill>
@@ -2968,7 +2817,7 @@
 </file>
 
 <file path=ppt/slides/slide1.xml><?xml version="1.0" encoding="utf-8"?>
-<p:sld xmlns:a="http://schemas.openxmlformats.org/drawingml/2006/main" xmlns:r="http://schemas.openxmlformats.org/officeDocument/2006/relationships" xmlns:p="http://schemas.openxmlformats.org/presentationml/2006/main" xmlns:m="http://schemas.openxmlformats.org/officeDocument/2006/math" xmlns:a14="http://schemas.microsoft.com/office/drawing/2010/main" showMasterSp="1" showMasterPhAnim="1">
+<p:sld xmlns:a="http://schemas.openxmlformats.org/drawingml/2006/main" xmlns:r="http://schemas.openxmlformats.org/officeDocument/2006/relationships" xmlns:p="http://schemas.openxmlformats.org/presentationml/2006/main">
   <p:cSld>
     <p:spTree>
       <p:nvGrpSpPr>
@@ -3006,14 +2855,14 @@
           <a:lstStyle/>
           <a:p>
             <a:pPr>
-              <a:defRPr b="1" sz="11500">
+              <a:defRPr sz="11500" b="1">
                 <a:solidFill>
                   <a:srgbClr val="11DCE3"/>
                 </a:solidFill>
-                <a:latin typeface="Times New Roman"/>
-                <a:ea typeface="Times New Roman"/>
-                <a:cs typeface="Times New Roman"/>
-                <a:sym typeface="Times New Roman"/>
+                <a:latin typeface="Times New Roman" panose="02020603050405020304"/>
+                <a:ea typeface="Times New Roman" panose="02020603050405020304"/>
+                <a:cs typeface="Times New Roman" panose="02020603050405020304"/>
+                <a:sym typeface="Times New Roman" panose="02020603050405020304"/>
               </a:defRPr>
             </a:pPr>
             <a:r>
@@ -3022,14 +2871,14 @@
           </a:p>
           <a:p>
             <a:pPr>
-              <a:defRPr b="1" sz="11500">
+              <a:defRPr sz="11500" b="1">
                 <a:solidFill>
                   <a:srgbClr val="11DCE3"/>
                 </a:solidFill>
-                <a:latin typeface="Times New Roman"/>
-                <a:ea typeface="Times New Roman"/>
-                <a:cs typeface="Times New Roman"/>
-                <a:sym typeface="Times New Roman"/>
+                <a:latin typeface="Times New Roman" panose="02020603050405020304"/>
+                <a:ea typeface="Times New Roman" panose="02020603050405020304"/>
+                <a:cs typeface="Times New Roman" panose="02020603050405020304"/>
+                <a:sym typeface="Times New Roman" panose="02020603050405020304"/>
               </a:defRPr>
             </a:pPr>
             <a:r>
@@ -3060,11 +2909,11 @@
           <a:lstStyle/>
           <a:p>
             <a:pPr algn="l" defTabSz="726440">
-              <a:defRPr i="1" sz="5800">
-                <a:latin typeface="Times New Roman"/>
-                <a:ea typeface="Times New Roman"/>
-                <a:cs typeface="Times New Roman"/>
-                <a:sym typeface="Times New Roman"/>
+              <a:defRPr sz="5800" i="1">
+                <a:latin typeface="Times New Roman" panose="02020603050405020304"/>
+                <a:ea typeface="Times New Roman" panose="02020603050405020304"/>
+                <a:cs typeface="Times New Roman" panose="02020603050405020304"/>
+                <a:sym typeface="Times New Roman" panose="02020603050405020304"/>
               </a:defRPr>
             </a:pPr>
             <a:r>
@@ -3073,11 +2922,11 @@
           </a:p>
           <a:p>
             <a:pPr algn="l" defTabSz="726440">
-              <a:defRPr i="1" sz="5800">
-                <a:latin typeface="Times New Roman"/>
-                <a:ea typeface="Times New Roman"/>
-                <a:cs typeface="Times New Roman"/>
-                <a:sym typeface="Times New Roman"/>
+              <a:defRPr sz="5800" i="1">
+                <a:latin typeface="Times New Roman" panose="02020603050405020304"/>
+                <a:ea typeface="Times New Roman" panose="02020603050405020304"/>
+                <a:cs typeface="Times New Roman" panose="02020603050405020304"/>
+                <a:sym typeface="Times New Roman" panose="02020603050405020304"/>
               </a:defRPr>
             </a:pPr>
             <a:r>
@@ -3086,11 +2935,11 @@
           </a:p>
           <a:p>
             <a:pPr algn="l" defTabSz="726440">
-              <a:defRPr i="1" sz="5800">
-                <a:latin typeface="Times New Roman"/>
-                <a:ea typeface="Times New Roman"/>
-                <a:cs typeface="Times New Roman"/>
-                <a:sym typeface="Times New Roman"/>
+              <a:defRPr sz="5800" i="1">
+                <a:latin typeface="Times New Roman" panose="02020603050405020304"/>
+                <a:ea typeface="Times New Roman" panose="02020603050405020304"/>
+                <a:cs typeface="Times New Roman" panose="02020603050405020304"/>
+                <a:sym typeface="Times New Roman" panose="02020603050405020304"/>
               </a:defRPr>
             </a:pPr>
             <a:r>
@@ -3099,103 +2948,49 @@
           </a:p>
         </p:txBody>
       </p:sp>
-      <p:grpSp>
-        <p:nvGrpSpPr>
-          <p:cNvPr id="123" name="Image Gallery"/>
-          <p:cNvGrpSpPr/>
+      <p:pic>
+        <p:nvPicPr>
+          <p:cNvPr id="121" name="Screenshot 2022-12-06 at 9.55.08 AM.png" descr="Screenshot 2022-12-06 at 9.55.08 AM.png"/>
+          <p:cNvPicPr>
+            <a:picLocks noChangeAspect="1"/>
+          </p:cNvPicPr>
           <p:nvPr/>
-        </p:nvGrpSpPr>
-        <p:grpSpPr>
+        </p:nvPicPr>
+        <p:blipFill>
+          <a:blip r:embed="rId1"/>
+          <a:srcRect t="1819" b="1819"/>
+          <a:stretch>
+            <a:fillRect/>
+          </a:stretch>
+        </p:blipFill>
+        <p:spPr>
           <a:xfrm>
-            <a:off x="13657243" y="4945290"/>
-            <a:ext cx="7700859" cy="9055083"/>
-            <a:chOff x="0" y="0"/>
-            <a:chExt cx="7700857" cy="9055082"/>
+            <a:off x="13560425" y="4481830"/>
+            <a:ext cx="7700645" cy="8039100"/>
           </a:xfrm>
-        </p:grpSpPr>
-        <p:pic>
-          <p:nvPicPr>
-            <p:cNvPr id="121" name="Screenshot 2022-12-06 at 9.55.08 AM.png" descr="Screenshot 2022-12-06 at 9.55.08 AM.png"/>
-            <p:cNvPicPr>
-              <a:picLocks noChangeAspect="1"/>
-            </p:cNvPicPr>
-            <p:nvPr/>
-          </p:nvPicPr>
-          <p:blipFill>
-            <a:blip r:embed="rId2">
-              <a:extLst/>
-            </a:blip>
-            <a:srcRect l="0" t="1819" r="0" b="1819"/>
-            <a:stretch>
-              <a:fillRect/>
-            </a:stretch>
-          </p:blipFill>
-          <p:spPr>
-            <a:xfrm>
-              <a:off x="0" y="0"/>
-              <a:ext cx="7700858" cy="8039083"/>
-            </a:xfrm>
-            <a:prstGeom prst="rect">
-              <a:avLst/>
-            </a:prstGeom>
-            <a:ln w="12700" cap="flat">
-              <a:noFill/>
-              <a:miter lim="400000"/>
-            </a:ln>
-            <a:effectLst/>
-          </p:spPr>
-        </p:pic>
-        <p:sp>
-          <p:nvSpPr>
-            <p:cNvPr id="122" name="Caption"/>
-            <p:cNvSpPr/>
-            <p:nvPr/>
-          </p:nvSpPr>
-          <p:spPr>
-            <a:xfrm>
-              <a:off x="0" y="8115282"/>
-              <a:ext cx="7700858" cy="939801"/>
-            </a:xfrm>
-            <a:prstGeom prst="rect">
-              <a:avLst/>
-            </a:prstGeom>
+          <a:prstGeom prst="rect">
+            <a:avLst/>
+          </a:prstGeom>
+          <a:ln w="12700" cap="flat">
             <a:noFill/>
-            <a:ln w="12700" cap="flat">
-              <a:noFill/>
-              <a:miter lim="400000"/>
-            </a:ln>
-            <a:effectLst/>
-            <a:extLst>
-              <a:ext uri="{C572A759-6A51-4108-AA02-DFA0A04FC94B}">
-                <ma14:wrappingTextBoxFlag xmlns:ma14="http://schemas.microsoft.com/office/mac/drawingml/2011/main" val="1"/>
-              </a:ext>
-            </a:extLst>
-          </p:spPr>
-          <p:txBody>
-            <a:bodyPr wrap="square" lIns="76200" tIns="76200" rIns="76200" bIns="76200" numCol="1" anchor="t">
-              <a:noAutofit/>
-            </a:bodyPr>
-            <a:lstStyle/>
-            <a:p>
-              <a:pPr/>
-              <a:r>
-                <a:t>Caption</a:t>
-              </a:r>
-            </a:p>
-          </p:txBody>
-        </p:sp>
-      </p:grpSp>
+            <a:miter lim="400000"/>
+            <a:headEnd/>
+            <a:tailEnd/>
+          </a:ln>
+          <a:effectLst/>
+        </p:spPr>
+      </p:pic>
     </p:spTree>
   </p:cSld>
   <p:clrMapOvr>
     <a:masterClrMapping/>
   </p:clrMapOvr>
-  <p:transition xmlns:p14="http://schemas.microsoft.com/office/powerpoint/2010/main" spd="med" advClick="1"/>
+  <p:transition spd="med"/>
 </p:sld>
 </file>
 
 <file path=ppt/slides/slide10.xml><?xml version="1.0" encoding="utf-8"?>
-<p:sld xmlns:a="http://schemas.openxmlformats.org/drawingml/2006/main" xmlns:r="http://schemas.openxmlformats.org/officeDocument/2006/relationships" xmlns:p="http://schemas.openxmlformats.org/presentationml/2006/main" xmlns:m="http://schemas.openxmlformats.org/officeDocument/2006/math" xmlns:a14="http://schemas.microsoft.com/office/drawing/2010/main" showMasterSp="1" showMasterPhAnim="1">
+<p:sld xmlns:a="http://schemas.openxmlformats.org/drawingml/2006/main" xmlns:r="http://schemas.openxmlformats.org/officeDocument/2006/relationships" xmlns:p="http://schemas.openxmlformats.org/presentationml/2006/main">
   <p:cSld>
     <p:spTree>
       <p:nvGrpSpPr>
@@ -3228,22 +3023,21 @@
           <a:bodyPr/>
           <a:lstStyle>
             <a:lvl1pPr>
-              <a:defRPr b="1" sz="12500">
+              <a:defRPr sz="12500" b="1">
                 <a:solidFill>
                   <a:schemeClr val="accent1">
-                    <a:satOff val="-39116"/>
+                    <a:satOff val="-39115"/>
                     <a:lumOff val="31078"/>
                   </a:schemeClr>
                 </a:solidFill>
-                <a:latin typeface="Times New Roman"/>
-                <a:ea typeface="Times New Roman"/>
-                <a:cs typeface="Times New Roman"/>
-                <a:sym typeface="Times New Roman"/>
+                <a:latin typeface="Times New Roman" panose="02020603050405020304"/>
+                <a:ea typeface="Times New Roman" panose="02020603050405020304"/>
+                <a:cs typeface="Times New Roman" panose="02020603050405020304"/>
+                <a:sym typeface="Times New Roman" panose="02020603050405020304"/>
               </a:defRPr>
             </a:lvl1pPr>
           </a:lstStyle>
           <a:p>
-            <a:pPr/>
             <a:r>
               <a:t>Strengths and Weakness</a:t>
             </a:r>
@@ -3271,18 +3065,18 @@
           <a:bodyPr/>
           <a:lstStyle/>
           <a:p>
-            <a:pPr marL="591312" indent="-591312" algn="just" defTabSz="800735">
+            <a:pPr marL="591185" indent="-591185" algn="just" defTabSz="800735">
               <a:spcBef>
                 <a:spcPts val="5700"/>
               </a:spcBef>
-              <a:defRPr b="1" sz="5626">
+              <a:defRPr sz="5625" b="1">
                 <a:solidFill>
                   <a:schemeClr val="accent2"/>
                 </a:solidFill>
-                <a:latin typeface="Times New Roman"/>
-                <a:ea typeface="Times New Roman"/>
-                <a:cs typeface="Times New Roman"/>
-                <a:sym typeface="Times New Roman"/>
+                <a:latin typeface="Times New Roman" panose="02020603050405020304"/>
+                <a:ea typeface="Times New Roman" panose="02020603050405020304"/>
+                <a:cs typeface="Times New Roman" panose="02020603050405020304"/>
+                <a:sym typeface="Times New Roman" panose="02020603050405020304"/>
               </a:defRPr>
             </a:pPr>
             <a:r>
@@ -3296,14 +3090,14 @@
               </a:spcBef>
               <a:buSzTx/>
               <a:buNone/>
-              <a:defRPr sz="5044">
+              <a:defRPr sz="5045">
                 <a:solidFill>
                   <a:srgbClr val="DDDDDD"/>
                 </a:solidFill>
-                <a:latin typeface="Times New Roman"/>
-                <a:ea typeface="Times New Roman"/>
-                <a:cs typeface="Times New Roman"/>
-                <a:sym typeface="Times New Roman"/>
+                <a:latin typeface="Times New Roman" panose="02020603050405020304"/>
+                <a:ea typeface="Times New Roman" panose="02020603050405020304"/>
+                <a:cs typeface="Times New Roman" panose="02020603050405020304"/>
+                <a:sym typeface="Times New Roman" panose="02020603050405020304"/>
               </a:defRPr>
             </a:pPr>
             <a:r>
@@ -3317,33 +3111,37 @@
               </a:spcBef>
               <a:buSzTx/>
               <a:buNone/>
-              <a:defRPr sz="5044">
+              <a:defRPr sz="5045">
                 <a:solidFill>
                   <a:srgbClr val="DDDDDD"/>
                 </a:solidFill>
-                <a:latin typeface="Times New Roman"/>
-                <a:ea typeface="Times New Roman"/>
-                <a:cs typeface="Times New Roman"/>
-                <a:sym typeface="Times New Roman"/>
+                <a:latin typeface="Times New Roman" panose="02020603050405020304"/>
+                <a:ea typeface="Times New Roman" panose="02020603050405020304"/>
+                <a:cs typeface="Times New Roman" panose="02020603050405020304"/>
+                <a:sym typeface="Times New Roman" panose="02020603050405020304"/>
               </a:defRPr>
             </a:pPr>
             <a:r>
               <a:t>Improves Productivity</a:t>
             </a:r>
-          </a:p>
-          <a:p>
-            <a:pPr marL="591312" indent="-591312" algn="just" defTabSz="800735">
+            <a:r>
+              <a:rPr lang="en-US"/>
+              <a:t>.</a:t>
+            </a:r>
+          </a:p>
+          <a:p>
+            <a:pPr marL="591185" indent="-591185" algn="just" defTabSz="800735">
               <a:spcBef>
                 <a:spcPts val="5700"/>
               </a:spcBef>
-              <a:defRPr b="1" sz="5626">
+              <a:defRPr sz="5625" b="1">
                 <a:solidFill>
                   <a:schemeClr val="accent2"/>
                 </a:solidFill>
-                <a:latin typeface="Times New Roman"/>
-                <a:ea typeface="Times New Roman"/>
-                <a:cs typeface="Times New Roman"/>
-                <a:sym typeface="Times New Roman"/>
+                <a:latin typeface="Times New Roman" panose="02020603050405020304"/>
+                <a:ea typeface="Times New Roman" panose="02020603050405020304"/>
+                <a:cs typeface="Times New Roman" panose="02020603050405020304"/>
+                <a:sym typeface="Times New Roman" panose="02020603050405020304"/>
               </a:defRPr>
             </a:pPr>
             <a:r>
@@ -3357,291 +3155,67 @@
               </a:spcBef>
               <a:buSzTx/>
               <a:buNone/>
-              <a:defRPr sz="5044">
+              <a:defRPr sz="5045">
                 <a:solidFill>
                   <a:srgbClr val="DDDDDD"/>
                 </a:solidFill>
-                <a:latin typeface="Times New Roman"/>
-                <a:ea typeface="Times New Roman"/>
-                <a:cs typeface="Times New Roman"/>
-                <a:sym typeface="Times New Roman"/>
+                <a:latin typeface="Times New Roman" panose="02020603050405020304"/>
+                <a:ea typeface="Times New Roman" panose="02020603050405020304"/>
+                <a:cs typeface="Times New Roman" panose="02020603050405020304"/>
+                <a:sym typeface="Times New Roman" panose="02020603050405020304"/>
               </a:defRPr>
             </a:pPr>
             <a:r>
-              <a:t>Readability Issues</a:t>
-            </a:r>
-          </a:p>
-          <a:p>
-            <a:pPr marL="0" indent="0" algn="just" defTabSz="800735">
-              <a:spcBef>
-                <a:spcPts val="5700"/>
-              </a:spcBef>
-              <a:buSzTx/>
-              <a:buNone/>
-              <a:defRPr sz="5044">
-                <a:solidFill>
-                  <a:srgbClr val="DDDDDD"/>
-                </a:solidFill>
-                <a:latin typeface="Times New Roman"/>
-                <a:ea typeface="Times New Roman"/>
-                <a:cs typeface="Times New Roman"/>
-                <a:sym typeface="Times New Roman"/>
-              </a:defRPr>
-            </a:pPr>
-            <a:r>
-              <a:t>Better UI Design</a:t>
-            </a:r>
+              <a:rPr lang="en-US"/>
+              <a:t>Temporary Storage. </a:t>
+            </a:r>
+            <a:endParaRPr lang="en-US"/>
           </a:p>
         </p:txBody>
       </p:sp>
-      <p:grpSp>
-        <p:nvGrpSpPr>
-          <p:cNvPr id="173" name="Image Gallery"/>
-          <p:cNvGrpSpPr/>
+      <p:pic>
+        <p:nvPicPr>
+          <p:cNvPr id="171" name="Screenshot 2022-12-06 at 9.55.56 AM.png" descr="Screenshot 2022-12-06 at 9.55.56 AM.png"/>
+          <p:cNvPicPr>
+            <a:picLocks noChangeAspect="1"/>
+          </p:cNvPicPr>
           <p:nvPr/>
-        </p:nvGrpSpPr>
-        <p:grpSpPr>
+        </p:nvPicPr>
+        <p:blipFill>
+          <a:blip r:embed="rId1"/>
+          <a:srcRect t="3411" b="3411"/>
+          <a:stretch>
+            <a:fillRect/>
+          </a:stretch>
+        </p:blipFill>
+        <p:spPr>
           <a:xfrm>
-            <a:off x="15265821" y="3867954"/>
-            <a:ext cx="8211051" cy="9409092"/>
-            <a:chOff x="0" y="0"/>
-            <a:chExt cx="8211049" cy="9409090"/>
+            <a:off x="15266035" y="3867785"/>
+            <a:ext cx="8211185" cy="8392795"/>
           </a:xfrm>
-        </p:grpSpPr>
-        <p:pic>
-          <p:nvPicPr>
-            <p:cNvPr id="171" name="Screenshot 2022-12-06 at 9.55.56 AM.png" descr="Screenshot 2022-12-06 at 9.55.56 AM.png"/>
-            <p:cNvPicPr>
-              <a:picLocks noChangeAspect="1"/>
-            </p:cNvPicPr>
-            <p:nvPr/>
-          </p:nvPicPr>
-          <p:blipFill>
-            <a:blip r:embed="rId2">
-              <a:extLst/>
-            </a:blip>
-            <a:srcRect l="0" t="3411" r="0" b="3411"/>
-            <a:stretch>
-              <a:fillRect/>
-            </a:stretch>
-          </p:blipFill>
-          <p:spPr>
-            <a:xfrm>
-              <a:off x="0" y="0"/>
-              <a:ext cx="8211050" cy="8393091"/>
-            </a:xfrm>
-            <a:prstGeom prst="rect">
-              <a:avLst/>
-            </a:prstGeom>
-            <a:ln w="12700" cap="flat">
-              <a:noFill/>
-              <a:miter lim="400000"/>
-            </a:ln>
-            <a:effectLst/>
-          </p:spPr>
-        </p:pic>
-        <p:sp>
-          <p:nvSpPr>
-            <p:cNvPr id="172" name="Caption"/>
-            <p:cNvSpPr/>
-            <p:nvPr/>
-          </p:nvSpPr>
-          <p:spPr>
-            <a:xfrm>
-              <a:off x="0" y="8469290"/>
-              <a:ext cx="8211050" cy="939801"/>
-            </a:xfrm>
-            <a:prstGeom prst="rect">
-              <a:avLst/>
-            </a:prstGeom>
+          <a:prstGeom prst="rect">
+            <a:avLst/>
+          </a:prstGeom>
+          <a:ln w="12700" cap="flat">
             <a:noFill/>
-            <a:ln w="12700" cap="flat">
-              <a:noFill/>
-              <a:miter lim="400000"/>
-            </a:ln>
-            <a:effectLst/>
-            <a:extLst>
-              <a:ext uri="{C572A759-6A51-4108-AA02-DFA0A04FC94B}">
-                <ma14:wrappingTextBoxFlag xmlns:ma14="http://schemas.microsoft.com/office/mac/drawingml/2011/main" val="1"/>
-              </a:ext>
-            </a:extLst>
-          </p:spPr>
-          <p:txBody>
-            <a:bodyPr wrap="square" lIns="76200" tIns="76200" rIns="76200" bIns="76200" numCol="1" anchor="t">
-              <a:noAutofit/>
-            </a:bodyPr>
-            <a:lstStyle/>
-            <a:p>
-              <a:pPr/>
-              <a:r>
-                <a:t>Caption</a:t>
-              </a:r>
-            </a:p>
-          </p:txBody>
-        </p:sp>
-      </p:grpSp>
+            <a:miter lim="400000"/>
+            <a:headEnd/>
+            <a:tailEnd/>
+          </a:ln>
+          <a:effectLst/>
+        </p:spPr>
+      </p:pic>
     </p:spTree>
   </p:cSld>
   <p:clrMapOvr>
     <a:masterClrMapping/>
   </p:clrMapOvr>
-  <p:transition xmlns:p14="http://schemas.microsoft.com/office/powerpoint/2010/main" spd="med" advClick="1"/>
+  <p:transition spd="med"/>
 </p:sld>
 </file>
 
 <file path=ppt/slides/slide11.xml><?xml version="1.0" encoding="utf-8"?>
-<p:sld xmlns:a="http://schemas.openxmlformats.org/drawingml/2006/main" xmlns:r="http://schemas.openxmlformats.org/officeDocument/2006/relationships" xmlns:p="http://schemas.openxmlformats.org/presentationml/2006/main" xmlns:m="http://schemas.openxmlformats.org/officeDocument/2006/math" xmlns:a14="http://schemas.microsoft.com/office/drawing/2010/main" showMasterSp="1" showMasterPhAnim="1">
-  <p:cSld>
-    <p:spTree>
-      <p:nvGrpSpPr>
-        <p:cNvPr id="1" name=""/>
-        <p:cNvGrpSpPr/>
-        <p:nvPr/>
-      </p:nvGrpSpPr>
-      <p:grpSpPr>
-        <a:xfrm>
-          <a:off x="0" y="0"/>
-          <a:ext cx="0" cy="0"/>
-          <a:chOff x="0" y="0"/>
-          <a:chExt cx="0" cy="0"/>
-        </a:xfrm>
-      </p:grpSpPr>
-      <p:sp>
-        <p:nvSpPr>
-          <p:cNvPr id="175" name="Decisions/Issues Dealt"/>
-          <p:cNvSpPr txBox="1"/>
-          <p:nvPr>
-            <p:ph type="title"/>
-          </p:nvPr>
-        </p:nvSpPr>
-        <p:spPr>
-          <a:prstGeom prst="rect">
-            <a:avLst/>
-          </a:prstGeom>
-        </p:spPr>
-        <p:txBody>
-          <a:bodyPr/>
-          <a:lstStyle>
-            <a:lvl1pPr>
-              <a:defRPr b="1" sz="12500">
-                <a:solidFill>
-                  <a:schemeClr val="accent1">
-                    <a:satOff val="-39116"/>
-                    <a:lumOff val="31078"/>
-                  </a:schemeClr>
-                </a:solidFill>
-                <a:latin typeface="Times New Roman"/>
-                <a:ea typeface="Times New Roman"/>
-                <a:cs typeface="Times New Roman"/>
-                <a:sym typeface="Times New Roman"/>
-              </a:defRPr>
-            </a:lvl1pPr>
-          </a:lstStyle>
-          <a:p>
-            <a:pPr/>
-            <a:r>
-              <a:t>Decisions/Issues Dealt</a:t>
-            </a:r>
-          </a:p>
-        </p:txBody>
-      </p:sp>
-      <p:sp>
-        <p:nvSpPr>
-          <p:cNvPr id="176" name="Storage wasn’t always working or functioning properly.…"/>
-          <p:cNvSpPr txBox="1"/>
-          <p:nvPr>
-            <p:ph type="body" idx="1"/>
-          </p:nvPr>
-        </p:nvSpPr>
-        <p:spPr>
-          <a:xfrm>
-            <a:off x="1790700" y="3644900"/>
-            <a:ext cx="20815300" cy="6876337"/>
-          </a:xfrm>
-          <a:prstGeom prst="rect">
-            <a:avLst/>
-          </a:prstGeom>
-        </p:spPr>
-        <p:txBody>
-          <a:bodyPr/>
-          <a:lstStyle/>
-          <a:p>
-            <a:pPr algn="just">
-              <a:defRPr>
-                <a:solidFill>
-                  <a:srgbClr val="DDDDDD"/>
-                </a:solidFill>
-                <a:latin typeface="Times New Roman"/>
-                <a:ea typeface="Times New Roman"/>
-                <a:cs typeface="Times New Roman"/>
-                <a:sym typeface="Times New Roman"/>
-              </a:defRPr>
-            </a:pPr>
-            <a:r>
-              <a:t>Storage wasn’t always working or functioning properly.</a:t>
-            </a:r>
-          </a:p>
-          <a:p>
-            <a:pPr algn="just">
-              <a:defRPr>
-                <a:solidFill>
-                  <a:srgbClr val="DDDDDD"/>
-                </a:solidFill>
-                <a:latin typeface="Times New Roman"/>
-                <a:ea typeface="Times New Roman"/>
-                <a:cs typeface="Times New Roman"/>
-                <a:sym typeface="Times New Roman"/>
-              </a:defRPr>
-            </a:pPr>
-            <a:r>
-              <a:t>Remove all (clear button) was always active irrespective of our preference.</a:t>
-            </a:r>
-          </a:p>
-          <a:p>
-            <a:pPr algn="just">
-              <a:defRPr>
-                <a:solidFill>
-                  <a:srgbClr val="DDDDDD"/>
-                </a:solidFill>
-                <a:latin typeface="Times New Roman"/>
-                <a:ea typeface="Times New Roman"/>
-                <a:cs typeface="Times New Roman"/>
-                <a:sym typeface="Times New Roman"/>
-              </a:defRPr>
-            </a:pPr>
-            <a:r>
-              <a:t>Redesigning and Remodelling.</a:t>
-            </a:r>
-          </a:p>
-          <a:p>
-            <a:pPr algn="just">
-              <a:defRPr>
-                <a:solidFill>
-                  <a:srgbClr val="DDDDDD"/>
-                </a:solidFill>
-                <a:latin typeface="Times New Roman"/>
-                <a:ea typeface="Times New Roman"/>
-                <a:cs typeface="Times New Roman"/>
-                <a:sym typeface="Times New Roman"/>
-              </a:defRPr>
-            </a:pPr>
-            <a:r>
-              <a:t>Cleaning bugs that were resulting in mismatch error.</a:t>
-            </a:r>
-          </a:p>
-        </p:txBody>
-      </p:sp>
-    </p:spTree>
-  </p:cSld>
-  <p:clrMapOvr>
-    <a:masterClrMapping/>
-  </p:clrMapOvr>
-  <p:transition xmlns:p14="http://schemas.microsoft.com/office/powerpoint/2010/main" spd="med" advClick="1"/>
-</p:sld>
-</file>
-
-<file path=ppt/slides/slide12.xml><?xml version="1.0" encoding="utf-8"?>
-<p:sld xmlns:a="http://schemas.openxmlformats.org/drawingml/2006/main" xmlns:r="http://schemas.openxmlformats.org/officeDocument/2006/relationships" xmlns:p="http://schemas.openxmlformats.org/presentationml/2006/main" xmlns:m="http://schemas.openxmlformats.org/officeDocument/2006/math" xmlns:a14="http://schemas.microsoft.com/office/drawing/2010/main" showMasterSp="1" showMasterPhAnim="1">
+<p:sld xmlns:a="http://schemas.openxmlformats.org/drawingml/2006/main" xmlns:r="http://schemas.openxmlformats.org/officeDocument/2006/relationships" xmlns:p="http://schemas.openxmlformats.org/presentationml/2006/main">
   <p:cSld>
     <p:spTree>
       <p:nvGrpSpPr>
@@ -3678,15 +3252,14 @@
                 <a:solidFill>
                   <a:srgbClr val="11DCE3"/>
                 </a:solidFill>
-                <a:latin typeface="Times New Roman"/>
-                <a:ea typeface="Times New Roman"/>
-                <a:cs typeface="Times New Roman"/>
-                <a:sym typeface="Times New Roman"/>
+                <a:latin typeface="Times New Roman" panose="02020603050405020304"/>
+                <a:ea typeface="Times New Roman" panose="02020603050405020304"/>
+                <a:cs typeface="Times New Roman" panose="02020603050405020304"/>
+                <a:sym typeface="Times New Roman" panose="02020603050405020304"/>
               </a:defRPr>
             </a:lvl1pPr>
           </a:lstStyle>
           <a:p>
-            <a:pPr/>
             <a:r>
               <a:t>Conclusion for Docket</a:t>
             </a:r>
@@ -3719,10 +3292,10 @@
                 <a:solidFill>
                   <a:srgbClr val="DCDEE0"/>
                 </a:solidFill>
-                <a:latin typeface="Times New Roman"/>
-                <a:ea typeface="Times New Roman"/>
-                <a:cs typeface="Times New Roman"/>
-                <a:sym typeface="Times New Roman"/>
+                <a:latin typeface="Times New Roman" panose="02020603050405020304"/>
+                <a:ea typeface="Times New Roman" panose="02020603050405020304"/>
+                <a:cs typeface="Times New Roman" panose="02020603050405020304"/>
+                <a:sym typeface="Times New Roman" panose="02020603050405020304"/>
               </a:defRPr>
             </a:pPr>
             <a:r>
@@ -3735,14 +3308,18 @@
                 <a:solidFill>
                   <a:srgbClr val="DCDEE0"/>
                 </a:solidFill>
-                <a:latin typeface="Times New Roman"/>
-                <a:ea typeface="Times New Roman"/>
-                <a:cs typeface="Times New Roman"/>
-                <a:sym typeface="Times New Roman"/>
+                <a:latin typeface="Times New Roman" panose="02020603050405020304"/>
+                <a:ea typeface="Times New Roman" panose="02020603050405020304"/>
+                <a:cs typeface="Times New Roman" panose="02020603050405020304"/>
+                <a:sym typeface="Times New Roman" panose="02020603050405020304"/>
               </a:defRPr>
             </a:pPr>
             <a:r>
-              <a:t>It helps one from forgetting things.</a:t>
+              <a:t>It helps one from forgetting things</a:t>
+            </a:r>
+            <a:r>
+              <a:rPr lang="en-US"/>
+              <a:t>, while using the browser.</a:t>
             </a:r>
           </a:p>
           <a:p>
@@ -3751,10 +3328,10 @@
                 <a:solidFill>
                   <a:srgbClr val="DCDEE0"/>
                 </a:solidFill>
-                <a:latin typeface="Times New Roman"/>
-                <a:ea typeface="Times New Roman"/>
-                <a:cs typeface="Times New Roman"/>
-                <a:sym typeface="Times New Roman"/>
+                <a:latin typeface="Times New Roman" panose="02020603050405020304"/>
+                <a:ea typeface="Times New Roman" panose="02020603050405020304"/>
+                <a:cs typeface="Times New Roman" panose="02020603050405020304"/>
+                <a:sym typeface="Times New Roman" panose="02020603050405020304"/>
               </a:defRPr>
             </a:pPr>
             <a:r>
@@ -3767,15 +3344,20 @@
                 <a:solidFill>
                   <a:srgbClr val="DCDEE0"/>
                 </a:solidFill>
-                <a:latin typeface="Times New Roman"/>
-                <a:ea typeface="Times New Roman"/>
-                <a:cs typeface="Times New Roman"/>
-                <a:sym typeface="Times New Roman"/>
+                <a:latin typeface="Times New Roman" panose="02020603050405020304"/>
+                <a:ea typeface="Times New Roman" panose="02020603050405020304"/>
+                <a:cs typeface="Times New Roman" panose="02020603050405020304"/>
+                <a:sym typeface="Times New Roman" panose="02020603050405020304"/>
               </a:defRPr>
             </a:pPr>
             <a:r>
               <a:t>It helps with using time wisely and improve time management as well as the workflow</a:t>
             </a:r>
+            <a:r>
+              <a:rPr lang="en-US"/>
+              <a:t>.</a:t>
+            </a:r>
+            <a:endParaRPr lang="en-US"/>
           </a:p>
         </p:txBody>
       </p:sp>
@@ -3784,12 +3366,12 @@
   <p:clrMapOvr>
     <a:masterClrMapping/>
   </p:clrMapOvr>
-  <p:transition xmlns:p14="http://schemas.microsoft.com/office/powerpoint/2010/main" spd="med" advClick="1"/>
+  <p:transition spd="med"/>
 </p:sld>
 </file>
 
-<file path=ppt/slides/slide13.xml><?xml version="1.0" encoding="utf-8"?>
-<p:sld xmlns:a="http://schemas.openxmlformats.org/drawingml/2006/main" xmlns:r="http://schemas.openxmlformats.org/officeDocument/2006/relationships" xmlns:p="http://schemas.openxmlformats.org/presentationml/2006/main" xmlns:m="http://schemas.openxmlformats.org/officeDocument/2006/math" xmlns:a14="http://schemas.microsoft.com/office/drawing/2010/main" showMasterSp="1" showMasterPhAnim="1">
+<file path=ppt/slides/slide12.xml><?xml version="1.0" encoding="utf-8"?>
+<p:sld xmlns:a="http://schemas.openxmlformats.org/drawingml/2006/main" xmlns:r="http://schemas.openxmlformats.org/officeDocument/2006/relationships" xmlns:p="http://schemas.openxmlformats.org/presentationml/2006/main">
   <p:cSld>
     <p:spTree>
       <p:nvGrpSpPr>
@@ -3826,10 +3408,11 @@
           <a:bodyPr/>
           <a:lstStyle/>
           <a:p>
-            <a:pPr/>
-            <a:r>
-              <a:t>Questions?</a:t>
-            </a:r>
+            <a:r>
+              <a:rPr lang="en-US"/>
+              <a:t>Live Demo</a:t>
+            </a:r>
+            <a:endParaRPr lang="en-US"/>
           </a:p>
         </p:txBody>
       </p:sp>
@@ -3850,11 +3433,6 @@
           <a:ln w="12700">
             <a:miter lim="400000"/>
           </a:ln>
-          <a:extLst>
-            <a:ext uri="{C572A759-6A51-4108-AA02-DFA0A04FC94B}">
-              <ma14:wrappingTextBoxFlag xmlns:ma14="http://schemas.microsoft.com/office/mac/drawingml/2011/main" val="1"/>
-            </a:ext>
-          </a:extLst>
         </p:spPr>
         <p:txBody>
           <a:bodyPr wrap="none" lIns="50800" tIns="50800" rIns="50800" bIns="50800" anchor="ctr">
@@ -3892,12 +3470,12 @@
   <p:clrMapOvr>
     <a:masterClrMapping/>
   </p:clrMapOvr>
-  <p:transition xmlns:p14="http://schemas.microsoft.com/office/powerpoint/2010/main" spd="med" advClick="1"/>
+  <p:transition spd="med"/>
 </p:sld>
 </file>
 
 <file path=ppt/slides/slide2.xml><?xml version="1.0" encoding="utf-8"?>
-<p:sld xmlns:a="http://schemas.openxmlformats.org/drawingml/2006/main" xmlns:r="http://schemas.openxmlformats.org/officeDocument/2006/relationships" xmlns:p="http://schemas.openxmlformats.org/presentationml/2006/main" xmlns:m="http://schemas.openxmlformats.org/officeDocument/2006/math" xmlns:a14="http://schemas.microsoft.com/office/drawing/2010/main" showMasterSp="1" showMasterPhAnim="1">
+<p:sld xmlns:a="http://schemas.openxmlformats.org/drawingml/2006/main" xmlns:r="http://schemas.openxmlformats.org/officeDocument/2006/relationships" xmlns:p="http://schemas.openxmlformats.org/presentationml/2006/main">
   <p:cSld>
     <p:spTree>
       <p:nvGrpSpPr>
@@ -3938,18 +3516,19 @@
                 <a:solidFill>
                   <a:srgbClr val="11DCE3"/>
                 </a:solidFill>
-                <a:latin typeface="Times New Roman"/>
-                <a:ea typeface="Times New Roman"/>
-                <a:cs typeface="Times New Roman"/>
-                <a:sym typeface="Times New Roman"/>
+                <a:latin typeface="Times New Roman" panose="02020603050405020304"/>
+                <a:ea typeface="Times New Roman" panose="02020603050405020304"/>
+                <a:cs typeface="Times New Roman" panose="02020603050405020304"/>
+                <a:sym typeface="Times New Roman" panose="02020603050405020304"/>
               </a:defRPr>
             </a:lvl1pPr>
           </a:lstStyle>
           <a:p>
-            <a:pPr/>
-            <a:r>
-              <a:t>What is Docket?</a:t>
-            </a:r>
+            <a:r>
+              <a:rPr lang="en-US"/>
+              <a:t>About Docket</a:t>
+            </a:r>
+            <a:endParaRPr lang="en-US"/>
           </a:p>
         </p:txBody>
       </p:sp>
@@ -3970,11 +3549,6 @@
           <a:ln w="12700">
             <a:miter lim="400000"/>
           </a:ln>
-          <a:extLst>
-            <a:ext uri="{C572A759-6A51-4108-AA02-DFA0A04FC94B}">
-              <ma14:wrappingTextBoxFlag xmlns:ma14="http://schemas.microsoft.com/office/mac/drawingml/2011/main" val="1"/>
-            </a:ext>
-          </a:extLst>
         </p:spPr>
         <p:txBody>
           <a:bodyPr lIns="50800" tIns="50800" rIns="50800" bIns="50800" anchor="ctr">
@@ -3987,10 +3561,10 @@
                 <a:solidFill>
                   <a:srgbClr val="DCDEE0"/>
                 </a:solidFill>
-                <a:latin typeface="Times New Roman"/>
-                <a:ea typeface="Times New Roman"/>
-                <a:cs typeface="Times New Roman"/>
-                <a:sym typeface="Times New Roman"/>
+                <a:latin typeface="Times New Roman" panose="02020603050405020304"/>
+                <a:ea typeface="Times New Roman" panose="02020603050405020304"/>
+                <a:cs typeface="Times New Roman" panose="02020603050405020304"/>
+                <a:sym typeface="Times New Roman" panose="02020603050405020304"/>
               </a:defRPr>
             </a:pPr>
             <a:r>
@@ -4003,23 +3577,23 @@
                 <a:solidFill>
                   <a:srgbClr val="FFFFFF"/>
                 </a:solidFill>
-                <a:latin typeface="Times New Roman"/>
-                <a:ea typeface="Times New Roman"/>
-                <a:cs typeface="Times New Roman"/>
-                <a:sym typeface="Times New Roman"/>
+                <a:latin typeface="Times New Roman" panose="02020603050405020304"/>
+                <a:ea typeface="Times New Roman" panose="02020603050405020304"/>
+                <a:cs typeface="Times New Roman" panose="02020603050405020304"/>
+                <a:sym typeface="Times New Roman" panose="02020603050405020304"/>
               </a:defRPr>
             </a:pPr>
           </a:p>
           <a:p>
             <a:pPr algn="just">
-              <a:defRPr i="1" sz="5600">
+              <a:defRPr sz="5600" i="1">
                 <a:solidFill>
                   <a:srgbClr val="DCDEE0"/>
                 </a:solidFill>
-                <a:latin typeface="Times New Roman"/>
-                <a:ea typeface="Times New Roman"/>
-                <a:cs typeface="Times New Roman"/>
-                <a:sym typeface="Times New Roman"/>
+                <a:latin typeface="Times New Roman" panose="02020603050405020304"/>
+                <a:ea typeface="Times New Roman" panose="02020603050405020304"/>
+                <a:cs typeface="Times New Roman" panose="02020603050405020304"/>
+                <a:sym typeface="Times New Roman" panose="02020603050405020304"/>
               </a:defRPr>
             </a:pPr>
             <a:r>
@@ -4028,103 +3602,49 @@
           </a:p>
         </p:txBody>
       </p:sp>
-      <p:grpSp>
-        <p:nvGrpSpPr>
-          <p:cNvPr id="129" name="Image Gallery"/>
-          <p:cNvGrpSpPr/>
+      <p:pic>
+        <p:nvPicPr>
+          <p:cNvPr id="127" name="Screenshot 2022-12-06 at 9.55.21 AM.png" descr="Screenshot 2022-12-06 at 9.55.21 AM.png"/>
+          <p:cNvPicPr>
+            <a:picLocks noChangeAspect="1"/>
+          </p:cNvPicPr>
           <p:nvPr/>
-        </p:nvGrpSpPr>
-        <p:grpSpPr>
+        </p:nvPicPr>
+        <p:blipFill>
+          <a:blip r:embed="rId1"/>
+          <a:srcRect t="8560" b="8560"/>
+          <a:stretch>
+            <a:fillRect/>
+          </a:stretch>
+        </p:blipFill>
+        <p:spPr>
           <a:xfrm>
-            <a:off x="16409187" y="8141155"/>
-            <a:ext cx="5750914" cy="6319788"/>
-            <a:chOff x="0" y="0"/>
-            <a:chExt cx="5750912" cy="6319787"/>
+            <a:off x="16409035" y="8141335"/>
+            <a:ext cx="5751195" cy="5303520"/>
           </a:xfrm>
-        </p:grpSpPr>
-        <p:pic>
-          <p:nvPicPr>
-            <p:cNvPr id="127" name="Screenshot 2022-12-06 at 9.55.21 AM.png" descr="Screenshot 2022-12-06 at 9.55.21 AM.png"/>
-            <p:cNvPicPr>
-              <a:picLocks noChangeAspect="1"/>
-            </p:cNvPicPr>
-            <p:nvPr/>
-          </p:nvPicPr>
-          <p:blipFill>
-            <a:blip r:embed="rId2">
-              <a:extLst/>
-            </a:blip>
-            <a:srcRect l="0" t="8560" r="0" b="8560"/>
-            <a:stretch>
-              <a:fillRect/>
-            </a:stretch>
-          </p:blipFill>
-          <p:spPr>
-            <a:xfrm>
-              <a:off x="0" y="0"/>
-              <a:ext cx="5750913" cy="5303788"/>
-            </a:xfrm>
-            <a:prstGeom prst="rect">
-              <a:avLst/>
-            </a:prstGeom>
-            <a:ln w="12700" cap="flat">
-              <a:noFill/>
-              <a:miter lim="400000"/>
-            </a:ln>
-            <a:effectLst/>
-          </p:spPr>
-        </p:pic>
-        <p:sp>
-          <p:nvSpPr>
-            <p:cNvPr id="128" name="Caption"/>
-            <p:cNvSpPr/>
-            <p:nvPr/>
-          </p:nvSpPr>
-          <p:spPr>
-            <a:xfrm>
-              <a:off x="0" y="5379987"/>
-              <a:ext cx="5750913" cy="939801"/>
-            </a:xfrm>
-            <a:prstGeom prst="rect">
-              <a:avLst/>
-            </a:prstGeom>
+          <a:prstGeom prst="rect">
+            <a:avLst/>
+          </a:prstGeom>
+          <a:ln w="12700" cap="flat">
             <a:noFill/>
-            <a:ln w="12700" cap="flat">
-              <a:noFill/>
-              <a:miter lim="400000"/>
-            </a:ln>
-            <a:effectLst/>
-            <a:extLst>
-              <a:ext uri="{C572A759-6A51-4108-AA02-DFA0A04FC94B}">
-                <ma14:wrappingTextBoxFlag xmlns:ma14="http://schemas.microsoft.com/office/mac/drawingml/2011/main" val="1"/>
-              </a:ext>
-            </a:extLst>
-          </p:spPr>
-          <p:txBody>
-            <a:bodyPr wrap="square" lIns="76200" tIns="76200" rIns="76200" bIns="76200" numCol="1" anchor="t">
-              <a:noAutofit/>
-            </a:bodyPr>
-            <a:lstStyle/>
-            <a:p>
-              <a:pPr/>
-              <a:r>
-                <a:t>Caption</a:t>
-              </a:r>
-            </a:p>
-          </p:txBody>
-        </p:sp>
-      </p:grpSp>
+            <a:miter lim="400000"/>
+            <a:headEnd/>
+            <a:tailEnd/>
+          </a:ln>
+          <a:effectLst/>
+        </p:spPr>
+      </p:pic>
     </p:spTree>
   </p:cSld>
   <p:clrMapOvr>
     <a:masterClrMapping/>
   </p:clrMapOvr>
-  <p:transition xmlns:p14="http://schemas.microsoft.com/office/powerpoint/2010/main" spd="med" advClick="1"/>
+  <p:transition spd="med"/>
 </p:sld>
 </file>
 
 <file path=ppt/slides/slide3.xml><?xml version="1.0" encoding="utf-8"?>
-<p:sld xmlns:a="http://schemas.openxmlformats.org/drawingml/2006/main" xmlns:r="http://schemas.openxmlformats.org/officeDocument/2006/relationships" xmlns:p="http://schemas.openxmlformats.org/presentationml/2006/main" xmlns:m="http://schemas.openxmlformats.org/officeDocument/2006/math" xmlns:a14="http://schemas.microsoft.com/office/drawing/2010/main" showMasterSp="1" showMasterPhAnim="1">
+<p:sld xmlns:a="http://schemas.openxmlformats.org/drawingml/2006/main" xmlns:r="http://schemas.openxmlformats.org/officeDocument/2006/relationships" xmlns:p="http://schemas.openxmlformats.org/presentationml/2006/main">
   <p:cSld>
     <p:spTree>
       <p:nvGrpSpPr>
@@ -4165,18 +3685,19 @@
                 <a:solidFill>
                   <a:srgbClr val="11DCE3"/>
                 </a:solidFill>
-                <a:latin typeface="Times New Roman"/>
-                <a:ea typeface="Times New Roman"/>
-                <a:cs typeface="Times New Roman"/>
-                <a:sym typeface="Times New Roman"/>
+                <a:latin typeface="Times New Roman" panose="02020603050405020304"/>
+                <a:ea typeface="Times New Roman" panose="02020603050405020304"/>
+                <a:cs typeface="Times New Roman" panose="02020603050405020304"/>
+                <a:sym typeface="Times New Roman" panose="02020603050405020304"/>
               </a:defRPr>
             </a:lvl1pPr>
           </a:lstStyle>
           <a:p>
-            <a:pPr/>
-            <a:r>
-              <a:t>Reason for making Docket?</a:t>
-            </a:r>
+            <a:r>
+              <a:rPr lang="en-US"/>
+              <a:t>Inspiration for Docket</a:t>
+            </a:r>
+            <a:endParaRPr lang="en-US"/>
           </a:p>
         </p:txBody>
       </p:sp>
@@ -4206,10 +3727,10 @@
                 <a:solidFill>
                   <a:srgbClr val="DCDEE0"/>
                 </a:solidFill>
-                <a:latin typeface="Times New Roman"/>
-                <a:ea typeface="Times New Roman"/>
-                <a:cs typeface="Times New Roman"/>
-                <a:sym typeface="Times New Roman"/>
+                <a:latin typeface="Times New Roman" panose="02020603050405020304"/>
+                <a:ea typeface="Times New Roman" panose="02020603050405020304"/>
+                <a:cs typeface="Times New Roman" panose="02020603050405020304"/>
+                <a:sym typeface="Times New Roman" panose="02020603050405020304"/>
               </a:defRPr>
             </a:pPr>
             <a:r>
@@ -4222,10 +3743,10 @@
                 <a:solidFill>
                   <a:srgbClr val="DCDEE0"/>
                 </a:solidFill>
-                <a:latin typeface="Times New Roman"/>
-                <a:ea typeface="Times New Roman"/>
-                <a:cs typeface="Times New Roman"/>
-                <a:sym typeface="Times New Roman"/>
+                <a:latin typeface="Times New Roman" panose="02020603050405020304"/>
+                <a:ea typeface="Times New Roman" panose="02020603050405020304"/>
+                <a:cs typeface="Times New Roman" panose="02020603050405020304"/>
+                <a:sym typeface="Times New Roman" panose="02020603050405020304"/>
               </a:defRPr>
             </a:pPr>
             <a:r>
@@ -4243,9 +3764,7 @@
           <p:nvPr/>
         </p:nvPicPr>
         <p:blipFill>
-          <a:blip r:embed="rId2">
-            <a:extLst/>
-          </a:blip>
+          <a:blip r:embed="rId1"/>
           <a:stretch>
             <a:fillRect/>
           </a:stretch>
@@ -4260,106 +3779,54 @@
           </a:prstGeom>
           <a:ln w="12700">
             <a:miter lim="400000"/>
+            <a:headEnd/>
+            <a:tailEnd/>
           </a:ln>
         </p:spPr>
       </p:pic>
-      <p:grpSp>
-        <p:nvGrpSpPr>
-          <p:cNvPr id="136" name="Image Gallery"/>
-          <p:cNvGrpSpPr/>
+      <p:pic>
+        <p:nvPicPr>
+          <p:cNvPr id="134" name="Screenshot 2022-12-06 at 9.55.29 AM.png" descr="Screenshot 2022-12-06 at 9.55.29 AM.png"/>
+          <p:cNvPicPr>
+            <a:picLocks noChangeAspect="1"/>
+          </p:cNvPicPr>
           <p:nvPr/>
-        </p:nvGrpSpPr>
-        <p:grpSpPr>
+        </p:nvPicPr>
+        <p:blipFill>
+          <a:blip r:embed="rId2"/>
+          <a:srcRect t="3403" b="3403"/>
+          <a:stretch>
+            <a:fillRect/>
+          </a:stretch>
+        </p:blipFill>
+        <p:spPr>
           <a:xfrm>
-            <a:off x="4266550" y="7032788"/>
-            <a:ext cx="6152480" cy="7357744"/>
-            <a:chOff x="0" y="0"/>
-            <a:chExt cx="6152479" cy="7357742"/>
+            <a:off x="4266565" y="7032625"/>
+            <a:ext cx="6152515" cy="6341745"/>
           </a:xfrm>
-        </p:grpSpPr>
-        <p:pic>
-          <p:nvPicPr>
-            <p:cNvPr id="134" name="Screenshot 2022-12-06 at 9.55.29 AM.png" descr="Screenshot 2022-12-06 at 9.55.29 AM.png"/>
-            <p:cNvPicPr>
-              <a:picLocks noChangeAspect="1"/>
-            </p:cNvPicPr>
-            <p:nvPr/>
-          </p:nvPicPr>
-          <p:blipFill>
-            <a:blip r:embed="rId3">
-              <a:extLst/>
-            </a:blip>
-            <a:srcRect l="0" t="3403" r="0" b="3403"/>
-            <a:stretch>
-              <a:fillRect/>
-            </a:stretch>
-          </p:blipFill>
-          <p:spPr>
-            <a:xfrm>
-              <a:off x="0" y="0"/>
-              <a:ext cx="6152480" cy="6341743"/>
-            </a:xfrm>
-            <a:prstGeom prst="rect">
-              <a:avLst/>
-            </a:prstGeom>
-            <a:ln w="12700" cap="flat">
-              <a:noFill/>
-              <a:miter lim="400000"/>
-            </a:ln>
-            <a:effectLst/>
-          </p:spPr>
-        </p:pic>
-        <p:sp>
-          <p:nvSpPr>
-            <p:cNvPr id="135" name="Caption"/>
-            <p:cNvSpPr/>
-            <p:nvPr/>
-          </p:nvSpPr>
-          <p:spPr>
-            <a:xfrm>
-              <a:off x="0" y="6417942"/>
-              <a:ext cx="6152480" cy="939801"/>
-            </a:xfrm>
-            <a:prstGeom prst="rect">
-              <a:avLst/>
-            </a:prstGeom>
+          <a:prstGeom prst="rect">
+            <a:avLst/>
+          </a:prstGeom>
+          <a:ln w="12700" cap="flat">
             <a:noFill/>
-            <a:ln w="12700" cap="flat">
-              <a:noFill/>
-              <a:miter lim="400000"/>
-            </a:ln>
-            <a:effectLst/>
-            <a:extLst>
-              <a:ext uri="{C572A759-6A51-4108-AA02-DFA0A04FC94B}">
-                <ma14:wrappingTextBoxFlag xmlns:ma14="http://schemas.microsoft.com/office/mac/drawingml/2011/main" val="1"/>
-              </a:ext>
-            </a:extLst>
-          </p:spPr>
-          <p:txBody>
-            <a:bodyPr wrap="square" lIns="76200" tIns="76200" rIns="76200" bIns="76200" numCol="1" anchor="t">
-              <a:noAutofit/>
-            </a:bodyPr>
-            <a:lstStyle/>
-            <a:p>
-              <a:pPr/>
-              <a:r>
-                <a:t>Caption</a:t>
-              </a:r>
-            </a:p>
-          </p:txBody>
-        </p:sp>
-      </p:grpSp>
+            <a:miter lim="400000"/>
+            <a:headEnd/>
+            <a:tailEnd/>
+          </a:ln>
+          <a:effectLst/>
+        </p:spPr>
+      </p:pic>
     </p:spTree>
   </p:cSld>
   <p:clrMapOvr>
     <a:masterClrMapping/>
   </p:clrMapOvr>
-  <p:transition xmlns:p14="http://schemas.microsoft.com/office/powerpoint/2010/main" spd="med" advClick="1"/>
+  <p:transition spd="med"/>
 </p:sld>
 </file>
 
 <file path=ppt/slides/slide4.xml><?xml version="1.0" encoding="utf-8"?>
-<p:sld xmlns:a="http://schemas.openxmlformats.org/drawingml/2006/main" xmlns:r="http://schemas.openxmlformats.org/officeDocument/2006/relationships" xmlns:p="http://schemas.openxmlformats.org/presentationml/2006/main" xmlns:m="http://schemas.openxmlformats.org/officeDocument/2006/math" xmlns:a14="http://schemas.microsoft.com/office/drawing/2010/main" showMasterSp="1" showMasterPhAnim="1">
+<p:sld xmlns:a="http://schemas.openxmlformats.org/drawingml/2006/main" xmlns:r="http://schemas.openxmlformats.org/officeDocument/2006/relationships" xmlns:p="http://schemas.openxmlformats.org/presentationml/2006/main">
   <p:cSld>
     <p:spTree>
       <p:nvGrpSpPr>
@@ -4397,14 +3864,14 @@
           <a:lstStyle/>
           <a:p>
             <a:pPr defTabSz="701675">
-              <a:defRPr b="1" sz="9180" u="sng">
+              <a:defRPr sz="9180" b="1" u="sng">
                 <a:solidFill>
                   <a:srgbClr val="11DCE3"/>
                 </a:solidFill>
-                <a:latin typeface="Times New Roman"/>
-                <a:ea typeface="Times New Roman"/>
-                <a:cs typeface="Times New Roman"/>
-                <a:sym typeface="Times New Roman"/>
+                <a:latin typeface="Times New Roman" panose="02020603050405020304"/>
+                <a:ea typeface="Times New Roman" panose="02020603050405020304"/>
+                <a:cs typeface="Times New Roman" panose="02020603050405020304"/>
+                <a:sym typeface="Times New Roman" panose="02020603050405020304"/>
               </a:defRPr>
             </a:pPr>
             <a:r>
@@ -4440,10 +3907,8 @@
             <p:nvPr/>
           </p:nvPicPr>
           <p:blipFill>
-            <a:blip r:embed="rId2">
-              <a:extLst/>
-            </a:blip>
-            <a:srcRect l="0" t="0" r="666" b="0"/>
+            <a:blip r:embed="rId1"/>
+            <a:srcRect r="666"/>
             <a:stretch>
               <a:fillRect/>
             </a:stretch>
@@ -4459,6 +3924,8 @@
             <a:ln w="12700" cap="flat">
               <a:noFill/>
               <a:miter lim="400000"/>
+              <a:headEnd/>
+              <a:tailEnd/>
             </a:ln>
             <a:effectLst/>
           </p:spPr>
@@ -4483,11 +3950,6 @@
               <a:miter lim="400000"/>
             </a:ln>
             <a:effectLst/>
-            <a:extLst>
-              <a:ext uri="{C572A759-6A51-4108-AA02-DFA0A04FC94B}">
-                <ma14:wrappingTextBoxFlag xmlns:ma14="http://schemas.microsoft.com/office/mac/drawingml/2011/main" val="1"/>
-              </a:ext>
-            </a:extLst>
           </p:spPr>
           <p:txBody>
             <a:bodyPr wrap="square" lIns="76200" tIns="76200" rIns="76200" bIns="76200" numCol="1" anchor="t">
@@ -4495,19 +3957,18 @@
             </a:bodyPr>
             <a:lstStyle>
               <a:lvl1pPr>
-                <a:defRPr b="1" sz="3800">
+                <a:defRPr sz="3800" b="1">
                   <a:solidFill>
                     <a:srgbClr val="DCDEE0"/>
                   </a:solidFill>
-                  <a:latin typeface="Times New Roman"/>
-                  <a:ea typeface="Times New Roman"/>
-                  <a:cs typeface="Times New Roman"/>
-                  <a:sym typeface="Times New Roman"/>
+                  <a:latin typeface="Times New Roman" panose="02020603050405020304"/>
+                  <a:ea typeface="Times New Roman" panose="02020603050405020304"/>
+                  <a:cs typeface="Times New Roman" panose="02020603050405020304"/>
+                  <a:sym typeface="Times New Roman" panose="02020603050405020304"/>
                 </a:defRPr>
               </a:lvl1pPr>
             </a:lstStyle>
             <a:p>
-              <a:pPr/>
               <a:r>
                 <a:t>Ideal user persona</a:t>
               </a:r>
@@ -4520,12 +3981,12 @@
   <p:clrMapOvr>
     <a:masterClrMapping/>
   </p:clrMapOvr>
-  <p:transition xmlns:p14="http://schemas.microsoft.com/office/powerpoint/2010/main" spd="med" advClick="1"/>
+  <p:transition spd="med"/>
 </p:sld>
 </file>
 
 <file path=ppt/slides/slide5.xml><?xml version="1.0" encoding="utf-8"?>
-<p:sld xmlns:a="http://schemas.openxmlformats.org/drawingml/2006/main" xmlns:r="http://schemas.openxmlformats.org/officeDocument/2006/relationships" xmlns:p="http://schemas.openxmlformats.org/presentationml/2006/main" xmlns:m="http://schemas.openxmlformats.org/officeDocument/2006/math" xmlns:a14="http://schemas.microsoft.com/office/drawing/2010/main" showMasterSp="1" showMasterPhAnim="1">
+<p:sld xmlns:a="http://schemas.openxmlformats.org/drawingml/2006/main" xmlns:r="http://schemas.openxmlformats.org/officeDocument/2006/relationships" xmlns:p="http://schemas.openxmlformats.org/presentationml/2006/main">
   <p:cSld>
     <p:spTree>
       <p:nvGrpSpPr>
@@ -4566,15 +4027,14 @@
                 <a:solidFill>
                   <a:schemeClr val="accent1"/>
                 </a:solidFill>
-                <a:latin typeface="Times New Roman"/>
-                <a:ea typeface="Times New Roman"/>
-                <a:cs typeface="Times New Roman"/>
-                <a:sym typeface="Times New Roman"/>
+                <a:latin typeface="Times New Roman" panose="02020603050405020304"/>
+                <a:ea typeface="Times New Roman" panose="02020603050405020304"/>
+                <a:cs typeface="Times New Roman" panose="02020603050405020304"/>
+                <a:sym typeface="Times New Roman" panose="02020603050405020304"/>
               </a:defRPr>
             </a:lvl1pPr>
           </a:lstStyle>
           <a:p>
-            <a:pPr/>
             <a:r>
               <a:t>How will Docket help mark?</a:t>
             </a:r>
@@ -4598,11 +4058,6 @@
           <a:ln w="12700">
             <a:miter lim="400000"/>
           </a:ln>
-          <a:extLst>
-            <a:ext uri="{C572A759-6A51-4108-AA02-DFA0A04FC94B}">
-              <ma14:wrappingTextBoxFlag xmlns:ma14="http://schemas.microsoft.com/office/mac/drawingml/2011/main" val="1"/>
-            </a:ext>
-          </a:extLst>
         </p:spPr>
         <p:txBody>
           <a:bodyPr lIns="50800" tIns="50800" rIns="50800" bIns="50800" anchor="ctr">
@@ -4617,10 +4072,10 @@
                 <a:solidFill>
                   <a:srgbClr val="FFFFFF"/>
                 </a:solidFill>
-                <a:latin typeface="Times New Roman"/>
-                <a:ea typeface="Times New Roman"/>
-                <a:cs typeface="Times New Roman"/>
-                <a:sym typeface="Times New Roman"/>
+                <a:latin typeface="Times New Roman" panose="02020603050405020304"/>
+                <a:ea typeface="Times New Roman" panose="02020603050405020304"/>
+                <a:cs typeface="Times New Roman" panose="02020603050405020304"/>
+                <a:sym typeface="Times New Roman" panose="02020603050405020304"/>
               </a:defRPr>
             </a:pPr>
           </a:p>
@@ -4632,10 +4087,10 @@
                 <a:solidFill>
                   <a:srgbClr val="FFFFFF"/>
                 </a:solidFill>
-                <a:latin typeface="Times New Roman"/>
-                <a:ea typeface="Times New Roman"/>
-                <a:cs typeface="Times New Roman"/>
-                <a:sym typeface="Times New Roman"/>
+                <a:latin typeface="Times New Roman" panose="02020603050405020304"/>
+                <a:ea typeface="Times New Roman" panose="02020603050405020304"/>
+                <a:cs typeface="Times New Roman" panose="02020603050405020304"/>
+                <a:sym typeface="Times New Roman" panose="02020603050405020304"/>
               </a:defRPr>
             </a:pPr>
           </a:p>
@@ -4647,10 +4102,10 @@
                 <a:solidFill>
                   <a:srgbClr val="E8A432"/>
                 </a:solidFill>
-                <a:latin typeface="Times New Roman"/>
-                <a:ea typeface="Times New Roman"/>
-                <a:cs typeface="Times New Roman"/>
-                <a:sym typeface="Times New Roman"/>
+                <a:latin typeface="Times New Roman" panose="02020603050405020304"/>
+                <a:ea typeface="Times New Roman" panose="02020603050405020304"/>
+                <a:cs typeface="Times New Roman" panose="02020603050405020304"/>
+                <a:sym typeface="Times New Roman" panose="02020603050405020304"/>
               </a:defRPr>
             </a:pPr>
             <a:r>
@@ -4663,10 +4118,10 @@
                 <a:solidFill>
                   <a:srgbClr val="DCDEE0"/>
                 </a:solidFill>
-                <a:latin typeface="Times New Roman"/>
-                <a:ea typeface="Times New Roman"/>
-                <a:cs typeface="Times New Roman"/>
-                <a:sym typeface="Times New Roman"/>
+                <a:latin typeface="Times New Roman" panose="02020603050405020304"/>
+                <a:ea typeface="Times New Roman" panose="02020603050405020304"/>
+                <a:cs typeface="Times New Roman" panose="02020603050405020304"/>
+                <a:sym typeface="Times New Roman" panose="02020603050405020304"/>
               </a:defRPr>
             </a:pPr>
             <a:r>
@@ -4681,10 +4136,10 @@
                 <a:solidFill>
                   <a:srgbClr val="E8A432"/>
                 </a:solidFill>
-                <a:latin typeface="Times New Roman"/>
-                <a:ea typeface="Times New Roman"/>
-                <a:cs typeface="Times New Roman"/>
-                <a:sym typeface="Times New Roman"/>
+                <a:latin typeface="Times New Roman" panose="02020603050405020304"/>
+                <a:ea typeface="Times New Roman" panose="02020603050405020304"/>
+                <a:cs typeface="Times New Roman" panose="02020603050405020304"/>
+                <a:sym typeface="Times New Roman" panose="02020603050405020304"/>
               </a:defRPr>
             </a:pPr>
             <a:r>
@@ -4697,10 +4152,10 @@
                 <a:solidFill>
                   <a:srgbClr val="DCDEE0"/>
                 </a:solidFill>
-                <a:latin typeface="Times New Roman"/>
-                <a:ea typeface="Times New Roman"/>
-                <a:cs typeface="Times New Roman"/>
-                <a:sym typeface="Times New Roman"/>
+                <a:latin typeface="Times New Roman" panose="02020603050405020304"/>
+                <a:ea typeface="Times New Roman" panose="02020603050405020304"/>
+                <a:cs typeface="Times New Roman" panose="02020603050405020304"/>
+                <a:sym typeface="Times New Roman" panose="02020603050405020304"/>
               </a:defRPr>
             </a:pPr>
             <a:r>
@@ -4715,10 +4170,10 @@
                 <a:solidFill>
                   <a:srgbClr val="E8A432"/>
                 </a:solidFill>
-                <a:latin typeface="Times New Roman"/>
-                <a:ea typeface="Times New Roman"/>
-                <a:cs typeface="Times New Roman"/>
-                <a:sym typeface="Times New Roman"/>
+                <a:latin typeface="Times New Roman" panose="02020603050405020304"/>
+                <a:ea typeface="Times New Roman" panose="02020603050405020304"/>
+                <a:cs typeface="Times New Roman" panose="02020603050405020304"/>
+                <a:sym typeface="Times New Roman" panose="02020603050405020304"/>
               </a:defRPr>
             </a:pPr>
             <a:r>
@@ -4731,10 +4186,10 @@
                 <a:solidFill>
                   <a:srgbClr val="DCDEE0"/>
                 </a:solidFill>
-                <a:latin typeface="Times New Roman"/>
-                <a:ea typeface="Times New Roman"/>
-                <a:cs typeface="Times New Roman"/>
-                <a:sym typeface="Times New Roman"/>
+                <a:latin typeface="Times New Roman" panose="02020603050405020304"/>
+                <a:ea typeface="Times New Roman" panose="02020603050405020304"/>
+                <a:cs typeface="Times New Roman" panose="02020603050405020304"/>
+                <a:sym typeface="Times New Roman" panose="02020603050405020304"/>
               </a:defRPr>
             </a:pPr>
             <a:r>
@@ -4749,10 +4204,10 @@
                 <a:solidFill>
                   <a:srgbClr val="E8A432"/>
                 </a:solidFill>
-                <a:latin typeface="Times New Roman"/>
-                <a:ea typeface="Times New Roman"/>
-                <a:cs typeface="Times New Roman"/>
-                <a:sym typeface="Times New Roman"/>
+                <a:latin typeface="Times New Roman" panose="02020603050405020304"/>
+                <a:ea typeface="Times New Roman" panose="02020603050405020304"/>
+                <a:cs typeface="Times New Roman" panose="02020603050405020304"/>
+                <a:sym typeface="Times New Roman" panose="02020603050405020304"/>
               </a:defRPr>
             </a:pPr>
             <a:r>
@@ -4765,10 +4220,10 @@
                 <a:solidFill>
                   <a:srgbClr val="DCDEE0"/>
                 </a:solidFill>
-                <a:latin typeface="Times New Roman"/>
-                <a:ea typeface="Times New Roman"/>
-                <a:cs typeface="Times New Roman"/>
-                <a:sym typeface="Times New Roman"/>
+                <a:latin typeface="Times New Roman" panose="02020603050405020304"/>
+                <a:ea typeface="Times New Roman" panose="02020603050405020304"/>
+                <a:cs typeface="Times New Roman" panose="02020603050405020304"/>
+                <a:sym typeface="Times New Roman" panose="02020603050405020304"/>
               </a:defRPr>
             </a:pPr>
             <a:r>
@@ -4782,12 +4237,12 @@
   <p:clrMapOvr>
     <a:masterClrMapping/>
   </p:clrMapOvr>
-  <p:transition xmlns:p14="http://schemas.microsoft.com/office/powerpoint/2010/main" spd="med" advClick="1"/>
+  <p:transition spd="med"/>
 </p:sld>
 </file>
 
 <file path=ppt/slides/slide6.xml><?xml version="1.0" encoding="utf-8"?>
-<p:sld xmlns:a="http://schemas.openxmlformats.org/drawingml/2006/main" xmlns:r="http://schemas.openxmlformats.org/officeDocument/2006/relationships" xmlns:p="http://schemas.openxmlformats.org/presentationml/2006/main" xmlns:m="http://schemas.openxmlformats.org/officeDocument/2006/math" xmlns:a14="http://schemas.microsoft.com/office/drawing/2010/main" showMasterSp="1" showMasterPhAnim="1">
+<p:sld xmlns:a="http://schemas.openxmlformats.org/drawingml/2006/main" xmlns:r="http://schemas.openxmlformats.org/officeDocument/2006/relationships" xmlns:p="http://schemas.openxmlformats.org/presentationml/2006/main">
   <p:cSld>
     <p:spTree>
       <p:nvGrpSpPr>
@@ -4820,22 +4275,21 @@
           <a:bodyPr/>
           <a:lstStyle>
             <a:lvl1pPr>
-              <a:defRPr b="1" sz="12500">
+              <a:defRPr sz="12500" b="1">
                 <a:solidFill>
                   <a:schemeClr val="accent1">
-                    <a:satOff val="-39116"/>
+                    <a:satOff val="-39115"/>
                     <a:lumOff val="31078"/>
                   </a:schemeClr>
                 </a:solidFill>
-                <a:latin typeface="Times New Roman"/>
-                <a:ea typeface="Times New Roman"/>
-                <a:cs typeface="Times New Roman"/>
-                <a:sym typeface="Times New Roman"/>
+                <a:latin typeface="Times New Roman" panose="02020603050405020304"/>
+                <a:ea typeface="Times New Roman" panose="02020603050405020304"/>
+                <a:cs typeface="Times New Roman" panose="02020603050405020304"/>
+                <a:sym typeface="Times New Roman" panose="02020603050405020304"/>
               </a:defRPr>
             </a:lvl1pPr>
           </a:lstStyle>
           <a:p>
-            <a:pPr/>
             <a:r>
               <a:t>Building Phase</a:t>
             </a:r>
@@ -4863,20 +4317,20 @@
           <a:bodyPr/>
           <a:lstStyle/>
           <a:p>
-            <a:pPr marL="458804" indent="-458804" algn="just" defTabSz="544830">
+            <a:pPr marL="459105" indent="-459105" algn="just" defTabSz="544830">
               <a:spcBef>
                 <a:spcPts val="3800"/>
               </a:spcBef>
               <a:buSzPct val="100000"/>
-              <a:buAutoNum type="arabicPeriod" startAt="1"/>
-              <a:defRPr b="1" sz="3828">
+              <a:buAutoNum type="arabicPeriod"/>
+              <a:defRPr sz="3830" b="1">
                 <a:solidFill>
                   <a:schemeClr val="accent2"/>
                 </a:solidFill>
-                <a:latin typeface="Times New Roman"/>
-                <a:ea typeface="Times New Roman"/>
-                <a:cs typeface="Times New Roman"/>
-                <a:sym typeface="Times New Roman"/>
+                <a:latin typeface="Times New Roman" panose="02020603050405020304"/>
+                <a:ea typeface="Times New Roman" panose="02020603050405020304"/>
+                <a:cs typeface="Times New Roman" panose="02020603050405020304"/>
+                <a:sym typeface="Times New Roman" panose="02020603050405020304"/>
               </a:defRPr>
             </a:pPr>
             <a:r>
@@ -4890,14 +4344,14 @@
               </a:spcBef>
               <a:buSzTx/>
               <a:buNone/>
-              <a:defRPr sz="3564">
+              <a:defRPr sz="3565">
                 <a:solidFill>
                   <a:srgbClr val="DDDDDD"/>
                 </a:solidFill>
-                <a:latin typeface="Times New Roman"/>
-                <a:ea typeface="Times New Roman"/>
-                <a:cs typeface="Times New Roman"/>
-                <a:sym typeface="Times New Roman"/>
+                <a:latin typeface="Times New Roman" panose="02020603050405020304"/>
+                <a:ea typeface="Times New Roman" panose="02020603050405020304"/>
+                <a:cs typeface="Times New Roman" panose="02020603050405020304"/>
+                <a:sym typeface="Times New Roman" panose="02020603050405020304"/>
               </a:defRPr>
             </a:pPr>
             <a:r>
@@ -4905,20 +4359,20 @@
             </a:r>
           </a:p>
           <a:p>
-            <a:pPr marL="458804" indent="-458804" algn="just" defTabSz="544830">
+            <a:pPr marL="459105" indent="-459105" algn="just" defTabSz="544830">
               <a:spcBef>
                 <a:spcPts val="3800"/>
               </a:spcBef>
               <a:buSzPct val="100000"/>
               <a:buAutoNum type="arabicPeriod" startAt="2"/>
-              <a:defRPr b="1" sz="3828">
+              <a:defRPr sz="3830" b="1">
                 <a:solidFill>
                   <a:schemeClr val="accent2"/>
                 </a:solidFill>
-                <a:latin typeface="Times New Roman"/>
-                <a:ea typeface="Times New Roman"/>
-                <a:cs typeface="Times New Roman"/>
-                <a:sym typeface="Times New Roman"/>
+                <a:latin typeface="Times New Roman" panose="02020603050405020304"/>
+                <a:ea typeface="Times New Roman" panose="02020603050405020304"/>
+                <a:cs typeface="Times New Roman" panose="02020603050405020304"/>
+                <a:sym typeface="Times New Roman" panose="02020603050405020304"/>
               </a:defRPr>
             </a:pPr>
             <a:r>
@@ -4932,14 +4386,14 @@
               </a:spcBef>
               <a:buSzTx/>
               <a:buNone/>
-              <a:defRPr sz="3564">
+              <a:defRPr sz="3565">
                 <a:solidFill>
                   <a:srgbClr val="DDDDDD"/>
                 </a:solidFill>
-                <a:latin typeface="Times New Roman"/>
-                <a:ea typeface="Times New Roman"/>
-                <a:cs typeface="Times New Roman"/>
-                <a:sym typeface="Times New Roman"/>
+                <a:latin typeface="Times New Roman" panose="02020603050405020304"/>
+                <a:ea typeface="Times New Roman" panose="02020603050405020304"/>
+                <a:cs typeface="Times New Roman" panose="02020603050405020304"/>
+                <a:sym typeface="Times New Roman" panose="02020603050405020304"/>
               </a:defRPr>
             </a:pPr>
             <a:r>
@@ -4947,20 +4401,20 @@
             </a:r>
           </a:p>
           <a:p>
-            <a:pPr marL="458804" indent="-458804" algn="just" defTabSz="544830">
+            <a:pPr marL="459105" indent="-459105" algn="just" defTabSz="544830">
               <a:spcBef>
                 <a:spcPts val="3800"/>
               </a:spcBef>
               <a:buSzPct val="100000"/>
               <a:buAutoNum type="arabicPeriod" startAt="3"/>
-              <a:defRPr b="1" sz="3828">
+              <a:defRPr sz="3830" b="1">
                 <a:solidFill>
                   <a:schemeClr val="accent2"/>
                 </a:solidFill>
-                <a:latin typeface="Times New Roman"/>
-                <a:ea typeface="Times New Roman"/>
-                <a:cs typeface="Times New Roman"/>
-                <a:sym typeface="Times New Roman"/>
+                <a:latin typeface="Times New Roman" panose="02020603050405020304"/>
+                <a:ea typeface="Times New Roman" panose="02020603050405020304"/>
+                <a:cs typeface="Times New Roman" panose="02020603050405020304"/>
+                <a:sym typeface="Times New Roman" panose="02020603050405020304"/>
               </a:defRPr>
             </a:pPr>
             <a:r>
@@ -4974,14 +4428,14 @@
               </a:spcBef>
               <a:buSzTx/>
               <a:buNone/>
-              <a:defRPr sz="3564">
+              <a:defRPr sz="3565">
                 <a:solidFill>
                   <a:srgbClr val="DDDDDD"/>
                 </a:solidFill>
-                <a:latin typeface="Times New Roman"/>
-                <a:ea typeface="Times New Roman"/>
-                <a:cs typeface="Times New Roman"/>
-                <a:sym typeface="Times New Roman"/>
+                <a:latin typeface="Times New Roman" panose="02020603050405020304"/>
+                <a:ea typeface="Times New Roman" panose="02020603050405020304"/>
+                <a:cs typeface="Times New Roman" panose="02020603050405020304"/>
+                <a:sym typeface="Times New Roman" panose="02020603050405020304"/>
               </a:defRPr>
             </a:pPr>
             <a:r>
@@ -4990,103 +4444,49 @@
           </a:p>
         </p:txBody>
       </p:sp>
-      <p:grpSp>
-        <p:nvGrpSpPr>
-          <p:cNvPr id="150" name="Image Gallery"/>
-          <p:cNvGrpSpPr/>
+      <p:pic>
+        <p:nvPicPr>
+          <p:cNvPr id="148" name="Screenshot 2022-12-06 at 9.55.37 AM.png" descr="Screenshot 2022-12-06 at 9.55.37 AM.png"/>
+          <p:cNvPicPr>
+            <a:picLocks noChangeAspect="1"/>
+          </p:cNvPicPr>
           <p:nvPr/>
-        </p:nvGrpSpPr>
-        <p:grpSpPr>
+        </p:nvPicPr>
+        <p:blipFill>
+          <a:blip r:embed="rId1"/>
+          <a:srcRect t="3113" b="3113"/>
+          <a:stretch>
+            <a:fillRect/>
+          </a:stretch>
+        </p:blipFill>
+        <p:spPr>
           <a:xfrm>
-            <a:off x="15426430" y="3811877"/>
-            <a:ext cx="8261053" cy="9522618"/>
-            <a:chOff x="0" y="0"/>
-            <a:chExt cx="8261051" cy="9522617"/>
+            <a:off x="15426690" y="3811905"/>
+            <a:ext cx="8261350" cy="8506460"/>
           </a:xfrm>
-        </p:grpSpPr>
-        <p:pic>
-          <p:nvPicPr>
-            <p:cNvPr id="148" name="Screenshot 2022-12-06 at 9.55.37 AM.png" descr="Screenshot 2022-12-06 at 9.55.37 AM.png"/>
-            <p:cNvPicPr>
-              <a:picLocks noChangeAspect="1"/>
-            </p:cNvPicPr>
-            <p:nvPr/>
-          </p:nvPicPr>
-          <p:blipFill>
-            <a:blip r:embed="rId2">
-              <a:extLst/>
-            </a:blip>
-            <a:srcRect l="0" t="3113" r="0" b="3113"/>
-            <a:stretch>
-              <a:fillRect/>
-            </a:stretch>
-          </p:blipFill>
-          <p:spPr>
-            <a:xfrm>
-              <a:off x="0" y="0"/>
-              <a:ext cx="8261052" cy="8506618"/>
-            </a:xfrm>
-            <a:prstGeom prst="rect">
-              <a:avLst/>
-            </a:prstGeom>
-            <a:ln w="12700" cap="flat">
-              <a:noFill/>
-              <a:miter lim="400000"/>
-            </a:ln>
-            <a:effectLst/>
-          </p:spPr>
-        </p:pic>
-        <p:sp>
-          <p:nvSpPr>
-            <p:cNvPr id="149" name="Caption"/>
-            <p:cNvSpPr/>
-            <p:nvPr/>
-          </p:nvSpPr>
-          <p:spPr>
-            <a:xfrm>
-              <a:off x="0" y="8582817"/>
-              <a:ext cx="8261052" cy="939801"/>
-            </a:xfrm>
-            <a:prstGeom prst="rect">
-              <a:avLst/>
-            </a:prstGeom>
+          <a:prstGeom prst="rect">
+            <a:avLst/>
+          </a:prstGeom>
+          <a:ln w="12700" cap="flat">
             <a:noFill/>
-            <a:ln w="12700" cap="flat">
-              <a:noFill/>
-              <a:miter lim="400000"/>
-            </a:ln>
-            <a:effectLst/>
-            <a:extLst>
-              <a:ext uri="{C572A759-6A51-4108-AA02-DFA0A04FC94B}">
-                <ma14:wrappingTextBoxFlag xmlns:ma14="http://schemas.microsoft.com/office/mac/drawingml/2011/main" val="1"/>
-              </a:ext>
-            </a:extLst>
-          </p:spPr>
-          <p:txBody>
-            <a:bodyPr wrap="square" lIns="76200" tIns="76200" rIns="76200" bIns="76200" numCol="1" anchor="t">
-              <a:noAutofit/>
-            </a:bodyPr>
-            <a:lstStyle/>
-            <a:p>
-              <a:pPr/>
-              <a:r>
-                <a:t>Caption</a:t>
-              </a:r>
-            </a:p>
-          </p:txBody>
-        </p:sp>
-      </p:grpSp>
+            <a:miter lim="400000"/>
+            <a:headEnd/>
+            <a:tailEnd/>
+          </a:ln>
+          <a:effectLst/>
+        </p:spPr>
+      </p:pic>
     </p:spTree>
   </p:cSld>
   <p:clrMapOvr>
     <a:masterClrMapping/>
   </p:clrMapOvr>
-  <p:transition xmlns:p14="http://schemas.microsoft.com/office/powerpoint/2010/main" spd="med" advClick="1"/>
+  <p:transition spd="med"/>
 </p:sld>
 </file>
 
 <file path=ppt/slides/slide7.xml><?xml version="1.0" encoding="utf-8"?>
-<p:sld xmlns:a="http://schemas.openxmlformats.org/drawingml/2006/main" xmlns:r="http://schemas.openxmlformats.org/officeDocument/2006/relationships" xmlns:p="http://schemas.openxmlformats.org/presentationml/2006/main" xmlns:m="http://schemas.openxmlformats.org/officeDocument/2006/math" xmlns:a14="http://schemas.microsoft.com/office/drawing/2010/main" showMasterSp="1" showMasterPhAnim="1">
+<p:sld xmlns:a="http://schemas.openxmlformats.org/drawingml/2006/main" xmlns:r="http://schemas.openxmlformats.org/officeDocument/2006/relationships" xmlns:p="http://schemas.openxmlformats.org/presentationml/2006/main">
   <p:cSld>
     <p:spTree>
       <p:nvGrpSpPr>
@@ -5123,125 +4523,70 @@
           <a:bodyPr/>
           <a:lstStyle>
             <a:lvl1pPr defTabSz="660400">
-              <a:defRPr b="1" sz="10000">
+              <a:defRPr sz="10000" b="1">
                 <a:solidFill>
                   <a:schemeClr val="accent1">
-                    <a:satOff val="-39116"/>
+                    <a:satOff val="-39115"/>
                     <a:lumOff val="31078"/>
                   </a:schemeClr>
                 </a:solidFill>
-                <a:latin typeface="Times New Roman"/>
-                <a:ea typeface="Times New Roman"/>
-                <a:cs typeface="Times New Roman"/>
-                <a:sym typeface="Times New Roman"/>
+                <a:latin typeface="Times New Roman" panose="02020603050405020304"/>
+                <a:ea typeface="Times New Roman" panose="02020603050405020304"/>
+                <a:cs typeface="Times New Roman" panose="02020603050405020304"/>
+                <a:sym typeface="Times New Roman" panose="02020603050405020304"/>
               </a:defRPr>
             </a:lvl1pPr>
           </a:lstStyle>
           <a:p>
-            <a:pPr/>
             <a:r>
               <a:t>System Architecture</a:t>
             </a:r>
           </a:p>
         </p:txBody>
       </p:sp>
-      <p:grpSp>
-        <p:nvGrpSpPr>
-          <p:cNvPr id="155" name="Image Gallery"/>
-          <p:cNvGrpSpPr/>
+      <p:pic>
+        <p:nvPicPr>
+          <p:cNvPr id="153" name="Screenshot 2022-12-06 at 10.18.01 AM.png" descr="Screenshot 2022-12-06 at 10.18.01 AM.png"/>
+          <p:cNvPicPr>
+            <a:picLocks noChangeAspect="1"/>
+          </p:cNvPicPr>
           <p:nvPr/>
-        </p:nvGrpSpPr>
-        <p:grpSpPr>
+        </p:nvPicPr>
+        <p:blipFill>
+          <a:blip r:embed="rId1"/>
+          <a:srcRect l="42" r="42"/>
+          <a:stretch>
+            <a:fillRect/>
+          </a:stretch>
+        </p:blipFill>
+        <p:spPr>
           <a:xfrm>
-            <a:off x="11682247" y="370381"/>
-            <a:ext cx="9535227" cy="13991238"/>
-            <a:chOff x="0" y="0"/>
-            <a:chExt cx="9535225" cy="13991237"/>
+            <a:off x="11682095" y="370205"/>
+            <a:ext cx="9535160" cy="12974955"/>
           </a:xfrm>
-        </p:grpSpPr>
-        <p:pic>
-          <p:nvPicPr>
-            <p:cNvPr id="153" name="Screenshot 2022-12-06 at 10.18.01 AM.png" descr="Screenshot 2022-12-06 at 10.18.01 AM.png"/>
-            <p:cNvPicPr>
-              <a:picLocks noChangeAspect="1"/>
-            </p:cNvPicPr>
-            <p:nvPr/>
-          </p:nvPicPr>
-          <p:blipFill>
-            <a:blip r:embed="rId2">
-              <a:extLst/>
-            </a:blip>
-            <a:srcRect l="42" t="0" r="42" b="0"/>
-            <a:stretch>
-              <a:fillRect/>
-            </a:stretch>
-          </p:blipFill>
-          <p:spPr>
-            <a:xfrm>
-              <a:off x="0" y="0"/>
-              <a:ext cx="9535226" cy="12975238"/>
-            </a:xfrm>
-            <a:prstGeom prst="rect">
-              <a:avLst/>
-            </a:prstGeom>
-            <a:ln w="12700" cap="flat">
-              <a:noFill/>
-              <a:miter lim="400000"/>
-            </a:ln>
-            <a:effectLst/>
-          </p:spPr>
-        </p:pic>
-        <p:sp>
-          <p:nvSpPr>
-            <p:cNvPr id="154" name="Caption"/>
-            <p:cNvSpPr/>
-            <p:nvPr/>
-          </p:nvSpPr>
-          <p:spPr>
-            <a:xfrm>
-              <a:off x="0" y="13051437"/>
-              <a:ext cx="9535226" cy="939801"/>
-            </a:xfrm>
-            <a:prstGeom prst="rect">
-              <a:avLst/>
-            </a:prstGeom>
+          <a:prstGeom prst="rect">
+            <a:avLst/>
+          </a:prstGeom>
+          <a:ln w="12700" cap="flat">
             <a:noFill/>
-            <a:ln w="12700" cap="flat">
-              <a:noFill/>
-              <a:miter lim="400000"/>
-            </a:ln>
-            <a:effectLst/>
-            <a:extLst>
-              <a:ext uri="{C572A759-6A51-4108-AA02-DFA0A04FC94B}">
-                <ma14:wrappingTextBoxFlag xmlns:ma14="http://schemas.microsoft.com/office/mac/drawingml/2011/main" val="1"/>
-              </a:ext>
-            </a:extLst>
-          </p:spPr>
-          <p:txBody>
-            <a:bodyPr wrap="square" lIns="76200" tIns="76200" rIns="76200" bIns="76200" numCol="1" anchor="t">
-              <a:noAutofit/>
-            </a:bodyPr>
-            <a:lstStyle/>
-            <a:p>
-              <a:pPr/>
-              <a:r>
-                <a:t>Caption</a:t>
-              </a:r>
-            </a:p>
-          </p:txBody>
-        </p:sp>
-      </p:grpSp>
+            <a:miter lim="400000"/>
+            <a:headEnd/>
+            <a:tailEnd/>
+          </a:ln>
+          <a:effectLst/>
+        </p:spPr>
+      </p:pic>
     </p:spTree>
   </p:cSld>
   <p:clrMapOvr>
     <a:masterClrMapping/>
   </p:clrMapOvr>
-  <p:transition xmlns:p14="http://schemas.microsoft.com/office/powerpoint/2010/main" spd="med" advClick="1"/>
+  <p:transition spd="med"/>
 </p:sld>
 </file>
 
 <file path=ppt/slides/slide8.xml><?xml version="1.0" encoding="utf-8"?>
-<p:sld xmlns:a="http://schemas.openxmlformats.org/drawingml/2006/main" xmlns:r="http://schemas.openxmlformats.org/officeDocument/2006/relationships" xmlns:p="http://schemas.openxmlformats.org/presentationml/2006/main" xmlns:m="http://schemas.openxmlformats.org/officeDocument/2006/math" xmlns:a14="http://schemas.microsoft.com/office/drawing/2010/main" showMasterSp="1" showMasterPhAnim="1">
+<p:sld xmlns:a="http://schemas.openxmlformats.org/drawingml/2006/main" xmlns:r="http://schemas.openxmlformats.org/officeDocument/2006/relationships" xmlns:p="http://schemas.openxmlformats.org/presentationml/2006/main">
   <p:cSld>
     <p:spTree>
       <p:nvGrpSpPr>
@@ -5278,22 +4623,21 @@
           <a:bodyPr/>
           <a:lstStyle>
             <a:lvl1pPr>
-              <a:defRPr b="1" sz="12500">
+              <a:defRPr sz="12500" b="1">
                 <a:solidFill>
                   <a:schemeClr val="accent1">
-                    <a:satOff val="-39116"/>
+                    <a:satOff val="-39115"/>
                     <a:lumOff val="31078"/>
                   </a:schemeClr>
                 </a:solidFill>
-                <a:latin typeface="Times New Roman"/>
-                <a:ea typeface="Times New Roman"/>
-                <a:cs typeface="Times New Roman"/>
-                <a:sym typeface="Times New Roman"/>
+                <a:latin typeface="Times New Roman" panose="02020603050405020304"/>
+                <a:ea typeface="Times New Roman" panose="02020603050405020304"/>
+                <a:cs typeface="Times New Roman" panose="02020603050405020304"/>
+                <a:sym typeface="Times New Roman" panose="02020603050405020304"/>
               </a:defRPr>
             </a:lvl1pPr>
           </a:lstStyle>
           <a:p>
-            <a:pPr/>
             <a:r>
               <a:t>Versions of Docket</a:t>
             </a:r>
@@ -5318,42 +4662,58 @@
           </a:prstGeom>
         </p:spPr>
         <p:txBody>
-          <a:bodyPr/>
+          <a:bodyPr>
+            <a:normAutofit lnSpcReduction="10000"/>
+          </a:bodyPr>
           <a:lstStyle/>
           <a:p>
-            <a:pPr marL="432815" indent="-432815" algn="just" defTabSz="586104">
+            <a:pPr marL="433070" indent="-433070" algn="just" defTabSz="586105">
               <a:spcBef>
                 <a:spcPts val="4100"/>
               </a:spcBef>
-              <a:defRPr b="1" sz="4118">
+              <a:defRPr sz="4120" b="1">
                 <a:solidFill>
                   <a:schemeClr val="accent2"/>
                 </a:solidFill>
-                <a:latin typeface="Times New Roman"/>
-                <a:ea typeface="Times New Roman"/>
-                <a:cs typeface="Times New Roman"/>
-                <a:sym typeface="Times New Roman"/>
+                <a:latin typeface="Times New Roman" panose="02020603050405020304"/>
+                <a:ea typeface="Times New Roman" panose="02020603050405020304"/>
+                <a:cs typeface="Times New Roman" panose="02020603050405020304"/>
+                <a:sym typeface="Times New Roman" panose="02020603050405020304"/>
               </a:defRPr>
             </a:pPr>
             <a:r>
-              <a:t>0.1.0-0.1.5</a:t>
-            </a:r>
-          </a:p>
-          <a:p>
-            <a:pPr marL="0" indent="0" algn="just" defTabSz="586104">
+              <a:t>0.1.0</a:t>
+            </a:r>
+            <a:r>
+              <a:rPr lang="en-US"/>
+              <a:t> </a:t>
+            </a:r>
+            <a:r>
+              <a:t>-</a:t>
+            </a:r>
+            <a:r>
+              <a:rPr lang="en-US"/>
+              <a:t> </a:t>
+            </a:r>
+            <a:r>
+              <a:t>0.1.5</a:t>
+            </a:r>
+          </a:p>
+          <a:p>
+            <a:pPr marL="0" indent="0" algn="just" defTabSz="586105">
               <a:spcBef>
                 <a:spcPts val="4100"/>
               </a:spcBef>
               <a:buSzTx/>
               <a:buNone/>
-              <a:defRPr sz="3691">
+              <a:defRPr sz="3690">
                 <a:solidFill>
                   <a:srgbClr val="DDDDDD"/>
                 </a:solidFill>
-                <a:latin typeface="Times New Roman"/>
-                <a:ea typeface="Times New Roman"/>
-                <a:cs typeface="Times New Roman"/>
-                <a:sym typeface="Times New Roman"/>
+                <a:latin typeface="Times New Roman" panose="02020603050405020304"/>
+                <a:ea typeface="Times New Roman" panose="02020603050405020304"/>
+                <a:cs typeface="Times New Roman" panose="02020603050405020304"/>
+                <a:sym typeface="Times New Roman" panose="02020603050405020304"/>
               </a:defRPr>
             </a:pPr>
             <a:r>
@@ -5361,39 +4721,53 @@
             </a:r>
           </a:p>
           <a:p>
-            <a:pPr marL="432815" indent="-432815" algn="just" defTabSz="586104">
+            <a:pPr marL="433070" indent="-433070" algn="just" defTabSz="586105">
               <a:spcBef>
                 <a:spcPts val="4100"/>
               </a:spcBef>
-              <a:defRPr b="1" sz="4118">
+              <a:defRPr sz="4120" b="1">
                 <a:solidFill>
                   <a:schemeClr val="accent2"/>
                 </a:solidFill>
-                <a:latin typeface="Times New Roman"/>
-                <a:ea typeface="Times New Roman"/>
-                <a:cs typeface="Times New Roman"/>
-                <a:sym typeface="Times New Roman"/>
+                <a:latin typeface="Times New Roman" panose="02020603050405020304"/>
+                <a:ea typeface="Times New Roman" panose="02020603050405020304"/>
+                <a:cs typeface="Times New Roman" panose="02020603050405020304"/>
+                <a:sym typeface="Times New Roman" panose="02020603050405020304"/>
               </a:defRPr>
             </a:pPr>
             <a:r>
-              <a:t>0.2.0-0.2.5</a:t>
-            </a:r>
-          </a:p>
-          <a:p>
-            <a:pPr marL="0" indent="0" algn="just" defTabSz="586104">
+              <a:t>0.2.0</a:t>
+            </a:r>
+            <a:r>
+              <a:rPr lang="en-US"/>
+              <a:t> </a:t>
+            </a:r>
+            <a:r>
+              <a:t>-</a:t>
+            </a:r>
+            <a:r>
+              <a:rPr lang="en-US"/>
+              <a:t> </a:t>
+            </a:r>
+            <a:r>
+              <a:t>0.2.5</a:t>
+            </a:r>
+          </a:p>
+          <a:p>
+            <a:pPr marL="0" indent="0" algn="just" defTabSz="586105">
               <a:spcBef>
                 <a:spcPts val="4100"/>
               </a:spcBef>
               <a:buSzTx/>
               <a:buNone/>
-              <a:defRPr sz="3691">
+              <a:defRPr sz="3690">
                 <a:solidFill>
                   <a:srgbClr val="DDDDDD"/>
                 </a:solidFill>
-                <a:latin typeface="Times New Roman"/>
-                <a:ea typeface="Times New Roman"/>
-                <a:cs typeface="Times New Roman"/>
-                <a:sym typeface="Times New Roman"/>
+                <a:latin typeface="Times New Roman" panose="02020603050405020304"/>
+                <a:ea typeface="Times New Roman" panose="02020603050405020304"/>
+                <a:cs typeface="Times New Roman" panose="02020603050405020304"/>
+                <a:sym typeface="Times New Roman" panose="02020603050405020304"/>
               </a:defRPr>
             </a:pPr>
             <a:r>
@@ -5401,39 +4775,57 @@
             </a:r>
           </a:p>
           <a:p>
-            <a:pPr marL="432815" indent="-432815" algn="just" defTabSz="586104">
+            <a:pPr marL="433070" indent="-433070" algn="just" defTabSz="586105">
               <a:spcBef>
                 <a:spcPts val="4100"/>
               </a:spcBef>
-              <a:defRPr b="1" sz="4118">
+              <a:defRPr sz="4120" b="1">
                 <a:solidFill>
                   <a:schemeClr val="accent2"/>
                 </a:solidFill>
-                <a:latin typeface="Times New Roman"/>
-                <a:ea typeface="Times New Roman"/>
-                <a:cs typeface="Times New Roman"/>
-                <a:sym typeface="Times New Roman"/>
+                <a:latin typeface="Times New Roman" panose="02020603050405020304"/>
+                <a:ea typeface="Times New Roman" panose="02020603050405020304"/>
+                <a:cs typeface="Times New Roman" panose="02020603050405020304"/>
+                <a:sym typeface="Times New Roman" panose="02020603050405020304"/>
               </a:defRPr>
             </a:pPr>
             <a:r>
-              <a:t>0.3.0-0.3.4</a:t>
-            </a:r>
-          </a:p>
-          <a:p>
-            <a:pPr marL="0" indent="0" algn="just" defTabSz="586104">
+              <a:t>0.3.0</a:t>
+            </a:r>
+            <a:r>
+              <a:rPr lang="en-US"/>
+              <a:t> </a:t>
+            </a:r>
+            <a:r>
+              <a:t>-</a:t>
+            </a:r>
+            <a:r>
+              <a:rPr lang="en-US"/>
+              <a:t> </a:t>
+            </a:r>
+            <a:r>
+              <a:t>0.3.</a:t>
+            </a:r>
+            <a:r>
+              <a:rPr lang="en-US"/>
+              <a:t>3</a:t>
+            </a:r>
+          </a:p>
+          <a:p>
+            <a:pPr marL="0" indent="0" algn="just" defTabSz="586105">
               <a:spcBef>
                 <a:spcPts val="4100"/>
               </a:spcBef>
               <a:buSzTx/>
               <a:buNone/>
-              <a:defRPr sz="3691">
+              <a:defRPr sz="3690">
                 <a:solidFill>
                   <a:srgbClr val="DDDDDD"/>
                 </a:solidFill>
-                <a:latin typeface="Times New Roman"/>
-                <a:ea typeface="Times New Roman"/>
-                <a:cs typeface="Times New Roman"/>
-                <a:sym typeface="Times New Roman"/>
+                <a:latin typeface="Times New Roman" panose="02020603050405020304"/>
+                <a:ea typeface="Times New Roman" panose="02020603050405020304"/>
+                <a:cs typeface="Times New Roman" panose="02020603050405020304"/>
+                <a:sym typeface="Times New Roman" panose="02020603050405020304"/>
               </a:defRPr>
             </a:pPr>
             <a:r>
@@ -5442,103 +4834,49 @@
           </a:p>
         </p:txBody>
       </p:sp>
-      <p:grpSp>
-        <p:nvGrpSpPr>
-          <p:cNvPr id="161" name="Image Gallery"/>
-          <p:cNvGrpSpPr/>
+      <p:pic>
+        <p:nvPicPr>
+          <p:cNvPr id="159" name="Screenshot 2022-12-06 at 9.55.45 AM.png" descr="Screenshot 2022-12-06 at 9.55.45 AM.png"/>
+          <p:cNvPicPr>
+            <a:picLocks noChangeAspect="1"/>
+          </p:cNvPicPr>
           <p:nvPr/>
-        </p:nvGrpSpPr>
-        <p:grpSpPr>
+        </p:nvPicPr>
+        <p:blipFill>
+          <a:blip r:embed="rId1"/>
+          <a:srcRect t="513" b="513"/>
+          <a:stretch>
+            <a:fillRect/>
+          </a:stretch>
+        </p:blipFill>
+        <p:spPr>
           <a:xfrm>
-            <a:off x="15325422" y="3787360"/>
-            <a:ext cx="7238806" cy="8904962"/>
-            <a:chOff x="0" y="0"/>
-            <a:chExt cx="7238804" cy="8904961"/>
+            <a:off x="15325725" y="3787140"/>
+            <a:ext cx="7239000" cy="7889240"/>
           </a:xfrm>
-        </p:grpSpPr>
-        <p:pic>
-          <p:nvPicPr>
-            <p:cNvPr id="159" name="Screenshot 2022-12-06 at 9.55.45 AM.png" descr="Screenshot 2022-12-06 at 9.55.45 AM.png"/>
-            <p:cNvPicPr>
-              <a:picLocks noChangeAspect="1"/>
-            </p:cNvPicPr>
-            <p:nvPr/>
-          </p:nvPicPr>
-          <p:blipFill>
-            <a:blip r:embed="rId2">
-              <a:extLst/>
-            </a:blip>
-            <a:srcRect l="0" t="513" r="0" b="513"/>
-            <a:stretch>
-              <a:fillRect/>
-            </a:stretch>
-          </p:blipFill>
-          <p:spPr>
-            <a:xfrm>
-              <a:off x="0" y="0"/>
-              <a:ext cx="7238805" cy="7888962"/>
-            </a:xfrm>
-            <a:prstGeom prst="rect">
-              <a:avLst/>
-            </a:prstGeom>
-            <a:ln w="12700" cap="flat">
-              <a:noFill/>
-              <a:miter lim="400000"/>
-            </a:ln>
-            <a:effectLst/>
-          </p:spPr>
-        </p:pic>
-        <p:sp>
-          <p:nvSpPr>
-            <p:cNvPr id="160" name="Caption"/>
-            <p:cNvSpPr/>
-            <p:nvPr/>
-          </p:nvSpPr>
-          <p:spPr>
-            <a:xfrm>
-              <a:off x="0" y="7965161"/>
-              <a:ext cx="7238805" cy="939801"/>
-            </a:xfrm>
-            <a:prstGeom prst="rect">
-              <a:avLst/>
-            </a:prstGeom>
+          <a:prstGeom prst="rect">
+            <a:avLst/>
+          </a:prstGeom>
+          <a:ln w="12700" cap="flat">
             <a:noFill/>
-            <a:ln w="12700" cap="flat">
-              <a:noFill/>
-              <a:miter lim="400000"/>
-            </a:ln>
-            <a:effectLst/>
-            <a:extLst>
-              <a:ext uri="{C572A759-6A51-4108-AA02-DFA0A04FC94B}">
-                <ma14:wrappingTextBoxFlag xmlns:ma14="http://schemas.microsoft.com/office/mac/drawingml/2011/main" val="1"/>
-              </a:ext>
-            </a:extLst>
-          </p:spPr>
-          <p:txBody>
-            <a:bodyPr wrap="square" lIns="76200" tIns="76200" rIns="76200" bIns="76200" numCol="1" anchor="t">
-              <a:noAutofit/>
-            </a:bodyPr>
-            <a:lstStyle/>
-            <a:p>
-              <a:pPr/>
-              <a:r>
-                <a:t>Caption</a:t>
-              </a:r>
-            </a:p>
-          </p:txBody>
-        </p:sp>
-      </p:grpSp>
+            <a:miter lim="400000"/>
+            <a:headEnd/>
+            <a:tailEnd/>
+          </a:ln>
+          <a:effectLst/>
+        </p:spPr>
+      </p:pic>
     </p:spTree>
   </p:cSld>
   <p:clrMapOvr>
     <a:masterClrMapping/>
   </p:clrMapOvr>
-  <p:transition xmlns:p14="http://schemas.microsoft.com/office/powerpoint/2010/main" spd="med" advClick="1"/>
+  <p:transition spd="med"/>
 </p:sld>
 </file>
 
 <file path=ppt/slides/slide9.xml><?xml version="1.0" encoding="utf-8"?>
-<p:sld xmlns:a="http://schemas.openxmlformats.org/drawingml/2006/main" xmlns:r="http://schemas.openxmlformats.org/officeDocument/2006/relationships" xmlns:p="http://schemas.openxmlformats.org/presentationml/2006/main" xmlns:m="http://schemas.openxmlformats.org/officeDocument/2006/math" xmlns:a14="http://schemas.microsoft.com/office/drawing/2010/main" showMasterSp="1" showMasterPhAnim="1">
+<p:sld xmlns:a="http://schemas.openxmlformats.org/drawingml/2006/main" xmlns:r="http://schemas.openxmlformats.org/officeDocument/2006/relationships" xmlns:p="http://schemas.openxmlformats.org/presentationml/2006/main">
   <p:cSld>
     <p:spTree>
       <p:nvGrpSpPr>
@@ -5571,22 +4909,21 @@
           <a:bodyPr/>
           <a:lstStyle>
             <a:lvl1pPr>
-              <a:defRPr b="1" sz="12500">
+              <a:defRPr sz="12500" b="1">
                 <a:solidFill>
                   <a:schemeClr val="accent1">
-                    <a:satOff val="-39116"/>
+                    <a:satOff val="-39115"/>
                     <a:lumOff val="31078"/>
                   </a:schemeClr>
                 </a:solidFill>
-                <a:latin typeface="Times New Roman"/>
-                <a:ea typeface="Times New Roman"/>
-                <a:cs typeface="Times New Roman"/>
-                <a:sym typeface="Times New Roman"/>
+                <a:latin typeface="Times New Roman" panose="02020603050405020304"/>
+                <a:ea typeface="Times New Roman" panose="02020603050405020304"/>
+                <a:cs typeface="Times New Roman" panose="02020603050405020304"/>
+                <a:sym typeface="Times New Roman" panose="02020603050405020304"/>
               </a:defRPr>
             </a:lvl1pPr>
           </a:lstStyle>
           <a:p>
-            <a:pPr/>
             <a:r>
               <a:t>Functionalities of Docket</a:t>
             </a:r>
@@ -5611,10 +4948,12 @@
           </a:prstGeom>
         </p:spPr>
         <p:txBody>
-          <a:bodyPr/>
+          <a:bodyPr>
+            <a:normAutofit lnSpcReduction="10000"/>
+          </a:bodyPr>
           <a:lstStyle/>
           <a:p>
-            <a:pPr marL="579119" indent="-579119" algn="just" defTabSz="784225">
+            <a:pPr marL="579120" indent="-579120" algn="just" defTabSz="784225">
               <a:spcBef>
                 <a:spcPts val="5600"/>
               </a:spcBef>
@@ -5622,18 +4961,22 @@
                 <a:solidFill>
                   <a:srgbClr val="DDDDDD"/>
                 </a:solidFill>
-                <a:latin typeface="Times New Roman"/>
-                <a:ea typeface="Times New Roman"/>
-                <a:cs typeface="Times New Roman"/>
-                <a:sym typeface="Times New Roman"/>
+                <a:latin typeface="Times New Roman" panose="02020603050405020304"/>
+                <a:ea typeface="Times New Roman" panose="02020603050405020304"/>
+                <a:cs typeface="Times New Roman" panose="02020603050405020304"/>
+                <a:sym typeface="Times New Roman" panose="02020603050405020304"/>
               </a:defRPr>
             </a:pPr>
             <a:r>
               <a:t>Input and Adding Tasks</a:t>
             </a:r>
-          </a:p>
-          <a:p>
-            <a:pPr marL="579119" indent="-579119" algn="just" defTabSz="784225">
+            <a:r>
+              <a:rPr lang="en-US"/>
+              <a:t>.</a:t>
+            </a:r>
+          </a:p>
+          <a:p>
+            <a:pPr marL="579120" indent="-579120" algn="just" defTabSz="784225">
               <a:spcBef>
                 <a:spcPts val="5600"/>
               </a:spcBef>
@@ -5641,18 +4984,22 @@
                 <a:solidFill>
                   <a:srgbClr val="DDDDDD"/>
                 </a:solidFill>
-                <a:latin typeface="Times New Roman"/>
-                <a:ea typeface="Times New Roman"/>
-                <a:cs typeface="Times New Roman"/>
-                <a:sym typeface="Times New Roman"/>
+                <a:latin typeface="Times New Roman" panose="02020603050405020304"/>
+                <a:ea typeface="Times New Roman" panose="02020603050405020304"/>
+                <a:cs typeface="Times New Roman" panose="02020603050405020304"/>
+                <a:sym typeface="Times New Roman" panose="02020603050405020304"/>
               </a:defRPr>
             </a:pPr>
             <a:r>
               <a:t>Checking or Highlighting Completion of Tasks</a:t>
             </a:r>
-          </a:p>
-          <a:p>
-            <a:pPr marL="579119" indent="-579119" algn="just" defTabSz="784225">
+            <a:r>
+              <a:rPr lang="en-US"/>
+              <a:t>.</a:t>
+            </a:r>
+          </a:p>
+          <a:p>
+            <a:pPr marL="579120" indent="-579120" algn="just" defTabSz="784225">
               <a:spcBef>
                 <a:spcPts val="5600"/>
               </a:spcBef>
@@ -5660,18 +5007,22 @@
                 <a:solidFill>
                   <a:srgbClr val="DDDDDD"/>
                 </a:solidFill>
-                <a:latin typeface="Times New Roman"/>
-                <a:ea typeface="Times New Roman"/>
-                <a:cs typeface="Times New Roman"/>
-                <a:sym typeface="Times New Roman"/>
+                <a:latin typeface="Times New Roman" panose="02020603050405020304"/>
+                <a:ea typeface="Times New Roman" panose="02020603050405020304"/>
+                <a:cs typeface="Times New Roman" panose="02020603050405020304"/>
+                <a:sym typeface="Times New Roman" panose="02020603050405020304"/>
               </a:defRPr>
             </a:pPr>
             <a:r>
               <a:t>Remove completed/unwanted Tasks</a:t>
             </a:r>
-          </a:p>
-          <a:p>
-            <a:pPr marL="579119" indent="-579119" algn="just" defTabSz="784225">
+            <a:r>
+              <a:rPr lang="en-US"/>
+              <a:t>.</a:t>
+            </a:r>
+          </a:p>
+          <a:p>
+            <a:pPr marL="579120" indent="-579120" algn="just" defTabSz="784225">
               <a:spcBef>
                 <a:spcPts val="5600"/>
               </a:spcBef>
@@ -5679,18 +5030,22 @@
                 <a:solidFill>
                   <a:srgbClr val="DDDDDD"/>
                 </a:solidFill>
-                <a:latin typeface="Times New Roman"/>
-                <a:ea typeface="Times New Roman"/>
-                <a:cs typeface="Times New Roman"/>
-                <a:sym typeface="Times New Roman"/>
+                <a:latin typeface="Times New Roman" panose="02020603050405020304"/>
+                <a:ea typeface="Times New Roman" panose="02020603050405020304"/>
+                <a:cs typeface="Times New Roman" panose="02020603050405020304"/>
+                <a:sym typeface="Times New Roman" panose="02020603050405020304"/>
               </a:defRPr>
             </a:pPr>
             <a:r>
               <a:t>Remove all button</a:t>
             </a:r>
-          </a:p>
-          <a:p>
-            <a:pPr marL="579119" indent="-579119" algn="just" defTabSz="784225">
+            <a:r>
+              <a:rPr lang="en-US"/>
+              <a:t>.</a:t>
+            </a:r>
+          </a:p>
+          <a:p>
+            <a:pPr marL="579120" indent="-579120" algn="just" defTabSz="784225">
               <a:spcBef>
                 <a:spcPts val="5600"/>
               </a:spcBef>
@@ -5698,18 +5053,22 @@
                 <a:solidFill>
                   <a:srgbClr val="DDDDDD"/>
                 </a:solidFill>
-                <a:latin typeface="Times New Roman"/>
-                <a:ea typeface="Times New Roman"/>
-                <a:cs typeface="Times New Roman"/>
-                <a:sym typeface="Times New Roman"/>
+                <a:latin typeface="Times New Roman" panose="02020603050405020304"/>
+                <a:ea typeface="Times New Roman" panose="02020603050405020304"/>
+                <a:cs typeface="Times New Roman" panose="02020603050405020304"/>
+                <a:sym typeface="Times New Roman" panose="02020603050405020304"/>
               </a:defRPr>
             </a:pPr>
             <a:r>
               <a:t>Priority Enabled Tasks</a:t>
             </a:r>
-          </a:p>
-          <a:p>
-            <a:pPr marL="579119" indent="-579119" algn="just" defTabSz="784225">
+            <a:r>
+              <a:rPr lang="en-US"/>
+              <a:t> are Saved.</a:t>
+            </a:r>
+          </a:p>
+          <a:p>
+            <a:pPr marL="579120" indent="-579120" algn="just" defTabSz="784225">
               <a:spcBef>
                 <a:spcPts val="5600"/>
               </a:spcBef>
@@ -5717,115 +5076,63 @@
                 <a:solidFill>
                   <a:srgbClr val="DDDDDD"/>
                 </a:solidFill>
-                <a:latin typeface="Times New Roman"/>
-                <a:ea typeface="Times New Roman"/>
-                <a:cs typeface="Times New Roman"/>
-                <a:sym typeface="Times New Roman"/>
+                <a:latin typeface="Times New Roman" panose="02020603050405020304"/>
+                <a:ea typeface="Times New Roman" panose="02020603050405020304"/>
+                <a:cs typeface="Times New Roman" panose="02020603050405020304"/>
+                <a:sym typeface="Times New Roman" panose="02020603050405020304"/>
               </a:defRPr>
             </a:pPr>
             <a:r>
-              <a:t>Editing color scheme to match background for CSS</a:t>
-            </a:r>
+              <a:rPr lang="en-US"/>
+              <a:t>Different color schemes.</a:t>
+            </a:r>
+            <a:endParaRPr lang="en-US"/>
           </a:p>
         </p:txBody>
       </p:sp>
-      <p:grpSp>
-        <p:nvGrpSpPr>
-          <p:cNvPr id="167" name="Image Gallery"/>
-          <p:cNvGrpSpPr/>
+      <p:pic>
+        <p:nvPicPr>
+          <p:cNvPr id="165" name="Screenshot 2022-12-06 at 9.56.07 AM.png" descr="Screenshot 2022-12-06 at 9.56.07 AM.png"/>
+          <p:cNvPicPr>
+            <a:picLocks noChangeAspect="1"/>
+          </p:cNvPicPr>
           <p:nvPr/>
-        </p:nvGrpSpPr>
-        <p:grpSpPr>
+        </p:nvPicPr>
+        <p:blipFill>
+          <a:blip r:embed="rId1"/>
+          <a:srcRect t="45" b="45"/>
+          <a:stretch>
+            <a:fillRect/>
+          </a:stretch>
+        </p:blipFill>
+        <p:spPr>
           <a:xfrm>
-            <a:off x="14878972" y="3816155"/>
-            <a:ext cx="9112726" cy="8242690"/>
-            <a:chOff x="0" y="0"/>
-            <a:chExt cx="9112725" cy="8242689"/>
+            <a:off x="14856460" y="3803650"/>
+            <a:ext cx="9112885" cy="7226935"/>
           </a:xfrm>
-        </p:grpSpPr>
-        <p:pic>
-          <p:nvPicPr>
-            <p:cNvPr id="165" name="Screenshot 2022-12-06 at 9.56.07 AM.png" descr="Screenshot 2022-12-06 at 9.56.07 AM.png"/>
-            <p:cNvPicPr>
-              <a:picLocks noChangeAspect="1"/>
-            </p:cNvPicPr>
-            <p:nvPr/>
-          </p:nvPicPr>
-          <p:blipFill>
-            <a:blip r:embed="rId2">
-              <a:extLst/>
-            </a:blip>
-            <a:srcRect l="0" t="45" r="0" b="45"/>
-            <a:stretch>
-              <a:fillRect/>
-            </a:stretch>
-          </p:blipFill>
-          <p:spPr>
-            <a:xfrm>
-              <a:off x="0" y="0"/>
-              <a:ext cx="9112726" cy="7226690"/>
-            </a:xfrm>
-            <a:prstGeom prst="rect">
-              <a:avLst/>
-            </a:prstGeom>
-            <a:ln w="12700" cap="flat">
-              <a:noFill/>
-              <a:miter lim="400000"/>
-            </a:ln>
-            <a:effectLst/>
-          </p:spPr>
-        </p:pic>
-        <p:sp>
-          <p:nvSpPr>
-            <p:cNvPr id="166" name="Caption"/>
-            <p:cNvSpPr/>
-            <p:nvPr/>
-          </p:nvSpPr>
-          <p:spPr>
-            <a:xfrm>
-              <a:off x="0" y="7302889"/>
-              <a:ext cx="9112726" cy="939801"/>
-            </a:xfrm>
-            <a:prstGeom prst="rect">
-              <a:avLst/>
-            </a:prstGeom>
+          <a:prstGeom prst="rect">
+            <a:avLst/>
+          </a:prstGeom>
+          <a:ln w="12700" cap="flat">
             <a:noFill/>
-            <a:ln w="12700" cap="flat">
-              <a:noFill/>
-              <a:miter lim="400000"/>
-            </a:ln>
-            <a:effectLst/>
-            <a:extLst>
-              <a:ext uri="{C572A759-6A51-4108-AA02-DFA0A04FC94B}">
-                <ma14:wrappingTextBoxFlag xmlns:ma14="http://schemas.microsoft.com/office/mac/drawingml/2011/main" val="1"/>
-              </a:ext>
-            </a:extLst>
-          </p:spPr>
-          <p:txBody>
-            <a:bodyPr wrap="square" lIns="76200" tIns="76200" rIns="76200" bIns="76200" numCol="1" anchor="t">
-              <a:noAutofit/>
-            </a:bodyPr>
-            <a:lstStyle/>
-            <a:p>
-              <a:pPr/>
-              <a:r>
-                <a:t>Caption</a:t>
-              </a:r>
-            </a:p>
-          </p:txBody>
-        </p:sp>
-      </p:grpSp>
+            <a:miter lim="400000"/>
+            <a:headEnd/>
+            <a:tailEnd/>
+          </a:ln>
+          <a:effectLst/>
+        </p:spPr>
+      </p:pic>
     </p:spTree>
   </p:cSld>
   <p:clrMapOvr>
     <a:masterClrMapping/>
   </p:clrMapOvr>
-  <p:transition xmlns:p14="http://schemas.microsoft.com/office/powerpoint/2010/main" spd="med" advClick="1"/>
+  <p:transition spd="med"/>
 </p:sld>
 </file>
 
 <file path=ppt/theme/theme1.xml><?xml version="1.0" encoding="utf-8"?>
-<a:theme xmlns:a="http://schemas.openxmlformats.org/drawingml/2006/main" xmlns:r="http://schemas.openxmlformats.org/officeDocument/2006/relationships" name="Gradient">
+<a:theme xmlns:a="http://schemas.openxmlformats.org/drawingml/2006/main" name="Gradient">
   <a:themeElements>
     <a:clrScheme name="Gradient">
       <a:dk1>
@@ -5951,7 +5258,7 @@
       <a:effectStyleLst>
         <a:effectStyle>
           <a:effectLst>
-            <a:outerShdw sx="100000" sy="100000" kx="0" ky="0" algn="b" rotWithShape="0" blurRad="76200" dist="0" dir="18900000">
+            <a:outerShdw blurRad="76200" dir="18900000" rotWithShape="0">
               <a:srgbClr val="000000">
                 <a:alpha val="80000"/>
               </a:srgbClr>
@@ -5960,7 +5267,7 @@
         </a:effectStyle>
         <a:effectStyle>
           <a:effectLst>
-            <a:outerShdw sx="100000" sy="100000" kx="0" ky="0" algn="b" rotWithShape="0" blurRad="76200" dist="0" dir="18900000">
+            <a:outerShdw blurRad="76200" dir="18900000" rotWithShape="0">
               <a:srgbClr val="000000">
                 <a:alpha val="80000"/>
               </a:srgbClr>
@@ -5969,7 +5276,7 @@
         </a:effectStyle>
         <a:effectStyle>
           <a:effectLst>
-            <a:outerShdw sx="100000" sy="100000" kx="0" ky="0" algn="b" rotWithShape="0" blurRad="76200" dist="0" dir="18900000">
+            <a:outerShdw blurRad="76200" dir="18900000" rotWithShape="0">
               <a:srgbClr val="000000">
                 <a:alpha val="80000"/>
               </a:srgbClr>
@@ -6043,13 +5350,12 @@
           <a:round/>
         </a:ln>
         <a:effectLst>
-          <a:outerShdw sx="100000" sy="100000" kx="0" ky="0" algn="b" rotWithShape="0" blurRad="76200" dist="0" dir="18900000">
+          <a:outerShdw blurRad="76200" dir="18900000" rotWithShape="0">
             <a:srgbClr val="000000">
               <a:alpha val="80000"/>
             </a:srgbClr>
           </a:outerShdw>
         </a:effectLst>
-        <a:sp3d/>
       </a:spPr>
       <a:bodyPr rot="0" spcFirstLastPara="1" vertOverflow="overflow" horzOverflow="overflow" vert="horz" wrap="square" lIns="50800" tIns="50800" rIns="50800" bIns="50800" numCol="1" spcCol="38100" rtlCol="0" anchor="ctr" upright="0">
         <a:spAutoFit/>
@@ -6069,8 +5375,7 @@
           <a:buSzTx/>
           <a:buFontTx/>
           <a:buNone/>
-          <a:tabLst/>
-          <a:defRPr b="0" baseline="0" cap="none" i="0" spc="0" strike="noStrike" sz="5200" u="none" kumimoji="0" normalizeH="0">
+          <a:defRPr kumimoji="0" sz="5200" b="0" i="0" u="none" strike="noStrike" cap="none" spc="0" normalizeH="0" baseline="0">
             <a:ln>
               <a:noFill/>
             </a:ln>
@@ -6099,8 +5404,7 @@
           <a:buSzTx/>
           <a:buFontTx/>
           <a:buNone/>
-          <a:tabLst/>
-          <a:defRPr b="0" baseline="0" cap="none" i="0" spc="0" strike="noStrike" sz="1800" u="none" kumimoji="0" normalizeH="0">
+          <a:defRPr kumimoji="0" sz="1800" b="0" i="0" u="none" strike="noStrike" cap="none" spc="0" normalizeH="0" baseline="0">
             <a:ln>
               <a:noFill/>
             </a:ln>
@@ -6125,8 +5429,7 @@
           <a:buSzTx/>
           <a:buFontTx/>
           <a:buNone/>
-          <a:tabLst/>
-          <a:defRPr b="0" baseline="0" cap="none" i="0" spc="0" strike="noStrike" sz="1800" u="none" kumimoji="0" normalizeH="0">
+          <a:defRPr kumimoji="0" sz="1800" b="0" i="0" u="none" strike="noStrike" cap="none" spc="0" normalizeH="0" baseline="0">
             <a:ln>
               <a:noFill/>
             </a:ln>
@@ -6151,8 +5454,7 @@
           <a:buSzTx/>
           <a:buFontTx/>
           <a:buNone/>
-          <a:tabLst/>
-          <a:defRPr b="0" baseline="0" cap="none" i="0" spc="0" strike="noStrike" sz="1800" u="none" kumimoji="0" normalizeH="0">
+          <a:defRPr kumimoji="0" sz="1800" b="0" i="0" u="none" strike="noStrike" cap="none" spc="0" normalizeH="0" baseline="0">
             <a:ln>
               <a:noFill/>
             </a:ln>
@@ -6177,8 +5479,7 @@
           <a:buSzTx/>
           <a:buFontTx/>
           <a:buNone/>
-          <a:tabLst/>
-          <a:defRPr b="0" baseline="0" cap="none" i="0" spc="0" strike="noStrike" sz="1800" u="none" kumimoji="0" normalizeH="0">
+          <a:defRPr kumimoji="0" sz="1800" b="0" i="0" u="none" strike="noStrike" cap="none" spc="0" normalizeH="0" baseline="0">
             <a:ln>
               <a:noFill/>
             </a:ln>
@@ -6203,8 +5504,7 @@
           <a:buSzTx/>
           <a:buFontTx/>
           <a:buNone/>
-          <a:tabLst/>
-          <a:defRPr b="0" baseline="0" cap="none" i="0" spc="0" strike="noStrike" sz="1800" u="none" kumimoji="0" normalizeH="0">
+          <a:defRPr kumimoji="0" sz="1800" b="0" i="0" u="none" strike="noStrike" cap="none" spc="0" normalizeH="0" baseline="0">
             <a:ln>
               <a:noFill/>
             </a:ln>
@@ -6229,8 +5529,7 @@
           <a:buSzTx/>
           <a:buFontTx/>
           <a:buNone/>
-          <a:tabLst/>
-          <a:defRPr b="0" baseline="0" cap="none" i="0" spc="0" strike="noStrike" sz="1800" u="none" kumimoji="0" normalizeH="0">
+          <a:defRPr kumimoji="0" sz="1800" b="0" i="0" u="none" strike="noStrike" cap="none" spc="0" normalizeH="0" baseline="0">
             <a:ln>
               <a:noFill/>
             </a:ln>
@@ -6255,8 +5554,7 @@
           <a:buSzTx/>
           <a:buFontTx/>
           <a:buNone/>
-          <a:tabLst/>
-          <a:defRPr b="0" baseline="0" cap="none" i="0" spc="0" strike="noStrike" sz="1800" u="none" kumimoji="0" normalizeH="0">
+          <a:defRPr kumimoji="0" sz="1800" b="0" i="0" u="none" strike="noStrike" cap="none" spc="0" normalizeH="0" baseline="0">
             <a:ln>
               <a:noFill/>
             </a:ln>
@@ -6281,8 +5579,7 @@
           <a:buSzTx/>
           <a:buFontTx/>
           <a:buNone/>
-          <a:tabLst/>
-          <a:defRPr b="0" baseline="0" cap="none" i="0" spc="0" strike="noStrike" sz="1800" u="none" kumimoji="0" normalizeH="0">
+          <a:defRPr kumimoji="0" sz="1800" b="0" i="0" u="none" strike="noStrike" cap="none" spc="0" normalizeH="0" baseline="0">
             <a:ln>
               <a:noFill/>
             </a:ln>
@@ -6307,8 +5604,7 @@
           <a:buSzTx/>
           <a:buFontTx/>
           <a:buNone/>
-          <a:tabLst/>
-          <a:defRPr b="0" baseline="0" cap="none" i="0" spc="0" strike="noStrike" sz="1800" u="none" kumimoji="0" normalizeH="0">
+          <a:defRPr kumimoji="0" sz="1800" b="0" i="0" u="none" strike="noStrike" cap="none" spc="0" normalizeH="0" baseline="0">
             <a:ln>
               <a:noFill/>
             </a:ln>
@@ -6321,9 +5617,15 @@
         </a:lvl9pPr>
       </a:lstStyle>
       <a:style>
-        <a:lnRef idx="0"/>
-        <a:fillRef idx="0"/>
-        <a:effectRef idx="0"/>
+        <a:lnRef idx="0">
+          <a:srgbClr val="FFFFFF"/>
+        </a:lnRef>
+        <a:fillRef idx="0">
+          <a:srgbClr val="FFFFFF"/>
+        </a:fillRef>
+        <a:effectRef idx="0">
+          <a:srgbClr val="FFFFFF"/>
+        </a:effectRef>
         <a:fontRef idx="none"/>
       </a:style>
     </a:spDef>
@@ -6338,13 +5640,12 @@
           <a:round/>
         </a:ln>
         <a:effectLst>
-          <a:outerShdw sx="100000" sy="100000" kx="0" ky="0" algn="b" rotWithShape="0" blurRad="76200" dist="0" dir="18900000">
+          <a:outerShdw blurRad="76200" dir="18900000" rotWithShape="0">
             <a:srgbClr val="000000">
               <a:alpha val="80000"/>
             </a:srgbClr>
           </a:outerShdw>
         </a:effectLst>
-        <a:sp3d/>
       </a:spPr>
       <a:bodyPr rot="0" spcFirstLastPara="1" vertOverflow="overflow" horzOverflow="overflow" vert="horz" wrap="square" lIns="91439" tIns="45719" rIns="91439" bIns="45719" numCol="1" spcCol="38100" rtlCol="0" anchor="t" upright="0">
         <a:noAutofit/>
@@ -6364,8 +5665,7 @@
           <a:buSzTx/>
           <a:buFontTx/>
           <a:buNone/>
-          <a:tabLst/>
-          <a:defRPr b="0" baseline="0" cap="none" i="0" spc="0" strike="noStrike" sz="1800" u="none" kumimoji="0" normalizeH="0">
+          <a:defRPr kumimoji="0" sz="1800" b="0" i="0" u="none" strike="noStrike" cap="none" spc="0" normalizeH="0" baseline="0">
             <a:ln>
               <a:noFill/>
             </a:ln>
@@ -6390,8 +5690,7 @@
           <a:buSzTx/>
           <a:buFontTx/>
           <a:buNone/>
-          <a:tabLst/>
-          <a:defRPr b="0" baseline="0" cap="none" i="0" spc="0" strike="noStrike" sz="1800" u="none" kumimoji="0" normalizeH="0">
+          <a:defRPr kumimoji="0" sz="1800" b="0" i="0" u="none" strike="noStrike" cap="none" spc="0" normalizeH="0" baseline="0">
             <a:ln>
               <a:noFill/>
             </a:ln>
@@ -6416,8 +5715,7 @@
           <a:buSzTx/>
           <a:buFontTx/>
           <a:buNone/>
-          <a:tabLst/>
-          <a:defRPr b="0" baseline="0" cap="none" i="0" spc="0" strike="noStrike" sz="1800" u="none" kumimoji="0" normalizeH="0">
+          <a:defRPr kumimoji="0" sz="1800" b="0" i="0" u="none" strike="noStrike" cap="none" spc="0" normalizeH="0" baseline="0">
             <a:ln>
               <a:noFill/>
             </a:ln>
@@ -6442,8 +5740,7 @@
           <a:buSzTx/>
           <a:buFontTx/>
           <a:buNone/>
-          <a:tabLst/>
-          <a:defRPr b="0" baseline="0" cap="none" i="0" spc="0" strike="noStrike" sz="1800" u="none" kumimoji="0" normalizeH="0">
+          <a:defRPr kumimoji="0" sz="1800" b="0" i="0" u="none" strike="noStrike" cap="none" spc="0" normalizeH="0" baseline="0">
             <a:ln>
               <a:noFill/>
             </a:ln>
@@ -6468,8 +5765,7 @@
           <a:buSzTx/>
           <a:buFontTx/>
           <a:buNone/>
-          <a:tabLst/>
-          <a:defRPr b="0" baseline="0" cap="none" i="0" spc="0" strike="noStrike" sz="1800" u="none" kumimoji="0" normalizeH="0">
+          <a:defRPr kumimoji="0" sz="1800" b="0" i="0" u="none" strike="noStrike" cap="none" spc="0" normalizeH="0" baseline="0">
             <a:ln>
               <a:noFill/>
             </a:ln>
@@ -6494,8 +5790,7 @@
           <a:buSzTx/>
           <a:buFontTx/>
           <a:buNone/>
-          <a:tabLst/>
-          <a:defRPr b="0" baseline="0" cap="none" i="0" spc="0" strike="noStrike" sz="1800" u="none" kumimoji="0" normalizeH="0">
+          <a:defRPr kumimoji="0" sz="1800" b="0" i="0" u="none" strike="noStrike" cap="none" spc="0" normalizeH="0" baseline="0">
             <a:ln>
               <a:noFill/>
             </a:ln>
@@ -6520,8 +5815,7 @@
           <a:buSzTx/>
           <a:buFontTx/>
           <a:buNone/>
-          <a:tabLst/>
-          <a:defRPr b="0" baseline="0" cap="none" i="0" spc="0" strike="noStrike" sz="1800" u="none" kumimoji="0" normalizeH="0">
+          <a:defRPr kumimoji="0" sz="1800" b="0" i="0" u="none" strike="noStrike" cap="none" spc="0" normalizeH="0" baseline="0">
             <a:ln>
               <a:noFill/>
             </a:ln>
@@ -6546,8 +5840,7 @@
           <a:buSzTx/>
           <a:buFontTx/>
           <a:buNone/>
-          <a:tabLst/>
-          <a:defRPr b="0" baseline="0" cap="none" i="0" spc="0" strike="noStrike" sz="1800" u="none" kumimoji="0" normalizeH="0">
+          <a:defRPr kumimoji="0" sz="1800" b="0" i="0" u="none" strike="noStrike" cap="none" spc="0" normalizeH="0" baseline="0">
             <a:ln>
               <a:noFill/>
             </a:ln>
@@ -6572,8 +5865,7 @@
           <a:buSzTx/>
           <a:buFontTx/>
           <a:buNone/>
-          <a:tabLst/>
-          <a:defRPr b="0" baseline="0" cap="none" i="0" spc="0" strike="noStrike" sz="1800" u="none" kumimoji="0" normalizeH="0">
+          <a:defRPr kumimoji="0" sz="1800" b="0" i="0" u="none" strike="noStrike" cap="none" spc="0" normalizeH="0" baseline="0">
             <a:ln>
               <a:noFill/>
             </a:ln>
@@ -6598,8 +5890,7 @@
           <a:buSzTx/>
           <a:buFontTx/>
           <a:buNone/>
-          <a:tabLst/>
-          <a:defRPr b="0" baseline="0" cap="none" i="0" spc="0" strike="noStrike" sz="1800" u="none" kumimoji="0" normalizeH="0">
+          <a:defRPr kumimoji="0" sz="1800" b="0" i="0" u="none" strike="noStrike" cap="none" spc="0" normalizeH="0" baseline="0">
             <a:ln>
               <a:noFill/>
             </a:ln>
@@ -6612,9 +5903,15 @@
         </a:lvl9pPr>
       </a:lstStyle>
       <a:style>
-        <a:lnRef idx="0"/>
-        <a:fillRef idx="0"/>
-        <a:effectRef idx="0"/>
+        <a:lnRef idx="0">
+          <a:srgbClr val="FFFFFF"/>
+        </a:lnRef>
+        <a:fillRef idx="0">
+          <a:srgbClr val="FFFFFF"/>
+        </a:fillRef>
+        <a:effectRef idx="0">
+          <a:srgbClr val="FFFFFF"/>
+        </a:effectRef>
         <a:fontRef idx="none"/>
       </a:style>
     </a:lnDef>
@@ -6625,8 +5922,6 @@
           <a:noFill/>
           <a:miter lim="400000"/>
         </a:ln>
-        <a:effectLst/>
-        <a:sp3d/>
       </a:spPr>
       <a:bodyPr rot="0" spcFirstLastPara="1" vertOverflow="overflow" horzOverflow="overflow" vert="horz" wrap="square" lIns="50800" tIns="50800" rIns="50800" bIns="50800" numCol="1" spcCol="38100" rtlCol="0" anchor="ctr" upright="0">
         <a:spAutoFit/>
@@ -6646,8 +5941,7 @@
           <a:buSzTx/>
           <a:buFontTx/>
           <a:buNone/>
-          <a:tabLst/>
-          <a:defRPr b="0" baseline="0" cap="none" i="0" spc="0" strike="noStrike" sz="5200" u="none" kumimoji="0" normalizeH="0">
+          <a:defRPr kumimoji="0" sz="5200" b="0" i="0" u="none" strike="noStrike" cap="none" spc="0" normalizeH="0" baseline="0">
             <a:ln>
               <a:noFill/>
             </a:ln>
@@ -6676,8 +5970,7 @@
           <a:buSzTx/>
           <a:buFontTx/>
           <a:buNone/>
-          <a:tabLst/>
-          <a:defRPr b="0" baseline="0" cap="none" i="0" spc="0" strike="noStrike" sz="1800" u="none" kumimoji="0" normalizeH="0">
+          <a:defRPr kumimoji="0" sz="1800" b="0" i="0" u="none" strike="noStrike" cap="none" spc="0" normalizeH="0" baseline="0">
             <a:ln>
               <a:noFill/>
             </a:ln>
@@ -6702,8 +5995,7 @@
           <a:buSzTx/>
           <a:buFontTx/>
           <a:buNone/>
-          <a:tabLst/>
-          <a:defRPr b="0" baseline="0" cap="none" i="0" spc="0" strike="noStrike" sz="1800" u="none" kumimoji="0" normalizeH="0">
+          <a:defRPr kumimoji="0" sz="1800" b="0" i="0" u="none" strike="noStrike" cap="none" spc="0" normalizeH="0" baseline="0">
             <a:ln>
               <a:noFill/>
             </a:ln>
@@ -6728,8 +6020,7 @@
           <a:buSzTx/>
           <a:buFontTx/>
           <a:buNone/>
-          <a:tabLst/>
-          <a:defRPr b="0" baseline="0" cap="none" i="0" spc="0" strike="noStrike" sz="1800" u="none" kumimoji="0" normalizeH="0">
+          <a:defRPr kumimoji="0" sz="1800" b="0" i="0" u="none" strike="noStrike" cap="none" spc="0" normalizeH="0" baseline="0">
             <a:ln>
               <a:noFill/>
             </a:ln>
@@ -6754,8 +6045,7 @@
           <a:buSzTx/>
           <a:buFontTx/>
           <a:buNone/>
-          <a:tabLst/>
-          <a:defRPr b="0" baseline="0" cap="none" i="0" spc="0" strike="noStrike" sz="1800" u="none" kumimoji="0" normalizeH="0">
+          <a:defRPr kumimoji="0" sz="1800" b="0" i="0" u="none" strike="noStrike" cap="none" spc="0" normalizeH="0" baseline="0">
             <a:ln>
               <a:noFill/>
             </a:ln>
@@ -6780,8 +6070,7 @@
           <a:buSzTx/>
           <a:buFontTx/>
           <a:buNone/>
-          <a:tabLst/>
-          <a:defRPr b="0" baseline="0" cap="none" i="0" spc="0" strike="noStrike" sz="1800" u="none" kumimoji="0" normalizeH="0">
+          <a:defRPr kumimoji="0" sz="1800" b="0" i="0" u="none" strike="noStrike" cap="none" spc="0" normalizeH="0" baseline="0">
             <a:ln>
               <a:noFill/>
             </a:ln>
@@ -6806,8 +6095,7 @@
           <a:buSzTx/>
           <a:buFontTx/>
           <a:buNone/>
-          <a:tabLst/>
-          <a:defRPr b="0" baseline="0" cap="none" i="0" spc="0" strike="noStrike" sz="1800" u="none" kumimoji="0" normalizeH="0">
+          <a:defRPr kumimoji="0" sz="1800" b="0" i="0" u="none" strike="noStrike" cap="none" spc="0" normalizeH="0" baseline="0">
             <a:ln>
               <a:noFill/>
             </a:ln>
@@ -6832,8 +6120,7 @@
           <a:buSzTx/>
           <a:buFontTx/>
           <a:buNone/>
-          <a:tabLst/>
-          <a:defRPr b="0" baseline="0" cap="none" i="0" spc="0" strike="noStrike" sz="1800" u="none" kumimoji="0" normalizeH="0">
+          <a:defRPr kumimoji="0" sz="1800" b="0" i="0" u="none" strike="noStrike" cap="none" spc="0" normalizeH="0" baseline="0">
             <a:ln>
               <a:noFill/>
             </a:ln>
@@ -6858,8 +6145,7 @@
           <a:buSzTx/>
           <a:buFontTx/>
           <a:buNone/>
-          <a:tabLst/>
-          <a:defRPr b="0" baseline="0" cap="none" i="0" spc="0" strike="noStrike" sz="1800" u="none" kumimoji="0" normalizeH="0">
+          <a:defRPr kumimoji="0" sz="1800" b="0" i="0" u="none" strike="noStrike" cap="none" spc="0" normalizeH="0" baseline="0">
             <a:ln>
               <a:noFill/>
             </a:ln>
@@ -6884,8 +6170,7 @@
           <a:buSzTx/>
           <a:buFontTx/>
           <a:buNone/>
-          <a:tabLst/>
-          <a:defRPr b="0" baseline="0" cap="none" i="0" spc="0" strike="noStrike" sz="1800" u="none" kumimoji="0" normalizeH="0">
+          <a:defRPr kumimoji="0" sz="1800" b="0" i="0" u="none" strike="noStrike" cap="none" spc="0" normalizeH="0" baseline="0">
             <a:ln>
               <a:noFill/>
             </a:ln>
@@ -6898,18 +6183,29 @@
         </a:lvl9pPr>
       </a:lstStyle>
       <a:style>
-        <a:lnRef idx="0"/>
-        <a:fillRef idx="0"/>
-        <a:effectRef idx="0"/>
+        <a:lnRef idx="0">
+          <a:srgbClr val="FFFFFF"/>
+        </a:lnRef>
+        <a:fillRef idx="0">
+          <a:srgbClr val="FFFFFF"/>
+        </a:fillRef>
+        <a:effectRef idx="0">
+          <a:srgbClr val="FFFFFF"/>
+        </a:effectRef>
         <a:fontRef idx="none"/>
       </a:style>
     </a:txDef>
   </a:objectDefaults>
+  <a:extLst>
+    <a:ext uri="{05A4C25C-085E-4340-85A3-A5531E510DB2}">
+      <thm15:themeFamily xmlns:thm15="http://schemas.microsoft.com/office/thememl/2012/main" name="Office Theme" id="{62F939B6-93AF-4DB8-9C6B-D6C7DFDC589F}" vid="{4A3C46E8-61CC-4603-A589-7422A47A8E4A}"/>
+    </a:ext>
+  </a:extLst>
 </a:theme>
 </file>
 
 <file path=ppt/theme/theme2.xml><?xml version="1.0" encoding="utf-8"?>
-<a:theme xmlns:a="http://schemas.openxmlformats.org/drawingml/2006/main" xmlns:r="http://schemas.openxmlformats.org/officeDocument/2006/relationships" name="Gradient">
+<a:theme xmlns:a="http://schemas.openxmlformats.org/drawingml/2006/main" name="Gradient">
   <a:themeElements>
     <a:clrScheme name="Gradient">
       <a:dk1>
@@ -7035,7 +6331,7 @@
       <a:effectStyleLst>
         <a:effectStyle>
           <a:effectLst>
-            <a:outerShdw sx="100000" sy="100000" kx="0" ky="0" algn="b" rotWithShape="0" blurRad="76200" dist="0" dir="18900000">
+            <a:outerShdw blurRad="76200" dir="18900000" rotWithShape="0">
               <a:srgbClr val="000000">
                 <a:alpha val="80000"/>
               </a:srgbClr>
@@ -7044,7 +6340,7 @@
         </a:effectStyle>
         <a:effectStyle>
           <a:effectLst>
-            <a:outerShdw sx="100000" sy="100000" kx="0" ky="0" algn="b" rotWithShape="0" blurRad="76200" dist="0" dir="18900000">
+            <a:outerShdw blurRad="76200" dir="18900000" rotWithShape="0">
               <a:srgbClr val="000000">
                 <a:alpha val="80000"/>
               </a:srgbClr>
@@ -7053,7 +6349,7 @@
         </a:effectStyle>
         <a:effectStyle>
           <a:effectLst>
-            <a:outerShdw sx="100000" sy="100000" kx="0" ky="0" algn="b" rotWithShape="0" blurRad="76200" dist="0" dir="18900000">
+            <a:outerShdw blurRad="76200" dir="18900000" rotWithShape="0">
               <a:srgbClr val="000000">
                 <a:alpha val="80000"/>
               </a:srgbClr>
@@ -7127,13 +6423,12 @@
           <a:round/>
         </a:ln>
         <a:effectLst>
-          <a:outerShdw sx="100000" sy="100000" kx="0" ky="0" algn="b" rotWithShape="0" blurRad="76200" dist="0" dir="18900000">
+          <a:outerShdw blurRad="76200" dir="18900000" rotWithShape="0">
             <a:srgbClr val="000000">
               <a:alpha val="80000"/>
             </a:srgbClr>
           </a:outerShdw>
         </a:effectLst>
-        <a:sp3d/>
       </a:spPr>
       <a:bodyPr rot="0" spcFirstLastPara="1" vertOverflow="overflow" horzOverflow="overflow" vert="horz" wrap="square" lIns="50800" tIns="50800" rIns="50800" bIns="50800" numCol="1" spcCol="38100" rtlCol="0" anchor="ctr" upright="0">
         <a:spAutoFit/>
@@ -7153,8 +6448,7 @@
           <a:buSzTx/>
           <a:buFontTx/>
           <a:buNone/>
-          <a:tabLst/>
-          <a:defRPr b="0" baseline="0" cap="none" i="0" spc="0" strike="noStrike" sz="5200" u="none" kumimoji="0" normalizeH="0">
+          <a:defRPr kumimoji="0" sz="5200" b="0" i="0" u="none" strike="noStrike" cap="none" spc="0" normalizeH="0" baseline="0">
             <a:ln>
               <a:noFill/>
             </a:ln>
@@ -7183,8 +6477,7 @@
           <a:buSzTx/>
           <a:buFontTx/>
           <a:buNone/>
-          <a:tabLst/>
-          <a:defRPr b="0" baseline="0" cap="none" i="0" spc="0" strike="noStrike" sz="1800" u="none" kumimoji="0" normalizeH="0">
+          <a:defRPr kumimoji="0" sz="1800" b="0" i="0" u="none" strike="noStrike" cap="none" spc="0" normalizeH="0" baseline="0">
             <a:ln>
               <a:noFill/>
             </a:ln>
@@ -7209,8 +6502,7 @@
           <a:buSzTx/>
           <a:buFontTx/>
           <a:buNone/>
-          <a:tabLst/>
-          <a:defRPr b="0" baseline="0" cap="none" i="0" spc="0" strike="noStrike" sz="1800" u="none" kumimoji="0" normalizeH="0">
+          <a:defRPr kumimoji="0" sz="1800" b="0" i="0" u="none" strike="noStrike" cap="none" spc="0" normalizeH="0" baseline="0">
             <a:ln>
               <a:noFill/>
             </a:ln>
@@ -7235,8 +6527,7 @@
           <a:buSzTx/>
           <a:buFontTx/>
           <a:buNone/>
-          <a:tabLst/>
-          <a:defRPr b="0" baseline="0" cap="none" i="0" spc="0" strike="noStrike" sz="1800" u="none" kumimoji="0" normalizeH="0">
+          <a:defRPr kumimoji="0" sz="1800" b="0" i="0" u="none" strike="noStrike" cap="none" spc="0" normalizeH="0" baseline="0">
             <a:ln>
               <a:noFill/>
             </a:ln>
@@ -7261,8 +6552,7 @@
           <a:buSzTx/>
           <a:buFontTx/>
           <a:buNone/>
-          <a:tabLst/>
-          <a:defRPr b="0" baseline="0" cap="none" i="0" spc="0" strike="noStrike" sz="1800" u="none" kumimoji="0" normalizeH="0">
+          <a:defRPr kumimoji="0" sz="1800" b="0" i="0" u="none" strike="noStrike" cap="none" spc="0" normalizeH="0" baseline="0">
             <a:ln>
               <a:noFill/>
             </a:ln>
@@ -7287,8 +6577,7 @@
           <a:buSzTx/>
           <a:buFontTx/>
           <a:buNone/>
-          <a:tabLst/>
-          <a:defRPr b="0" baseline="0" cap="none" i="0" spc="0" strike="noStrike" sz="1800" u="none" kumimoji="0" normalizeH="0">
+          <a:defRPr kumimoji="0" sz="1800" b="0" i="0" u="none" strike="noStrike" cap="none" spc="0" normalizeH="0" baseline="0">
             <a:ln>
               <a:noFill/>
             </a:ln>
@@ -7313,8 +6602,7 @@
           <a:buSzTx/>
           <a:buFontTx/>
           <a:buNone/>
-          <a:tabLst/>
-          <a:defRPr b="0" baseline="0" cap="none" i="0" spc="0" strike="noStrike" sz="1800" u="none" kumimoji="0" normalizeH="0">
+          <a:defRPr kumimoji="0" sz="1800" b="0" i="0" u="none" strike="noStrike" cap="none" spc="0" normalizeH="0" baseline="0">
             <a:ln>
               <a:noFill/>
             </a:ln>
@@ -7339,8 +6627,7 @@
           <a:buSzTx/>
           <a:buFontTx/>
           <a:buNone/>
-          <a:tabLst/>
-          <a:defRPr b="0" baseline="0" cap="none" i="0" spc="0" strike="noStrike" sz="1800" u="none" kumimoji="0" normalizeH="0">
+          <a:defRPr kumimoji="0" sz="1800" b="0" i="0" u="none" strike="noStrike" cap="none" spc="0" normalizeH="0" baseline="0">
             <a:ln>
               <a:noFill/>
             </a:ln>
@@ -7365,8 +6652,7 @@
           <a:buSzTx/>
           <a:buFontTx/>
           <a:buNone/>
-          <a:tabLst/>
-          <a:defRPr b="0" baseline="0" cap="none" i="0" spc="0" strike="noStrike" sz="1800" u="none" kumimoji="0" normalizeH="0">
+          <a:defRPr kumimoji="0" sz="1800" b="0" i="0" u="none" strike="noStrike" cap="none" spc="0" normalizeH="0" baseline="0">
             <a:ln>
               <a:noFill/>
             </a:ln>
@@ -7391,8 +6677,7 @@
           <a:buSzTx/>
           <a:buFontTx/>
           <a:buNone/>
-          <a:tabLst/>
-          <a:defRPr b="0" baseline="0" cap="none" i="0" spc="0" strike="noStrike" sz="1800" u="none" kumimoji="0" normalizeH="0">
+          <a:defRPr kumimoji="0" sz="1800" b="0" i="0" u="none" strike="noStrike" cap="none" spc="0" normalizeH="0" baseline="0">
             <a:ln>
               <a:noFill/>
             </a:ln>
@@ -7405,9 +6690,15 @@
         </a:lvl9pPr>
       </a:lstStyle>
       <a:style>
-        <a:lnRef idx="0"/>
-        <a:fillRef idx="0"/>
-        <a:effectRef idx="0"/>
+        <a:lnRef idx="0">
+          <a:srgbClr val="FFFFFF"/>
+        </a:lnRef>
+        <a:fillRef idx="0">
+          <a:srgbClr val="FFFFFF"/>
+        </a:fillRef>
+        <a:effectRef idx="0">
+          <a:srgbClr val="FFFFFF"/>
+        </a:effectRef>
         <a:fontRef idx="none"/>
       </a:style>
     </a:spDef>
@@ -7422,13 +6713,12 @@
           <a:round/>
         </a:ln>
         <a:effectLst>
-          <a:outerShdw sx="100000" sy="100000" kx="0" ky="0" algn="b" rotWithShape="0" blurRad="76200" dist="0" dir="18900000">
+          <a:outerShdw blurRad="76200" dir="18900000" rotWithShape="0">
             <a:srgbClr val="000000">
               <a:alpha val="80000"/>
             </a:srgbClr>
           </a:outerShdw>
         </a:effectLst>
-        <a:sp3d/>
       </a:spPr>
       <a:bodyPr rot="0" spcFirstLastPara="1" vertOverflow="overflow" horzOverflow="overflow" vert="horz" wrap="square" lIns="91439" tIns="45719" rIns="91439" bIns="45719" numCol="1" spcCol="38100" rtlCol="0" anchor="t" upright="0">
         <a:noAutofit/>
@@ -7448,8 +6738,7 @@
           <a:buSzTx/>
           <a:buFontTx/>
           <a:buNone/>
-          <a:tabLst/>
-          <a:defRPr b="0" baseline="0" cap="none" i="0" spc="0" strike="noStrike" sz="1800" u="none" kumimoji="0" normalizeH="0">
+          <a:defRPr kumimoji="0" sz="1800" b="0" i="0" u="none" strike="noStrike" cap="none" spc="0" normalizeH="0" baseline="0">
             <a:ln>
               <a:noFill/>
             </a:ln>
@@ -7474,8 +6763,7 @@
           <a:buSzTx/>
           <a:buFontTx/>
           <a:buNone/>
-          <a:tabLst/>
-          <a:defRPr b="0" baseline="0" cap="none" i="0" spc="0" strike="noStrike" sz="1800" u="none" kumimoji="0" normalizeH="0">
+          <a:defRPr kumimoji="0" sz="1800" b="0" i="0" u="none" strike="noStrike" cap="none" spc="0" normalizeH="0" baseline="0">
             <a:ln>
               <a:noFill/>
             </a:ln>
@@ -7500,8 +6788,7 @@
           <a:buSzTx/>
           <a:buFontTx/>
           <a:buNone/>
-          <a:tabLst/>
-          <a:defRPr b="0" baseline="0" cap="none" i="0" spc="0" strike="noStrike" sz="1800" u="none" kumimoji="0" normalizeH="0">
+          <a:defRPr kumimoji="0" sz="1800" b="0" i="0" u="none" strike="noStrike" cap="none" spc="0" normalizeH="0" baseline="0">
             <a:ln>
               <a:noFill/>
             </a:ln>
@@ -7526,8 +6813,7 @@
           <a:buSzTx/>
           <a:buFontTx/>
           <a:buNone/>
-          <a:tabLst/>
-          <a:defRPr b="0" baseline="0" cap="none" i="0" spc="0" strike="noStrike" sz="1800" u="none" kumimoji="0" normalizeH="0">
+          <a:defRPr kumimoji="0" sz="1800" b="0" i="0" u="none" strike="noStrike" cap="none" spc="0" normalizeH="0" baseline="0">
             <a:ln>
               <a:noFill/>
             </a:ln>
@@ -7552,8 +6838,7 @@
           <a:buSzTx/>
           <a:buFontTx/>
           <a:buNone/>
-          <a:tabLst/>
-          <a:defRPr b="0" baseline="0" cap="none" i="0" spc="0" strike="noStrike" sz="1800" u="none" kumimoji="0" normalizeH="0">
+          <a:defRPr kumimoji="0" sz="1800" b="0" i="0" u="none" strike="noStrike" cap="none" spc="0" normalizeH="0" baseline="0">
             <a:ln>
               <a:noFill/>
             </a:ln>
@@ -7578,8 +6863,7 @@
           <a:buSzTx/>
           <a:buFontTx/>
           <a:buNone/>
-          <a:tabLst/>
-          <a:defRPr b="0" baseline="0" cap="none" i="0" spc="0" strike="noStrike" sz="1800" u="none" kumimoji="0" normalizeH="0">
+          <a:defRPr kumimoji="0" sz="1800" b="0" i="0" u="none" strike="noStrike" cap="none" spc="0" normalizeH="0" baseline="0">
             <a:ln>
               <a:noFill/>
             </a:ln>
@@ -7604,8 +6888,7 @@
           <a:buSzTx/>
           <a:buFontTx/>
           <a:buNone/>
-          <a:tabLst/>
-          <a:defRPr b="0" baseline="0" cap="none" i="0" spc="0" strike="noStrike" sz="1800" u="none" kumimoji="0" normalizeH="0">
+          <a:defRPr kumimoji="0" sz="1800" b="0" i="0" u="none" strike="noStrike" cap="none" spc="0" normalizeH="0" baseline="0">
             <a:ln>
               <a:noFill/>
             </a:ln>
@@ -7630,8 +6913,7 @@
           <a:buSzTx/>
           <a:buFontTx/>
           <a:buNone/>
-          <a:tabLst/>
-          <a:defRPr b="0" baseline="0" cap="none" i="0" spc="0" strike="noStrike" sz="1800" u="none" kumimoji="0" normalizeH="0">
+          <a:defRPr kumimoji="0" sz="1800" b="0" i="0" u="none" strike="noStrike" cap="none" spc="0" normalizeH="0" baseline="0">
             <a:ln>
               <a:noFill/>
             </a:ln>
@@ -7656,8 +6938,7 @@
           <a:buSzTx/>
           <a:buFontTx/>
           <a:buNone/>
-          <a:tabLst/>
-          <a:defRPr b="0" baseline="0" cap="none" i="0" spc="0" strike="noStrike" sz="1800" u="none" kumimoji="0" normalizeH="0">
+          <a:defRPr kumimoji="0" sz="1800" b="0" i="0" u="none" strike="noStrike" cap="none" spc="0" normalizeH="0" baseline="0">
             <a:ln>
               <a:noFill/>
             </a:ln>
@@ -7682,8 +6963,7 @@
           <a:buSzTx/>
           <a:buFontTx/>
           <a:buNone/>
-          <a:tabLst/>
-          <a:defRPr b="0" baseline="0" cap="none" i="0" spc="0" strike="noStrike" sz="1800" u="none" kumimoji="0" normalizeH="0">
+          <a:defRPr kumimoji="0" sz="1800" b="0" i="0" u="none" strike="noStrike" cap="none" spc="0" normalizeH="0" baseline="0">
             <a:ln>
               <a:noFill/>
             </a:ln>
@@ -7696,9 +6976,15 @@
         </a:lvl9pPr>
       </a:lstStyle>
       <a:style>
-        <a:lnRef idx="0"/>
-        <a:fillRef idx="0"/>
-        <a:effectRef idx="0"/>
+        <a:lnRef idx="0">
+          <a:srgbClr val="FFFFFF"/>
+        </a:lnRef>
+        <a:fillRef idx="0">
+          <a:srgbClr val="FFFFFF"/>
+        </a:fillRef>
+        <a:effectRef idx="0">
+          <a:srgbClr val="FFFFFF"/>
+        </a:effectRef>
         <a:fontRef idx="none"/>
       </a:style>
     </a:lnDef>
@@ -7709,8 +6995,6 @@
           <a:noFill/>
           <a:miter lim="400000"/>
         </a:ln>
-        <a:effectLst/>
-        <a:sp3d/>
       </a:spPr>
       <a:bodyPr rot="0" spcFirstLastPara="1" vertOverflow="overflow" horzOverflow="overflow" vert="horz" wrap="square" lIns="50800" tIns="50800" rIns="50800" bIns="50800" numCol="1" spcCol="38100" rtlCol="0" anchor="ctr" upright="0">
         <a:spAutoFit/>
@@ -7730,8 +7014,7 @@
           <a:buSzTx/>
           <a:buFontTx/>
           <a:buNone/>
-          <a:tabLst/>
-          <a:defRPr b="0" baseline="0" cap="none" i="0" spc="0" strike="noStrike" sz="5200" u="none" kumimoji="0" normalizeH="0">
+          <a:defRPr kumimoji="0" sz="5200" b="0" i="0" u="none" strike="noStrike" cap="none" spc="0" normalizeH="0" baseline="0">
             <a:ln>
               <a:noFill/>
             </a:ln>
@@ -7760,8 +7043,7 @@
           <a:buSzTx/>
           <a:buFontTx/>
           <a:buNone/>
-          <a:tabLst/>
-          <a:defRPr b="0" baseline="0" cap="none" i="0" spc="0" strike="noStrike" sz="1800" u="none" kumimoji="0" normalizeH="0">
+          <a:defRPr kumimoji="0" sz="1800" b="0" i="0" u="none" strike="noStrike" cap="none" spc="0" normalizeH="0" baseline="0">
             <a:ln>
               <a:noFill/>
             </a:ln>
@@ -7786,8 +7068,7 @@
           <a:buSzTx/>
           <a:buFontTx/>
           <a:buNone/>
-          <a:tabLst/>
-          <a:defRPr b="0" baseline="0" cap="none" i="0" spc="0" strike="noStrike" sz="1800" u="none" kumimoji="0" normalizeH="0">
+          <a:defRPr kumimoji="0" sz="1800" b="0" i="0" u="none" strike="noStrike" cap="none" spc="0" normalizeH="0" baseline="0">
             <a:ln>
               <a:noFill/>
             </a:ln>
@@ -7812,8 +7093,7 @@
           <a:buSzTx/>
           <a:buFontTx/>
           <a:buNone/>
-          <a:tabLst/>
-          <a:defRPr b="0" baseline="0" cap="none" i="0" spc="0" strike="noStrike" sz="1800" u="none" kumimoji="0" normalizeH="0">
+          <a:defRPr kumimoji="0" sz="1800" b="0" i="0" u="none" strike="noStrike" cap="none" spc="0" normalizeH="0" baseline="0">
             <a:ln>
               <a:noFill/>
             </a:ln>
@@ -7838,8 +7118,7 @@
           <a:buSzTx/>
           <a:buFontTx/>
           <a:buNone/>
-          <a:tabLst/>
-          <a:defRPr b="0" baseline="0" cap="none" i="0" spc="0" strike="noStrike" sz="1800" u="none" kumimoji="0" normalizeH="0">
+          <a:defRPr kumimoji="0" sz="1800" b="0" i="0" u="none" strike="noStrike" cap="none" spc="0" normalizeH="0" baseline="0">
             <a:ln>
               <a:noFill/>
             </a:ln>
@@ -7864,8 +7143,7 @@
           <a:buSzTx/>
           <a:buFontTx/>
           <a:buNone/>
-          <a:tabLst/>
-          <a:defRPr b="0" baseline="0" cap="none" i="0" spc="0" strike="noStrike" sz="1800" u="none" kumimoji="0" normalizeH="0">
+          <a:defRPr kumimoji="0" sz="1800" b="0" i="0" u="none" strike="noStrike" cap="none" spc="0" normalizeH="0" baseline="0">
             <a:ln>
               <a:noFill/>
             </a:ln>
@@ -7890,8 +7168,7 @@
           <a:buSzTx/>
           <a:buFontTx/>
           <a:buNone/>
-          <a:tabLst/>
-          <a:defRPr b="0" baseline="0" cap="none" i="0" spc="0" strike="noStrike" sz="1800" u="none" kumimoji="0" normalizeH="0">
+          <a:defRPr kumimoji="0" sz="1800" b="0" i="0" u="none" strike="noStrike" cap="none" spc="0" normalizeH="0" baseline="0">
             <a:ln>
               <a:noFill/>
             </a:ln>
@@ -7916,8 +7193,7 @@
           <a:buSzTx/>
           <a:buFontTx/>
           <a:buNone/>
-          <a:tabLst/>
-          <a:defRPr b="0" baseline="0" cap="none" i="0" spc="0" strike="noStrike" sz="1800" u="none" kumimoji="0" normalizeH="0">
+          <a:defRPr kumimoji="0" sz="1800" b="0" i="0" u="none" strike="noStrike" cap="none" spc="0" normalizeH="0" baseline="0">
             <a:ln>
               <a:noFill/>
             </a:ln>
@@ -7942,8 +7218,7 @@
           <a:buSzTx/>
           <a:buFontTx/>
           <a:buNone/>
-          <a:tabLst/>
-          <a:defRPr b="0" baseline="0" cap="none" i="0" spc="0" strike="noStrike" sz="1800" u="none" kumimoji="0" normalizeH="0">
+          <a:defRPr kumimoji="0" sz="1800" b="0" i="0" u="none" strike="noStrike" cap="none" spc="0" normalizeH="0" baseline="0">
             <a:ln>
               <a:noFill/>
             </a:ln>
@@ -7968,8 +7243,7 @@
           <a:buSzTx/>
           <a:buFontTx/>
           <a:buNone/>
-          <a:tabLst/>
-          <a:defRPr b="0" baseline="0" cap="none" i="0" spc="0" strike="noStrike" sz="1800" u="none" kumimoji="0" normalizeH="0">
+          <a:defRPr kumimoji="0" sz="1800" b="0" i="0" u="none" strike="noStrike" cap="none" spc="0" normalizeH="0" baseline="0">
             <a:ln>
               <a:noFill/>
             </a:ln>
@@ -7982,12 +7256,23 @@
         </a:lvl9pPr>
       </a:lstStyle>
       <a:style>
-        <a:lnRef idx="0"/>
-        <a:fillRef idx="0"/>
-        <a:effectRef idx="0"/>
+        <a:lnRef idx="0">
+          <a:srgbClr val="FFFFFF"/>
+        </a:lnRef>
+        <a:fillRef idx="0">
+          <a:srgbClr val="FFFFFF"/>
+        </a:fillRef>
+        <a:effectRef idx="0">
+          <a:srgbClr val="FFFFFF"/>
+        </a:effectRef>
         <a:fontRef idx="none"/>
       </a:style>
     </a:txDef>
   </a:objectDefaults>
+  <a:extLst>
+    <a:ext uri="{05A4C25C-085E-4340-85A3-A5531E510DB2}">
+      <thm15:themeFamily xmlns:thm15="http://schemas.microsoft.com/office/thememl/2012/main" name="Office Theme" id="{62F939B6-93AF-4DB8-9C6B-D6C7DFDC589F}" vid="{4A3C46E8-61CC-4603-A589-7422A47A8E4A}"/>
+    </a:ext>
+  </a:extLst>
 </a:theme>
 </file>
--- a/doc/phase3/Final Presentation.pptx
+++ b/doc/phase3/Final Presentation.pptx
@@ -5,7 +5,7 @@
     <p:sldMasterId id="2147483648" r:id="rId1"/>
   </p:sldMasterIdLst>
   <p:notesMasterIdLst>
-    <p:notesMasterId r:id="rId15"/>
+    <p:notesMasterId r:id="rId16"/>
   </p:notesMasterIdLst>
   <p:sldIdLst>
     <p:sldId id="256" r:id="rId3"/>
@@ -15,11 +15,12 @@
     <p:sldId id="260" r:id="rId7"/>
     <p:sldId id="261" r:id="rId8"/>
     <p:sldId id="262" r:id="rId9"/>
-    <p:sldId id="263" r:id="rId10"/>
-    <p:sldId id="264" r:id="rId11"/>
-    <p:sldId id="265" r:id="rId12"/>
-    <p:sldId id="267" r:id="rId13"/>
-    <p:sldId id="268" r:id="rId14"/>
+    <p:sldId id="264" r:id="rId10"/>
+    <p:sldId id="263" r:id="rId11"/>
+    <p:sldId id="270" r:id="rId12"/>
+    <p:sldId id="265" r:id="rId13"/>
+    <p:sldId id="267" r:id="rId14"/>
+    <p:sldId id="268" r:id="rId15"/>
   </p:sldIdLst>
   <p:sldSz cx="24384000" cy="13716000"/>
   <p:notesSz cx="6858000" cy="9144000"/>
@@ -3008,6 +3009,207 @@
       </p:grpSpPr>
       <p:sp>
         <p:nvSpPr>
+          <p:cNvPr id="157" name="Versions of Docket"/>
+          <p:cNvSpPr txBox="1"/>
+          <p:nvPr>
+            <p:ph type="title"/>
+          </p:nvPr>
+        </p:nvSpPr>
+        <p:spPr>
+          <a:xfrm>
+            <a:off x="1463083" y="-247541"/>
+            <a:ext cx="20815301" cy="2984501"/>
+          </a:xfrm>
+          <a:prstGeom prst="rect">
+            <a:avLst/>
+          </a:prstGeom>
+        </p:spPr>
+        <p:txBody>
+          <a:bodyPr>
+            <a:normAutofit fontScale="90000"/>
+          </a:bodyPr>
+          <a:lstStyle>
+            <a:lvl1pPr>
+              <a:defRPr sz="12500" b="1">
+                <a:solidFill>
+                  <a:schemeClr val="accent1">
+                    <a:satOff val="-39114"/>
+                    <a:lumOff val="31078"/>
+                  </a:schemeClr>
+                </a:solidFill>
+                <a:latin typeface="Times New Roman" panose="02020603050405020304"/>
+                <a:ea typeface="Times New Roman" panose="02020603050405020304"/>
+                <a:cs typeface="Times New Roman" panose="02020603050405020304"/>
+                <a:sym typeface="Times New Roman" panose="02020603050405020304"/>
+              </a:defRPr>
+            </a:lvl1pPr>
+          </a:lstStyle>
+          <a:p>
+            <a:r>
+              <a:rPr lang="en-US"/>
+              <a:t>Difficulties during Build Phase</a:t>
+            </a:r>
+          </a:p>
+        </p:txBody>
+      </p:sp>
+      <p:sp>
+        <p:nvSpPr>
+          <p:cNvPr id="158" name="0.1.0-0.1.5…"/>
+          <p:cNvSpPr txBox="1"/>
+          <p:nvPr>
+            <p:ph type="body" sz="half" idx="1"/>
+          </p:nvPr>
+        </p:nvSpPr>
+        <p:spPr>
+          <a:xfrm>
+            <a:off x="1346200" y="2438400"/>
+            <a:ext cx="20899755" cy="10586720"/>
+          </a:xfrm>
+          <a:prstGeom prst="rect">
+            <a:avLst/>
+          </a:prstGeom>
+        </p:spPr>
+        <p:txBody>
+          <a:bodyPr>
+            <a:normAutofit lnSpcReduction="10000"/>
+          </a:bodyPr>
+          <a:lstStyle/>
+          <a:p>
+            <a:pPr marL="433070" indent="-433070" algn="just" defTabSz="586105">
+              <a:spcBef>
+                <a:spcPts val="4100"/>
+              </a:spcBef>
+              <a:defRPr sz="4120" b="1">
+                <a:solidFill>
+                  <a:schemeClr val="accent2"/>
+                </a:solidFill>
+                <a:latin typeface="Times New Roman" panose="02020603050405020304"/>
+                <a:ea typeface="Times New Roman" panose="02020603050405020304"/>
+                <a:cs typeface="Times New Roman" panose="02020603050405020304"/>
+                <a:sym typeface="Times New Roman" panose="02020603050405020304"/>
+              </a:defRPr>
+            </a:pPr>
+            <a:r>
+              <a:rPr lang="en-US" sz="6000"/>
+              <a:t>Storage Doesn’t Worked with EDIT.</a:t>
+            </a:r>
+            <a:endParaRPr sz="6000"/>
+          </a:p>
+          <a:p>
+            <a:pPr marL="433070" indent="-433070" algn="just" defTabSz="586105">
+              <a:spcBef>
+                <a:spcPts val="4100"/>
+              </a:spcBef>
+              <a:defRPr sz="4120" b="1">
+                <a:solidFill>
+                  <a:schemeClr val="accent2"/>
+                </a:solidFill>
+                <a:latin typeface="Times New Roman" panose="02020603050405020304"/>
+                <a:ea typeface="Times New Roman" panose="02020603050405020304"/>
+                <a:cs typeface="Times New Roman" panose="02020603050405020304"/>
+                <a:sym typeface="Times New Roman" panose="02020603050405020304"/>
+              </a:defRPr>
+            </a:pPr>
+            <a:r>
+              <a:rPr lang="en-US" sz="6000"/>
+              <a:t>Scrapped Some Functionality Due to Time Constraints and Schedule Constraints.</a:t>
+            </a:r>
+            <a:endParaRPr sz="6000"/>
+          </a:p>
+          <a:p>
+            <a:pPr marL="433070" indent="-433070" algn="just" defTabSz="586105">
+              <a:spcBef>
+                <a:spcPts val="4100"/>
+              </a:spcBef>
+              <a:defRPr sz="4120" b="1">
+                <a:solidFill>
+                  <a:schemeClr val="accent2"/>
+                </a:solidFill>
+                <a:latin typeface="Times New Roman" panose="02020603050405020304"/>
+                <a:ea typeface="Times New Roman" panose="02020603050405020304"/>
+                <a:cs typeface="Times New Roman" panose="02020603050405020304"/>
+                <a:sym typeface="Times New Roman" panose="02020603050405020304"/>
+              </a:defRPr>
+            </a:pPr>
+            <a:r>
+              <a:rPr lang="en-US" sz="6000"/>
+              <a:t>Drag and Drop was messing the ID numbers of Storage.</a:t>
+            </a:r>
+            <a:endParaRPr lang="en-US" sz="6000"/>
+          </a:p>
+          <a:p>
+            <a:pPr marL="433070" indent="-433070" algn="just" defTabSz="586105">
+              <a:spcBef>
+                <a:spcPts val="4100"/>
+              </a:spcBef>
+              <a:defRPr sz="4120" b="1">
+                <a:solidFill>
+                  <a:schemeClr val="accent2"/>
+                </a:solidFill>
+                <a:latin typeface="Times New Roman" panose="02020603050405020304"/>
+                <a:ea typeface="Times New Roman" panose="02020603050405020304"/>
+                <a:cs typeface="Times New Roman" panose="02020603050405020304"/>
+                <a:sym typeface="Times New Roman" panose="02020603050405020304"/>
+              </a:defRPr>
+            </a:pPr>
+            <a:r>
+              <a:rPr lang="en-US" sz="6000"/>
+              <a:t>Notifications and Alerts were scrapped due to them being bugged to popup bar</a:t>
+            </a:r>
+            <a:r>
+              <a:rPr lang="en-US"/>
+              <a:t>.</a:t>
+            </a:r>
+            <a:endParaRPr lang="en-US"/>
+          </a:p>
+          <a:p>
+            <a:pPr marL="0" indent="0" algn="just" defTabSz="586105">
+              <a:spcBef>
+                <a:spcPts val="4100"/>
+              </a:spcBef>
+              <a:buSzTx/>
+              <a:buNone/>
+              <a:defRPr sz="3690">
+                <a:solidFill>
+                  <a:srgbClr val="DDDDDD"/>
+                </a:solidFill>
+                <a:latin typeface="Times New Roman" panose="02020603050405020304"/>
+                <a:ea typeface="Times New Roman" panose="02020603050405020304"/>
+                <a:cs typeface="Times New Roman" panose="02020603050405020304"/>
+                <a:sym typeface="Times New Roman" panose="02020603050405020304"/>
+              </a:defRPr>
+            </a:pPr>
+          </a:p>
+        </p:txBody>
+      </p:sp>
+    </p:spTree>
+  </p:cSld>
+  <p:clrMapOvr>
+    <a:masterClrMapping/>
+  </p:clrMapOvr>
+  <p:transition spd="med"/>
+</p:sld>
+</file>
+
+<file path=ppt/slides/slide11.xml><?xml version="1.0" encoding="utf-8"?>
+<p:sld xmlns:a="http://schemas.openxmlformats.org/drawingml/2006/main" xmlns:r="http://schemas.openxmlformats.org/officeDocument/2006/relationships" xmlns:p="http://schemas.openxmlformats.org/presentationml/2006/main">
+  <p:cSld>
+    <p:spTree>
+      <p:nvGrpSpPr>
+        <p:cNvPr id="1" name=""/>
+        <p:cNvGrpSpPr/>
+        <p:nvPr/>
+      </p:nvGrpSpPr>
+      <p:grpSpPr>
+        <a:xfrm>
+          <a:off x="0" y="0"/>
+          <a:ext cx="0" cy="0"/>
+          <a:chOff x="0" y="0"/>
+          <a:chExt cx="0" cy="0"/>
+        </a:xfrm>
+      </p:grpSpPr>
+      <p:sp>
+        <p:nvSpPr>
           <p:cNvPr id="169" name="Strengths and Weakness"/>
           <p:cNvSpPr txBox="1"/>
           <p:nvPr>
@@ -3214,7 +3416,7 @@
 </p:sld>
 </file>
 
-<file path=ppt/slides/slide11.xml><?xml version="1.0" encoding="utf-8"?>
+<file path=ppt/slides/slide12.xml><?xml version="1.0" encoding="utf-8"?>
 <p:sld xmlns:a="http://schemas.openxmlformats.org/drawingml/2006/main" xmlns:r="http://schemas.openxmlformats.org/officeDocument/2006/relationships" xmlns:p="http://schemas.openxmlformats.org/presentationml/2006/main">
   <p:cSld>
     <p:spTree>
@@ -3370,7 +3572,7 @@
 </p:sld>
 </file>
 
-<file path=ppt/slides/slide12.xml><?xml version="1.0" encoding="utf-8"?>
+<file path=ppt/slides/slide13.xml><?xml version="1.0" encoding="utf-8"?>
 <p:sld xmlns:a="http://schemas.openxmlformats.org/drawingml/2006/main" xmlns:r="http://schemas.openxmlformats.org/officeDocument/2006/relationships" xmlns:p="http://schemas.openxmlformats.org/presentationml/2006/main">
   <p:cSld>
     <p:spTree>
@@ -3540,8 +3742,8 @@
         </p:nvSpPr>
         <p:spPr>
           <a:xfrm>
-            <a:off x="1635117" y="2376184"/>
-            <a:ext cx="21503453" cy="6573789"/>
+            <a:off x="1635117" y="2596028"/>
+            <a:ext cx="21503453" cy="6134100"/>
           </a:xfrm>
           <a:prstGeom prst="rect">
             <a:avLst/>
@@ -3596,9 +3798,6 @@
                 <a:sym typeface="Times New Roman" panose="02020603050405020304"/>
               </a:defRPr>
             </a:pPr>
-            <a:r>
-              <a:t>A list of errands and other tasks often written as memory aid, that one needs or intend to accomplish.</a:t>
-            </a:r>
           </a:p>
         </p:txBody>
       </p:sp>
@@ -3619,7 +3818,7 @@
         </p:blipFill>
         <p:spPr>
           <a:xfrm>
-            <a:off x="16409035" y="8141335"/>
+            <a:off x="16152495" y="7362190"/>
             <a:ext cx="5751195" cy="5303520"/>
           </a:xfrm>
           <a:prstGeom prst="rect">
@@ -3711,7 +3910,7 @@
         </p:nvSpPr>
         <p:spPr>
           <a:xfrm>
-            <a:off x="1190496" y="1535717"/>
+            <a:off x="1190496" y="961677"/>
             <a:ext cx="20968415" cy="6699917"/>
           </a:xfrm>
           <a:prstGeom prst="rect">
@@ -3771,7 +3970,7 @@
         </p:blipFill>
         <p:spPr>
           <a:xfrm>
-            <a:off x="14107269" y="7062500"/>
+            <a:off x="12768689" y="6786275"/>
             <a:ext cx="9493281" cy="6282320"/>
           </a:xfrm>
           <a:prstGeom prst="rect">
@@ -3801,7 +4000,7 @@
         </p:blipFill>
         <p:spPr>
           <a:xfrm>
-            <a:off x="4266565" y="7032625"/>
+            <a:off x="1823085" y="7002780"/>
             <a:ext cx="6152515" cy="6341745"/>
           </a:xfrm>
           <a:prstGeom prst="rect">
@@ -4604,17 +4803,13 @@
       </p:grpSpPr>
       <p:sp>
         <p:nvSpPr>
-          <p:cNvPr id="157" name="Versions of Docket"/>
+          <p:cNvPr id="163" name="Functionalities of Docket"/>
           <p:cNvSpPr txBox="1"/>
           <p:nvPr>
             <p:ph type="title"/>
           </p:nvPr>
         </p:nvSpPr>
         <p:spPr>
-          <a:xfrm>
-            <a:off x="1463083" y="-247541"/>
-            <a:ext cx="20815301" cy="2984501"/>
-          </a:xfrm>
           <a:prstGeom prst="rect">
             <a:avLst/>
           </a:prstGeom>
@@ -4639,14 +4834,14 @@
           </a:lstStyle>
           <a:p>
             <a:r>
-              <a:t>Versions of Docket</a:t>
+              <a:t>Functionalities of Docket</a:t>
             </a:r>
           </a:p>
         </p:txBody>
       </p:sp>
       <p:sp>
         <p:nvSpPr>
-          <p:cNvPr id="158" name="0.1.0-0.1.5…"/>
+          <p:cNvPr id="164" name="Input and Adding Tasks…"/>
           <p:cNvSpPr txBox="1"/>
           <p:nvPr>
             <p:ph type="body" sz="half" idx="1"/>
@@ -4654,8 +4849,8 @@
         </p:nvSpPr>
         <p:spPr>
           <a:xfrm>
-            <a:off x="1346078" y="2438400"/>
-            <a:ext cx="12194353" cy="10586883"/>
+            <a:off x="1790700" y="3644900"/>
+            <a:ext cx="12619961" cy="8839200"/>
           </a:xfrm>
           <a:prstGeom prst="rect">
             <a:avLst/>
@@ -4667,46 +4862,11 @@
           </a:bodyPr>
           <a:lstStyle/>
           <a:p>
-            <a:pPr marL="433070" indent="-433070" algn="just" defTabSz="586105">
+            <a:pPr marL="579120" indent="-579120" algn="just" defTabSz="784225">
               <a:spcBef>
-                <a:spcPts val="4100"/>
+                <a:spcPts val="5600"/>
               </a:spcBef>
-              <a:defRPr sz="4120" b="1">
-                <a:solidFill>
-                  <a:schemeClr val="accent2"/>
-                </a:solidFill>
-                <a:latin typeface="Times New Roman" panose="02020603050405020304"/>
-                <a:ea typeface="Times New Roman" panose="02020603050405020304"/>
-                <a:cs typeface="Times New Roman" panose="02020603050405020304"/>
-                <a:sym typeface="Times New Roman" panose="02020603050405020304"/>
-              </a:defRPr>
-            </a:pPr>
-            <a:r>
-              <a:t>0.1.0</a:t>
-            </a:r>
-            <a:r>
-              <a:rPr lang="en-US"/>
-              <a:t> </a:t>
-            </a:r>
-            <a:r>
-              <a:t>-</a:t>
-            </a:r>
-            <a:r>
-              <a:rPr lang="en-US"/>
-              <a:t> </a:t>
-            </a:r>
-            <a:r>
-              <a:t>0.1.5</a:t>
-            </a:r>
-          </a:p>
-          <a:p>
-            <a:pPr marL="0" indent="0" algn="just" defTabSz="586105">
-              <a:spcBef>
-                <a:spcPts val="4100"/>
-              </a:spcBef>
-              <a:buSzTx/>
-              <a:buNone/>
-              <a:defRPr sz="3690">
+              <a:defRPr sz="4940">
                 <a:solidFill>
                   <a:srgbClr val="DDDDDD"/>
                 </a:solidFill>
@@ -4717,50 +4877,19 @@
               </a:defRPr>
             </a:pPr>
             <a:r>
-              <a:t>Built base model files for docket using default template. Designing HTML , CSS and Javascript file for docket.</a:t>
-            </a:r>
-          </a:p>
-          <a:p>
-            <a:pPr marL="433070" indent="-433070" algn="just" defTabSz="586105">
+              <a:t>Input and Adding Tasks</a:t>
+            </a:r>
+            <a:r>
+              <a:rPr lang="en-US"/>
+              <a:t>.</a:t>
+            </a:r>
+          </a:p>
+          <a:p>
+            <a:pPr marL="579120" indent="-579120" algn="just" defTabSz="784225">
               <a:spcBef>
-                <a:spcPts val="4100"/>
+                <a:spcPts val="5600"/>
               </a:spcBef>
-              <a:defRPr sz="4120" b="1">
-                <a:solidFill>
-                  <a:schemeClr val="accent2"/>
-                </a:solidFill>
-                <a:latin typeface="Times New Roman" panose="02020603050405020304"/>
-                <a:ea typeface="Times New Roman" panose="02020603050405020304"/>
-                <a:cs typeface="Times New Roman" panose="02020603050405020304"/>
-                <a:sym typeface="Times New Roman" panose="02020603050405020304"/>
-              </a:defRPr>
-            </a:pPr>
-            <a:r>
-              <a:t>0.2.0</a:t>
-            </a:r>
-            <a:r>
-              <a:rPr lang="en-US"/>
-              <a:t> </a:t>
-            </a:r>
-            <a:r>
-              <a:t>-</a:t>
-            </a:r>
-            <a:r>
-              <a:rPr lang="en-US"/>
-              <a:t> </a:t>
-            </a:r>
-            <a:r>
-              <a:t>0.2.5</a:t>
-            </a:r>
-          </a:p>
-          <a:p>
-            <a:pPr marL="0" indent="0" algn="just" defTabSz="586105">
-              <a:spcBef>
-                <a:spcPts val="4100"/>
-              </a:spcBef>
-              <a:buSzTx/>
-              <a:buNone/>
-              <a:defRPr sz="3690">
+              <a:defRPr sz="4940">
                 <a:solidFill>
                   <a:srgbClr val="DDDDDD"/>
                 </a:solidFill>
@@ -4771,54 +4900,19 @@
               </a:defRPr>
             </a:pPr>
             <a:r>
-              <a:t>Adding different functionalities adding, deleting tasks. Checking and highlighting completion of a task. Remove unwanted tasks. Working storage permission so items stay inside the model and do not disappear after clicking outside. Creating flags for tasks such as done remove.</a:t>
-            </a:r>
-          </a:p>
-          <a:p>
-            <a:pPr marL="433070" indent="-433070" algn="just" defTabSz="586105">
+              <a:t>Checking or Highlighting Completion of Tasks</a:t>
+            </a:r>
+            <a:r>
+              <a:rPr lang="en-US"/>
+              <a:t>.</a:t>
+            </a:r>
+          </a:p>
+          <a:p>
+            <a:pPr marL="579120" indent="-579120" algn="just" defTabSz="784225">
               <a:spcBef>
-                <a:spcPts val="4100"/>
+                <a:spcPts val="5600"/>
               </a:spcBef>
-              <a:defRPr sz="4120" b="1">
-                <a:solidFill>
-                  <a:schemeClr val="accent2"/>
-                </a:solidFill>
-                <a:latin typeface="Times New Roman" panose="02020603050405020304"/>
-                <a:ea typeface="Times New Roman" panose="02020603050405020304"/>
-                <a:cs typeface="Times New Roman" panose="02020603050405020304"/>
-                <a:sym typeface="Times New Roman" panose="02020603050405020304"/>
-              </a:defRPr>
-            </a:pPr>
-            <a:r>
-              <a:t>0.3.0</a:t>
-            </a:r>
-            <a:r>
-              <a:rPr lang="en-US"/>
-              <a:t> </a:t>
-            </a:r>
-            <a:r>
-              <a:t>-</a:t>
-            </a:r>
-            <a:r>
-              <a:rPr lang="en-US"/>
-              <a:t> </a:t>
-            </a:r>
-            <a:r>
-              <a:t>0.3.</a:t>
-            </a:r>
-            <a:r>
-              <a:rPr lang="en-US"/>
-              <a:t>3</a:t>
-            </a:r>
-          </a:p>
-          <a:p>
-            <a:pPr marL="0" indent="0" algn="just" defTabSz="586105">
-              <a:spcBef>
-                <a:spcPts val="4100"/>
-              </a:spcBef>
-              <a:buSzTx/>
-              <a:buNone/>
-              <a:defRPr sz="3690">
+              <a:defRPr sz="4940">
                 <a:solidFill>
                   <a:srgbClr val="DDDDDD"/>
                 </a:solidFill>
@@ -4829,14 +4923,85 @@
               </a:defRPr>
             </a:pPr>
             <a:r>
-              <a:t>Adding remaining functionalities such as remove all button, priority enabled tasks, editing colour scheme to match the background for CSS. Worked on cleaning bugs that resulted in mismatch errors.</a:t>
-            </a:r>
+              <a:t>Remove completed/unwanted Tasks</a:t>
+            </a:r>
+            <a:r>
+              <a:rPr lang="en-US"/>
+              <a:t>.</a:t>
+            </a:r>
+          </a:p>
+          <a:p>
+            <a:pPr marL="579120" indent="-579120" algn="just" defTabSz="784225">
+              <a:spcBef>
+                <a:spcPts val="5600"/>
+              </a:spcBef>
+              <a:defRPr sz="4940">
+                <a:solidFill>
+                  <a:srgbClr val="DDDDDD"/>
+                </a:solidFill>
+                <a:latin typeface="Times New Roman" panose="02020603050405020304"/>
+                <a:ea typeface="Times New Roman" panose="02020603050405020304"/>
+                <a:cs typeface="Times New Roman" panose="02020603050405020304"/>
+                <a:sym typeface="Times New Roman" panose="02020603050405020304"/>
+              </a:defRPr>
+            </a:pPr>
+            <a:r>
+              <a:t>Remove all button</a:t>
+            </a:r>
+            <a:r>
+              <a:rPr lang="en-US"/>
+              <a:t>.</a:t>
+            </a:r>
+          </a:p>
+          <a:p>
+            <a:pPr marL="579120" indent="-579120" algn="just" defTabSz="784225">
+              <a:spcBef>
+                <a:spcPts val="5600"/>
+              </a:spcBef>
+              <a:defRPr sz="4940">
+                <a:solidFill>
+                  <a:srgbClr val="DDDDDD"/>
+                </a:solidFill>
+                <a:latin typeface="Times New Roman" panose="02020603050405020304"/>
+                <a:ea typeface="Times New Roman" panose="02020603050405020304"/>
+                <a:cs typeface="Times New Roman" panose="02020603050405020304"/>
+                <a:sym typeface="Times New Roman" panose="02020603050405020304"/>
+              </a:defRPr>
+            </a:pPr>
+            <a:r>
+              <a:t>Priority Enabled Tasks</a:t>
+            </a:r>
+            <a:r>
+              <a:rPr lang="en-US"/>
+              <a:t> are Saved.</a:t>
+            </a:r>
+          </a:p>
+          <a:p>
+            <a:pPr marL="579120" indent="-579120" algn="just" defTabSz="784225">
+              <a:spcBef>
+                <a:spcPts val="5600"/>
+              </a:spcBef>
+              <a:defRPr sz="4940">
+                <a:solidFill>
+                  <a:srgbClr val="DDDDDD"/>
+                </a:solidFill>
+                <a:latin typeface="Times New Roman" panose="02020603050405020304"/>
+                <a:ea typeface="Times New Roman" panose="02020603050405020304"/>
+                <a:cs typeface="Times New Roman" panose="02020603050405020304"/>
+                <a:sym typeface="Times New Roman" panose="02020603050405020304"/>
+              </a:defRPr>
+            </a:pPr>
+            <a:r>
+              <a:rPr lang="en-US"/>
+              <a:t>Different color schemes.</a:t>
+            </a:r>
+            <a:endParaRPr lang="en-US"/>
           </a:p>
         </p:txBody>
       </p:sp>
       <p:pic>
         <p:nvPicPr>
-          <p:cNvPr id="159" name="Screenshot 2022-12-06 at 9.55.45 AM.png" descr="Screenshot 2022-12-06 at 9.55.45 AM.png"/>
+          <p:cNvPr id="165" name="Screenshot 2022-12-06 at 9.56.07 AM.png" descr="Screenshot 2022-12-06 at 9.56.07 AM.png"/>
           <p:cNvPicPr>
             <a:picLocks noChangeAspect="1"/>
           </p:cNvPicPr>
@@ -4844,15 +5009,15 @@
         </p:nvPicPr>
         <p:blipFill>
           <a:blip r:embed="rId1"/>
-          <a:srcRect t="513" b="513"/>
+          <a:srcRect t="45" b="45"/>
           <a:stretch>
             <a:fillRect/>
           </a:stretch>
         </p:blipFill>
         <p:spPr>
           <a:xfrm>
-            <a:off x="15325725" y="3787140"/>
-            <a:ext cx="7239000" cy="7889240"/>
+            <a:off x="14856460" y="3803650"/>
+            <a:ext cx="9112885" cy="7226935"/>
           </a:xfrm>
           <a:prstGeom prst="rect">
             <a:avLst/>
@@ -4894,13 +5059,17 @@
       </p:grpSpPr>
       <p:sp>
         <p:nvSpPr>
-          <p:cNvPr id="163" name="Functionalities of Docket"/>
+          <p:cNvPr id="157" name="Versions of Docket"/>
           <p:cNvSpPr txBox="1"/>
           <p:nvPr>
             <p:ph type="title"/>
           </p:nvPr>
         </p:nvSpPr>
         <p:spPr>
+          <a:xfrm>
+            <a:off x="1463083" y="-247541"/>
+            <a:ext cx="20815301" cy="2984501"/>
+          </a:xfrm>
           <a:prstGeom prst="rect">
             <a:avLst/>
           </a:prstGeom>
@@ -4925,14 +5094,14 @@
           </a:lstStyle>
           <a:p>
             <a:r>
-              <a:t>Functionalities of Docket</a:t>
+              <a:t>Versions of Docket</a:t>
             </a:r>
           </a:p>
         </p:txBody>
       </p:sp>
       <p:sp>
         <p:nvSpPr>
-          <p:cNvPr id="164" name="Input and Adding Tasks…"/>
+          <p:cNvPr id="158" name="0.1.0-0.1.5…"/>
           <p:cNvSpPr txBox="1"/>
           <p:nvPr>
             <p:ph type="body" sz="half" idx="1"/>
@@ -4940,8 +5109,8 @@
         </p:nvSpPr>
         <p:spPr>
           <a:xfrm>
-            <a:off x="1790700" y="3644900"/>
-            <a:ext cx="12619961" cy="8839200"/>
+            <a:off x="1346078" y="2438400"/>
+            <a:ext cx="12194353" cy="10586883"/>
           </a:xfrm>
           <a:prstGeom prst="rect">
             <a:avLst/>
@@ -4953,11 +5122,46 @@
           </a:bodyPr>
           <a:lstStyle/>
           <a:p>
-            <a:pPr marL="579120" indent="-579120" algn="just" defTabSz="784225">
+            <a:pPr marL="433070" indent="-433070" algn="just" defTabSz="586105">
               <a:spcBef>
-                <a:spcPts val="5600"/>
+                <a:spcPts val="4100"/>
               </a:spcBef>
-              <a:defRPr sz="4940">
+              <a:defRPr sz="4120" b="1">
+                <a:solidFill>
+                  <a:schemeClr val="accent2"/>
+                </a:solidFill>
+                <a:latin typeface="Times New Roman" panose="02020603050405020304"/>
+                <a:ea typeface="Times New Roman" panose="02020603050405020304"/>
+                <a:cs typeface="Times New Roman" panose="02020603050405020304"/>
+                <a:sym typeface="Times New Roman" panose="02020603050405020304"/>
+              </a:defRPr>
+            </a:pPr>
+            <a:r>
+              <a:t>0.1.0</a:t>
+            </a:r>
+            <a:r>
+              <a:rPr lang="en-US"/>
+              <a:t> </a:t>
+            </a:r>
+            <a:r>
+              <a:t>-</a:t>
+            </a:r>
+            <a:r>
+              <a:rPr lang="en-US"/>
+              <a:t> </a:t>
+            </a:r>
+            <a:r>
+              <a:t>0.1.5</a:t>
+            </a:r>
+          </a:p>
+          <a:p>
+            <a:pPr marL="0" indent="0" algn="just" defTabSz="586105">
+              <a:spcBef>
+                <a:spcPts val="4100"/>
+              </a:spcBef>
+              <a:buSzTx/>
+              <a:buNone/>
+              <a:defRPr sz="3690">
                 <a:solidFill>
                   <a:srgbClr val="DDDDDD"/>
                 </a:solidFill>
@@ -4968,19 +5172,50 @@
               </a:defRPr>
             </a:pPr>
             <a:r>
-              <a:t>Input and Adding Tasks</a:t>
+              <a:t>Built base model files for docket using default template. Designing HTML , CSS and Javascript file for docket.</a:t>
+            </a:r>
+          </a:p>
+          <a:p>
+            <a:pPr marL="433070" indent="-433070" algn="just" defTabSz="586105">
+              <a:spcBef>
+                <a:spcPts val="4100"/>
+              </a:spcBef>
+              <a:defRPr sz="4120" b="1">
+                <a:solidFill>
+                  <a:schemeClr val="accent2"/>
+                </a:solidFill>
+                <a:latin typeface="Times New Roman" panose="02020603050405020304"/>
+                <a:ea typeface="Times New Roman" panose="02020603050405020304"/>
+                <a:cs typeface="Times New Roman" panose="02020603050405020304"/>
+                <a:sym typeface="Times New Roman" panose="02020603050405020304"/>
+              </a:defRPr>
+            </a:pPr>
+            <a:r>
+              <a:t>0.2.0</a:t>
             </a:r>
             <a:r>
               <a:rPr lang="en-US"/>
-              <a:t>.</a:t>
-            </a:r>
-          </a:p>
-          <a:p>
-            <a:pPr marL="579120" indent="-579120" algn="just" defTabSz="784225">
+              <a:t> </a:t>
+            </a:r>
+            <a:r>
+              <a:t>-</a:t>
+            </a:r>
+            <a:r>
+              <a:rPr lang="en-US"/>
+              <a:t> </a:t>
+            </a:r>
+            <a:r>
+              <a:t>0.2.5</a:t>
+            </a:r>
+          </a:p>
+          <a:p>
+            <a:pPr marL="0" indent="0" algn="just" defTabSz="586105">
               <a:spcBef>
-                <a:spcPts val="5600"/>
+                <a:spcPts val="4100"/>
               </a:spcBef>
-              <a:defRPr sz="4940">
+              <a:buSzTx/>
+              <a:buNone/>
+              <a:defRPr sz="3690">
                 <a:solidFill>
                   <a:srgbClr val="DDDDDD"/>
                 </a:solidFill>
@@ -4991,19 +5226,54 @@
               </a:defRPr>
             </a:pPr>
             <a:r>
-              <a:t>Checking or Highlighting Completion of Tasks</a:t>
+              <a:t>Adding different functionalities adding, deleting tasks. Checking and highlighting completion of a task. Remove unwanted tasks. Working storage permission so items stay inside the model and do not disappear after clicking outside. Creating flags for tasks such as done remove.</a:t>
+            </a:r>
+          </a:p>
+          <a:p>
+            <a:pPr marL="433070" indent="-433070" algn="just" defTabSz="586105">
+              <a:spcBef>
+                <a:spcPts val="4100"/>
+              </a:spcBef>
+              <a:defRPr sz="4120" b="1">
+                <a:solidFill>
+                  <a:schemeClr val="accent2"/>
+                </a:solidFill>
+                <a:latin typeface="Times New Roman" panose="02020603050405020304"/>
+                <a:ea typeface="Times New Roman" panose="02020603050405020304"/>
+                <a:cs typeface="Times New Roman" panose="02020603050405020304"/>
+                <a:sym typeface="Times New Roman" panose="02020603050405020304"/>
+              </a:defRPr>
+            </a:pPr>
+            <a:r>
+              <a:t>0.3.0</a:t>
             </a:r>
             <a:r>
               <a:rPr lang="en-US"/>
-              <a:t>.</a:t>
-            </a:r>
-          </a:p>
-          <a:p>
-            <a:pPr marL="579120" indent="-579120" algn="just" defTabSz="784225">
+              <a:t> </a:t>
+            </a:r>
+            <a:r>
+              <a:t>-</a:t>
+            </a:r>
+            <a:r>
+              <a:rPr lang="en-US"/>
+              <a:t> </a:t>
+            </a:r>
+            <a:r>
+              <a:t>0.3.</a:t>
+            </a:r>
+            <a:r>
+              <a:rPr lang="en-US"/>
+              <a:t>3</a:t>
+            </a:r>
+          </a:p>
+          <a:p>
+            <a:pPr marL="0" indent="0" algn="just" defTabSz="586105">
               <a:spcBef>
-                <a:spcPts val="5600"/>
+                <a:spcPts val="4100"/>
               </a:spcBef>
-              <a:defRPr sz="4940">
+              <a:buSzTx/>
+              <a:buNone/>
+              <a:defRPr sz="3690">
                 <a:solidFill>
                   <a:srgbClr val="DDDDDD"/>
                 </a:solidFill>
@@ -5014,85 +5284,14 @@
               </a:defRPr>
             </a:pPr>
             <a:r>
-              <a:t>Remove completed/unwanted Tasks</a:t>
-            </a:r>
-            <a:r>
-              <a:rPr lang="en-US"/>
-              <a:t>.</a:t>
-            </a:r>
-          </a:p>
-          <a:p>
-            <a:pPr marL="579120" indent="-579120" algn="just" defTabSz="784225">
-              <a:spcBef>
-                <a:spcPts val="5600"/>
-              </a:spcBef>
-              <a:defRPr sz="4940">
-                <a:solidFill>
-                  <a:srgbClr val="DDDDDD"/>
-                </a:solidFill>
-                <a:latin typeface="Times New Roman" panose="02020603050405020304"/>
-                <a:ea typeface="Times New Roman" panose="02020603050405020304"/>
-                <a:cs typeface="Times New Roman" panose="02020603050405020304"/>
-                <a:sym typeface="Times New Roman" panose="02020603050405020304"/>
-              </a:defRPr>
-            </a:pPr>
-            <a:r>
-              <a:t>Remove all button</a:t>
-            </a:r>
-            <a:r>
-              <a:rPr lang="en-US"/>
-              <a:t>.</a:t>
-            </a:r>
-          </a:p>
-          <a:p>
-            <a:pPr marL="579120" indent="-579120" algn="just" defTabSz="784225">
-              <a:spcBef>
-                <a:spcPts val="5600"/>
-              </a:spcBef>
-              <a:defRPr sz="4940">
-                <a:solidFill>
-                  <a:srgbClr val="DDDDDD"/>
-                </a:solidFill>
-                <a:latin typeface="Times New Roman" panose="02020603050405020304"/>
-                <a:ea typeface="Times New Roman" panose="02020603050405020304"/>
-                <a:cs typeface="Times New Roman" panose="02020603050405020304"/>
-                <a:sym typeface="Times New Roman" panose="02020603050405020304"/>
-              </a:defRPr>
-            </a:pPr>
-            <a:r>
-              <a:t>Priority Enabled Tasks</a:t>
-            </a:r>
-            <a:r>
-              <a:rPr lang="en-US"/>
-              <a:t> are Saved.</a:t>
-            </a:r>
-          </a:p>
-          <a:p>
-            <a:pPr marL="579120" indent="-579120" algn="just" defTabSz="784225">
-              <a:spcBef>
-                <a:spcPts val="5600"/>
-              </a:spcBef>
-              <a:defRPr sz="4940">
-                <a:solidFill>
-                  <a:srgbClr val="DDDDDD"/>
-                </a:solidFill>
-                <a:latin typeface="Times New Roman" panose="02020603050405020304"/>
-                <a:ea typeface="Times New Roman" panose="02020603050405020304"/>
-                <a:cs typeface="Times New Roman" panose="02020603050405020304"/>
-                <a:sym typeface="Times New Roman" panose="02020603050405020304"/>
-              </a:defRPr>
-            </a:pPr>
-            <a:r>
-              <a:rPr lang="en-US"/>
-              <a:t>Different color schemes.</a:t>
-            </a:r>
-            <a:endParaRPr lang="en-US"/>
+              <a:t>Adding remaining functionalities such as remove all button, priority enabled tasks, editing colour scheme to match the background for CSS. Worked on cleaning bugs that resulted in mismatch errors.</a:t>
+            </a:r>
           </a:p>
         </p:txBody>
       </p:sp>
       <p:pic>
         <p:nvPicPr>
-          <p:cNvPr id="165" name="Screenshot 2022-12-06 at 9.56.07 AM.png" descr="Screenshot 2022-12-06 at 9.56.07 AM.png"/>
+          <p:cNvPr id="159" name="Screenshot 2022-12-06 at 9.55.45 AM.png" descr="Screenshot 2022-12-06 at 9.55.45 AM.png"/>
           <p:cNvPicPr>
             <a:picLocks noChangeAspect="1"/>
           </p:cNvPicPr>
@@ -5100,15 +5299,15 @@
         </p:nvPicPr>
         <p:blipFill>
           <a:blip r:embed="rId1"/>
-          <a:srcRect t="45" b="45"/>
+          <a:srcRect t="513" b="513"/>
           <a:stretch>
             <a:fillRect/>
           </a:stretch>
         </p:blipFill>
         <p:spPr>
           <a:xfrm>
-            <a:off x="14856460" y="3803650"/>
-            <a:ext cx="9112885" cy="7226935"/>
+            <a:off x="15325725" y="3787140"/>
+            <a:ext cx="7239000" cy="7889240"/>
           </a:xfrm>
           <a:prstGeom prst="rect">
             <a:avLst/>
